--- a/Apresentacoes/GEOsREAIS_v1.pptx
+++ b/Apresentacoes/GEOsREAIS_v1.pptx
@@ -5,20 +5,33 @@
     <p:sldMasterId id="2147483648" r:id="rId1"/>
   </p:sldMasterIdLst>
   <p:notesMasterIdLst>
-    <p:notesMasterId r:id="rId11"/>
+    <p:notesMasterId r:id="rId24"/>
   </p:notesMasterIdLst>
   <p:handoutMasterIdLst>
-    <p:handoutMasterId r:id="rId12"/>
+    <p:handoutMasterId r:id="rId25"/>
   </p:handoutMasterIdLst>
   <p:sldIdLst>
     <p:sldId id="256" r:id="rId3"/>
-    <p:sldId id="328" r:id="rId4"/>
-    <p:sldId id="327" r:id="rId5"/>
-    <p:sldId id="331" r:id="rId6"/>
-    <p:sldId id="330" r:id="rId7"/>
-    <p:sldId id="332" r:id="rId8"/>
-    <p:sldId id="329" r:id="rId9"/>
-    <p:sldId id="333" r:id="rId10"/>
+    <p:sldId id="327" r:id="rId4"/>
+    <p:sldId id="352" r:id="rId5"/>
+    <p:sldId id="353" r:id="rId6"/>
+    <p:sldId id="332" r:id="rId7"/>
+    <p:sldId id="340" r:id="rId8"/>
+    <p:sldId id="341" r:id="rId9"/>
+    <p:sldId id="342" r:id="rId10"/>
+    <p:sldId id="344" r:id="rId11"/>
+    <p:sldId id="354" r:id="rId12"/>
+    <p:sldId id="329" r:id="rId13"/>
+    <p:sldId id="328" r:id="rId14"/>
+    <p:sldId id="333" r:id="rId15"/>
+    <p:sldId id="363" r:id="rId16"/>
+    <p:sldId id="364" r:id="rId17"/>
+    <p:sldId id="365" r:id="rId18"/>
+    <p:sldId id="366" r:id="rId19"/>
+    <p:sldId id="367" r:id="rId20"/>
+    <p:sldId id="368" r:id="rId21"/>
+    <p:sldId id="369" r:id="rId22"/>
+    <p:sldId id="370" r:id="rId23"/>
   </p:sldIdLst>
   <p:sldSz cx="12192000" cy="6858000"/>
   <p:notesSz cx="7103745" cy="10234295"/>
@@ -146,7 +159,7 @@
         <p:nvSpPr>
           <p:cNvPr id="2" name="页眉占位符 1"/>
           <p:cNvSpPr>
-            <a:spLocks noGrp="true"/>
+            <a:spLocks noGrp="1"/>
           </p:cNvSpPr>
           <p:nvPr>
             <p:ph type="hdr" sz="quarter"/>
@@ -177,7 +190,7 @@
         <p:nvSpPr>
           <p:cNvPr id="3" name="日期占位符 2"/>
           <p:cNvSpPr>
-            <a:spLocks noGrp="true"/>
+            <a:spLocks noGrp="1"/>
           </p:cNvSpPr>
           <p:nvPr>
             <p:ph type="dt" sz="quarter" idx="1"/>
@@ -211,7 +224,7 @@
         <p:nvSpPr>
           <p:cNvPr id="4" name="页脚占位符 3"/>
           <p:cNvSpPr>
-            <a:spLocks noGrp="true"/>
+            <a:spLocks noGrp="1"/>
           </p:cNvSpPr>
           <p:nvPr>
             <p:ph type="ftr" sz="quarter" idx="2"/>
@@ -242,7 +255,7 @@
         <p:nvSpPr>
           <p:cNvPr id="5" name="灯片编号占位符 4"/>
           <p:cNvSpPr>
-            <a:spLocks noGrp="true"/>
+            <a:spLocks noGrp="1"/>
           </p:cNvSpPr>
           <p:nvPr>
             <p:ph type="sldNum" sz="quarter" idx="3"/>
@@ -304,7 +317,7 @@
         <p:nvSpPr>
           <p:cNvPr id="2" name="页眉占位符 1"/>
           <p:cNvSpPr>
-            <a:spLocks noGrp="true"/>
+            <a:spLocks noGrp="1"/>
           </p:cNvSpPr>
           <p:nvPr>
             <p:ph type="hdr" sz="quarter"/>
@@ -335,7 +348,7 @@
         <p:nvSpPr>
           <p:cNvPr id="3" name="日期占位符 2"/>
           <p:cNvSpPr>
-            <a:spLocks noGrp="true"/>
+            <a:spLocks noGrp="1"/>
           </p:cNvSpPr>
           <p:nvPr>
             <p:ph type="dt" idx="1"/>
@@ -369,7 +382,7 @@
         <p:nvSpPr>
           <p:cNvPr id="4" name="幻灯片图像占位符 3"/>
           <p:cNvSpPr>
-            <a:spLocks noGrp="true" noRot="true" noChangeAspect="true"/>
+            <a:spLocks noGrp="1" noRot="1" noChangeAspect="1"/>
           </p:cNvSpPr>
           <p:nvPr>
             <p:ph type="sldImg" idx="2"/>
@@ -402,7 +415,7 @@
         <p:nvSpPr>
           <p:cNvPr id="5" name="备注占位符 4"/>
           <p:cNvSpPr>
-            <a:spLocks noGrp="true"/>
+            <a:spLocks noGrp="1"/>
           </p:cNvSpPr>
           <p:nvPr>
             <p:ph type="body" sz="quarter" idx="3"/>
@@ -466,7 +479,7 @@
         <p:nvSpPr>
           <p:cNvPr id="6" name="页脚占位符 5"/>
           <p:cNvSpPr>
-            <a:spLocks noGrp="true"/>
+            <a:spLocks noGrp="1"/>
           </p:cNvSpPr>
           <p:nvPr>
             <p:ph type="ftr" sz="quarter" idx="4"/>
@@ -497,7 +510,7 @@
         <p:nvSpPr>
           <p:cNvPr id="7" name="灯片编号占位符 6"/>
           <p:cNvSpPr>
-            <a:spLocks noGrp="true"/>
+            <a:spLocks noGrp="1"/>
           </p:cNvSpPr>
           <p:nvPr>
             <p:ph type="sldNum" sz="quarter" idx="5"/>
@@ -646,7 +659,7 @@
         <p:nvSpPr>
           <p:cNvPr id="2" name="标题 1"/>
           <p:cNvSpPr>
-            <a:spLocks noGrp="true"/>
+            <a:spLocks noGrp="1"/>
           </p:cNvSpPr>
           <p:nvPr>
             <p:ph type="ctrTitle"/>
@@ -695,7 +708,7 @@
         <p:nvSpPr>
           <p:cNvPr id="4" name="日期占位符 3"/>
           <p:cNvSpPr>
-            <a:spLocks noGrp="true"/>
+            <a:spLocks noGrp="1"/>
           </p:cNvSpPr>
           <p:nvPr>
             <p:ph type="dt" sz="half" idx="10"/>
@@ -717,7 +730,7 @@
         <p:nvSpPr>
           <p:cNvPr id="5" name="页脚占位符 4"/>
           <p:cNvSpPr>
-            <a:spLocks noGrp="true"/>
+            <a:spLocks noGrp="1"/>
           </p:cNvSpPr>
           <p:nvPr>
             <p:ph type="ftr" sz="quarter" idx="11"/>
@@ -736,7 +749,7 @@
         <p:nvSpPr>
           <p:cNvPr id="6" name="灯片编号占位符 5"/>
           <p:cNvSpPr>
-            <a:spLocks noGrp="true"/>
+            <a:spLocks noGrp="1"/>
           </p:cNvSpPr>
           <p:nvPr>
             <p:ph type="sldNum" sz="quarter" idx="12"/>
@@ -758,7 +771,7 @@
         <p:nvSpPr>
           <p:cNvPr id="3" name="副标题 2"/>
           <p:cNvSpPr>
-            <a:spLocks noGrp="true"/>
+            <a:spLocks noGrp="1"/>
           </p:cNvSpPr>
           <p:nvPr>
             <p:ph type="subTitle" idx="1"/>
@@ -860,7 +873,7 @@
         <p:nvSpPr>
           <p:cNvPr id="3" name="日期占位符 2"/>
           <p:cNvSpPr>
-            <a:spLocks noGrp="true"/>
+            <a:spLocks noGrp="1"/>
           </p:cNvSpPr>
           <p:nvPr>
             <p:ph type="dt" sz="half" idx="10"/>
@@ -882,7 +895,7 @@
         <p:nvSpPr>
           <p:cNvPr id="4" name="页脚占位符 3"/>
           <p:cNvSpPr>
-            <a:spLocks noGrp="true"/>
+            <a:spLocks noGrp="1"/>
           </p:cNvSpPr>
           <p:nvPr>
             <p:ph type="ftr" sz="quarter" idx="11"/>
@@ -901,7 +914,7 @@
         <p:nvSpPr>
           <p:cNvPr id="5" name="灯片编号占位符 4"/>
           <p:cNvSpPr>
-            <a:spLocks noGrp="true"/>
+            <a:spLocks noGrp="1"/>
           </p:cNvSpPr>
           <p:nvPr>
             <p:ph type="sldNum" sz="quarter" idx="12"/>
@@ -923,7 +936,7 @@
         <p:nvSpPr>
           <p:cNvPr id="7" name="内容占位符 6"/>
           <p:cNvSpPr>
-            <a:spLocks noGrp="true"/>
+            <a:spLocks noGrp="1"/>
           </p:cNvSpPr>
           <p:nvPr>
             <p:ph sz="quarter" idx="13"/>
@@ -1013,7 +1026,7 @@
         <p:nvSpPr>
           <p:cNvPr id="2" name="标题 1"/>
           <p:cNvSpPr>
-            <a:spLocks noGrp="true"/>
+            <a:spLocks noGrp="1"/>
           </p:cNvSpPr>
           <p:nvPr>
             <p:ph type="title"/>
@@ -1026,7 +1039,7 @@
           </a:xfrm>
         </p:spPr>
         <p:txBody>
-          <a:bodyPr anchor="ctr" anchorCtr="false">
+          <a:bodyPr anchor="ctr" anchorCtr="0">
             <a:normAutofit/>
           </a:bodyPr>
           <a:lstStyle>
@@ -1055,7 +1068,7 @@
         <p:nvSpPr>
           <p:cNvPr id="3" name="内容占位符 2"/>
           <p:cNvSpPr>
-            <a:spLocks noGrp="true"/>
+            <a:spLocks noGrp="1"/>
           </p:cNvSpPr>
           <p:nvPr>
             <p:ph idx="1"/>
@@ -1173,7 +1186,7 @@
         <p:nvSpPr>
           <p:cNvPr id="4" name="日期占位符 3"/>
           <p:cNvSpPr>
-            <a:spLocks noGrp="true"/>
+            <a:spLocks noGrp="1"/>
           </p:cNvSpPr>
           <p:nvPr>
             <p:ph type="dt" sz="half" idx="10"/>
@@ -1195,7 +1208,7 @@
         <p:nvSpPr>
           <p:cNvPr id="5" name="页脚占位符 4"/>
           <p:cNvSpPr>
-            <a:spLocks noGrp="true"/>
+            <a:spLocks noGrp="1"/>
           </p:cNvSpPr>
           <p:nvPr>
             <p:ph type="ftr" sz="quarter" idx="11"/>
@@ -1214,7 +1227,7 @@
         <p:nvSpPr>
           <p:cNvPr id="6" name="灯片编号占位符 5"/>
           <p:cNvSpPr>
-            <a:spLocks noGrp="true"/>
+            <a:spLocks noGrp="1"/>
           </p:cNvSpPr>
           <p:nvPr>
             <p:ph type="sldNum" sz="quarter" idx="12"/>
@@ -1261,7 +1274,7 @@
         <p:nvSpPr>
           <p:cNvPr id="2" name="标题 1"/>
           <p:cNvSpPr>
-            <a:spLocks noGrp="true"/>
+            <a:spLocks noGrp="1"/>
           </p:cNvSpPr>
           <p:nvPr>
             <p:ph type="title"/>
@@ -1303,7 +1316,7 @@
         <p:nvSpPr>
           <p:cNvPr id="3" name="文本占位符 2"/>
           <p:cNvSpPr>
-            <a:spLocks noGrp="true"/>
+            <a:spLocks noGrp="1"/>
           </p:cNvSpPr>
           <p:nvPr>
             <p:ph type="body" idx="1"/>
@@ -1427,7 +1440,7 @@
         <p:nvSpPr>
           <p:cNvPr id="4" name="日期占位符 3"/>
           <p:cNvSpPr>
-            <a:spLocks noGrp="true"/>
+            <a:spLocks noGrp="1"/>
           </p:cNvSpPr>
           <p:nvPr>
             <p:ph type="dt" sz="half" idx="10"/>
@@ -1449,7 +1462,7 @@
         <p:nvSpPr>
           <p:cNvPr id="5" name="页脚占位符 4"/>
           <p:cNvSpPr>
-            <a:spLocks noGrp="true"/>
+            <a:spLocks noGrp="1"/>
           </p:cNvSpPr>
           <p:nvPr>
             <p:ph type="ftr" sz="quarter" idx="11"/>
@@ -1468,7 +1481,7 @@
         <p:nvSpPr>
           <p:cNvPr id="6" name="灯片编号占位符 5"/>
           <p:cNvSpPr>
-            <a:spLocks noGrp="true"/>
+            <a:spLocks noGrp="1"/>
           </p:cNvSpPr>
           <p:nvPr>
             <p:ph type="sldNum" sz="quarter" idx="12"/>
@@ -1515,7 +1528,7 @@
         <p:nvSpPr>
           <p:cNvPr id="2" name="标题 1"/>
           <p:cNvSpPr>
-            <a:spLocks noGrp="true"/>
+            <a:spLocks noGrp="1"/>
           </p:cNvSpPr>
           <p:nvPr>
             <p:ph type="title"/>
@@ -1557,7 +1570,7 @@
         <p:nvSpPr>
           <p:cNvPr id="3" name="内容占位符 2"/>
           <p:cNvSpPr>
-            <a:spLocks noGrp="true"/>
+            <a:spLocks noGrp="1"/>
           </p:cNvSpPr>
           <p:nvPr>
             <p:ph sz="half" idx="1"/>
@@ -1690,7 +1703,7 @@
         <p:nvSpPr>
           <p:cNvPr id="4" name="内容占位符 3"/>
           <p:cNvSpPr>
-            <a:spLocks noGrp="true"/>
+            <a:spLocks noGrp="1"/>
           </p:cNvSpPr>
           <p:nvPr>
             <p:ph sz="half" idx="2"/>
@@ -1823,7 +1836,7 @@
         <p:nvSpPr>
           <p:cNvPr id="5" name="日期占位符 4"/>
           <p:cNvSpPr>
-            <a:spLocks noGrp="true"/>
+            <a:spLocks noGrp="1"/>
           </p:cNvSpPr>
           <p:nvPr>
             <p:ph type="dt" sz="half" idx="10"/>
@@ -1845,7 +1858,7 @@
         <p:nvSpPr>
           <p:cNvPr id="6" name="页脚占位符 5"/>
           <p:cNvSpPr>
-            <a:spLocks noGrp="true"/>
+            <a:spLocks noGrp="1"/>
           </p:cNvSpPr>
           <p:nvPr>
             <p:ph type="ftr" sz="quarter" idx="11"/>
@@ -1864,7 +1877,7 @@
         <p:nvSpPr>
           <p:cNvPr id="7" name="灯片编号占位符 6"/>
           <p:cNvSpPr>
-            <a:spLocks noGrp="true"/>
+            <a:spLocks noGrp="1"/>
           </p:cNvSpPr>
           <p:nvPr>
             <p:ph type="sldNum" sz="quarter" idx="12"/>
@@ -1911,7 +1924,7 @@
         <p:nvSpPr>
           <p:cNvPr id="2" name="标题 1"/>
           <p:cNvSpPr>
-            <a:spLocks noGrp="true"/>
+            <a:spLocks noGrp="1"/>
           </p:cNvSpPr>
           <p:nvPr>
             <p:ph type="title"/>
@@ -1939,7 +1952,7 @@
         <p:nvSpPr>
           <p:cNvPr id="3" name="文本占位符 2"/>
           <p:cNvSpPr>
-            <a:spLocks noGrp="true"/>
+            <a:spLocks noGrp="1"/>
           </p:cNvSpPr>
           <p:nvPr>
             <p:ph type="body" idx="1"/>
@@ -2009,7 +2022,7 @@
         <p:nvSpPr>
           <p:cNvPr id="4" name="内容占位符 3"/>
           <p:cNvSpPr>
-            <a:spLocks noGrp="true"/>
+            <a:spLocks noGrp="1"/>
           </p:cNvSpPr>
           <p:nvPr>
             <p:ph sz="half" idx="2"/>
@@ -2074,7 +2087,7 @@
         <p:nvSpPr>
           <p:cNvPr id="5" name="文本占位符 4"/>
           <p:cNvSpPr>
-            <a:spLocks noGrp="true"/>
+            <a:spLocks noGrp="1"/>
           </p:cNvSpPr>
           <p:nvPr>
             <p:ph type="body" sz="quarter" idx="3"/>
@@ -2144,7 +2157,7 @@
         <p:nvSpPr>
           <p:cNvPr id="6" name="内容占位符 5"/>
           <p:cNvSpPr>
-            <a:spLocks noGrp="true"/>
+            <a:spLocks noGrp="1"/>
           </p:cNvSpPr>
           <p:nvPr>
             <p:ph sz="quarter" idx="4"/>
@@ -2209,7 +2222,7 @@
         <p:nvSpPr>
           <p:cNvPr id="7" name="日期占位符 6"/>
           <p:cNvSpPr>
-            <a:spLocks noGrp="true"/>
+            <a:spLocks noGrp="1"/>
           </p:cNvSpPr>
           <p:nvPr>
             <p:ph type="dt" sz="half" idx="10"/>
@@ -2231,7 +2244,7 @@
         <p:nvSpPr>
           <p:cNvPr id="8" name="页脚占位符 7"/>
           <p:cNvSpPr>
-            <a:spLocks noGrp="true"/>
+            <a:spLocks noGrp="1"/>
           </p:cNvSpPr>
           <p:nvPr>
             <p:ph type="ftr" sz="quarter" idx="11"/>
@@ -2250,7 +2263,7 @@
         <p:nvSpPr>
           <p:cNvPr id="9" name="灯片编号占位符 8"/>
           <p:cNvSpPr>
-            <a:spLocks noGrp="true"/>
+            <a:spLocks noGrp="1"/>
           </p:cNvSpPr>
           <p:nvPr>
             <p:ph type="sldNum" sz="quarter" idx="12"/>
@@ -2297,7 +2310,7 @@
         <p:nvSpPr>
           <p:cNvPr id="2" name="标题 1"/>
           <p:cNvSpPr>
-            <a:spLocks noGrp="true"/>
+            <a:spLocks noGrp="1"/>
           </p:cNvSpPr>
           <p:nvPr>
             <p:ph type="title"/>
@@ -2339,7 +2352,7 @@
         <p:nvSpPr>
           <p:cNvPr id="3" name="日期占位符 2"/>
           <p:cNvSpPr>
-            <a:spLocks noGrp="true"/>
+            <a:spLocks noGrp="1"/>
           </p:cNvSpPr>
           <p:nvPr>
             <p:ph type="dt" sz="half" idx="10"/>
@@ -2361,7 +2374,7 @@
         <p:nvSpPr>
           <p:cNvPr id="4" name="页脚占位符 3"/>
           <p:cNvSpPr>
-            <a:spLocks noGrp="true"/>
+            <a:spLocks noGrp="1"/>
           </p:cNvSpPr>
           <p:nvPr>
             <p:ph type="ftr" sz="quarter" idx="11"/>
@@ -2380,7 +2393,7 @@
         <p:nvSpPr>
           <p:cNvPr id="5" name="灯片编号占位符 4"/>
           <p:cNvSpPr>
-            <a:spLocks noGrp="true"/>
+            <a:spLocks noGrp="1"/>
           </p:cNvSpPr>
           <p:nvPr>
             <p:ph type="sldNum" sz="quarter" idx="12"/>
@@ -2427,7 +2440,7 @@
         <p:nvSpPr>
           <p:cNvPr id="2" name="日期占位符 1"/>
           <p:cNvSpPr>
-            <a:spLocks noGrp="true"/>
+            <a:spLocks noGrp="1"/>
           </p:cNvSpPr>
           <p:nvPr>
             <p:ph type="dt" sz="half" idx="10"/>
@@ -2449,7 +2462,7 @@
         <p:nvSpPr>
           <p:cNvPr id="3" name="页脚占位符 2"/>
           <p:cNvSpPr>
-            <a:spLocks noGrp="true"/>
+            <a:spLocks noGrp="1"/>
           </p:cNvSpPr>
           <p:nvPr>
             <p:ph type="ftr" sz="quarter" idx="11"/>
@@ -2468,7 +2481,7 @@
         <p:nvSpPr>
           <p:cNvPr id="4" name="灯片编号占位符 3"/>
           <p:cNvSpPr>
-            <a:spLocks noGrp="true"/>
+            <a:spLocks noGrp="1"/>
           </p:cNvSpPr>
           <p:nvPr>
             <p:ph type="sldNum" sz="quarter" idx="12"/>
@@ -2515,7 +2528,7 @@
         <p:nvSpPr>
           <p:cNvPr id="2" name="标题 1"/>
           <p:cNvSpPr>
-            <a:spLocks noGrp="true"/>
+            <a:spLocks noGrp="1"/>
           </p:cNvSpPr>
           <p:nvPr>
             <p:ph type="title"/>
@@ -2528,7 +2541,7 @@
           </a:xfrm>
         </p:spPr>
         <p:txBody>
-          <a:bodyPr anchor="ctr" anchorCtr="false">
+          <a:bodyPr anchor="ctr" anchorCtr="0">
             <a:normAutofit/>
           </a:bodyPr>
           <a:lstStyle>
@@ -2561,7 +2574,7 @@
         <p:nvSpPr>
           <p:cNvPr id="3" name="图片占位符 2"/>
           <p:cNvSpPr>
-            <a:spLocks noGrp="true" noChangeAspect="true"/>
+            <a:spLocks noGrp="1" noChangeAspect="1"/>
           </p:cNvSpPr>
           <p:nvPr>
             <p:ph type="pic" idx="1"/>
@@ -2622,7 +2635,7 @@
         <p:nvSpPr>
           <p:cNvPr id="4" name="文本占位符 3"/>
           <p:cNvSpPr>
-            <a:spLocks noGrp="true"/>
+            <a:spLocks noGrp="1"/>
           </p:cNvSpPr>
           <p:nvPr>
             <p:ph type="body" sz="half" idx="2"/>
@@ -2693,7 +2706,7 @@
         <p:nvSpPr>
           <p:cNvPr id="5" name="日期占位符 4"/>
           <p:cNvSpPr>
-            <a:spLocks noGrp="true"/>
+            <a:spLocks noGrp="1"/>
           </p:cNvSpPr>
           <p:nvPr>
             <p:ph type="dt" sz="half" idx="10"/>
@@ -2715,7 +2728,7 @@
         <p:nvSpPr>
           <p:cNvPr id="6" name="页脚占位符 5"/>
           <p:cNvSpPr>
-            <a:spLocks noGrp="true"/>
+            <a:spLocks noGrp="1"/>
           </p:cNvSpPr>
           <p:nvPr>
             <p:ph type="ftr" sz="quarter" idx="11"/>
@@ -2734,7 +2747,7 @@
         <p:nvSpPr>
           <p:cNvPr id="7" name="灯片编号占位符 6"/>
           <p:cNvSpPr>
-            <a:spLocks noGrp="true"/>
+            <a:spLocks noGrp="1"/>
           </p:cNvSpPr>
           <p:nvPr>
             <p:ph type="sldNum" sz="quarter" idx="12"/>
@@ -2754,9 +2767,9 @@
       </p:sp>
       <p:cxnSp>
         <p:nvCxnSpPr>
-          <p:cNvPr id="8" name="直接连接符 7" hidden="true"/>
+          <p:cNvPr id="8" name="直接连接符 7" hidden="1"/>
           <p:cNvCxnSpPr/>
-          <p:nvPr userDrawn="true"/>
+          <p:nvPr userDrawn="1"/>
         </p:nvCxnSpPr>
         <p:spPr>
           <a:xfrm>
@@ -2811,7 +2824,7 @@
         <p:nvSpPr>
           <p:cNvPr id="2" name="竖排标题 1"/>
           <p:cNvSpPr>
-            <a:spLocks noGrp="true"/>
+            <a:spLocks noGrp="1"/>
           </p:cNvSpPr>
           <p:nvPr>
             <p:ph type="title" orient="vert"/>
@@ -2845,7 +2858,7 @@
         <p:nvSpPr>
           <p:cNvPr id="3" name="竖排文字占位符 2"/>
           <p:cNvSpPr>
-            <a:spLocks noGrp="true"/>
+            <a:spLocks noGrp="1"/>
           </p:cNvSpPr>
           <p:nvPr>
             <p:ph type="body" orient="vert" idx="1"/>
@@ -2910,7 +2923,7 @@
         <p:nvSpPr>
           <p:cNvPr id="4" name="日期占位符 3"/>
           <p:cNvSpPr>
-            <a:spLocks noGrp="true"/>
+            <a:spLocks noGrp="1"/>
           </p:cNvSpPr>
           <p:nvPr>
             <p:ph type="dt" sz="half" idx="10"/>
@@ -2932,7 +2945,7 @@
         <p:nvSpPr>
           <p:cNvPr id="5" name="页脚占位符 4"/>
           <p:cNvSpPr>
-            <a:spLocks noGrp="true"/>
+            <a:spLocks noGrp="1"/>
           </p:cNvSpPr>
           <p:nvPr>
             <p:ph type="ftr" sz="quarter" idx="11"/>
@@ -2951,7 +2964,7 @@
         <p:nvSpPr>
           <p:cNvPr id="6" name="灯片编号占位符 5"/>
           <p:cNvSpPr>
-            <a:spLocks noGrp="true"/>
+            <a:spLocks noGrp="1"/>
           </p:cNvSpPr>
           <p:nvPr>
             <p:ph type="sldNum" sz="quarter" idx="12"/>
@@ -3006,7 +3019,7 @@
         <p:nvSpPr>
           <p:cNvPr id="2" name="标题占位符 1"/>
           <p:cNvSpPr>
-            <a:spLocks noGrp="true"/>
+            <a:spLocks noGrp="1"/>
           </p:cNvSpPr>
           <p:nvPr>
             <p:ph type="title"/>
@@ -3039,7 +3052,7 @@
         <p:nvSpPr>
           <p:cNvPr id="3" name="文本占位符 2"/>
           <p:cNvSpPr>
-            <a:spLocks noGrp="true"/>
+            <a:spLocks noGrp="1"/>
           </p:cNvSpPr>
           <p:nvPr>
             <p:ph type="body" idx="1"/>
@@ -3109,7 +3122,7 @@
         <p:nvSpPr>
           <p:cNvPr id="4" name="日期占位符 3"/>
           <p:cNvSpPr>
-            <a:spLocks noGrp="true"/>
+            <a:spLocks noGrp="1"/>
           </p:cNvSpPr>
           <p:nvPr>
             <p:ph type="dt" sz="half" idx="2"/>
@@ -3151,7 +3164,7 @@
         <p:nvSpPr>
           <p:cNvPr id="5" name="页脚占位符 4"/>
           <p:cNvSpPr>
-            <a:spLocks noGrp="true"/>
+            <a:spLocks noGrp="1"/>
           </p:cNvSpPr>
           <p:nvPr>
             <p:ph type="ftr" sz="quarter" idx="3"/>
@@ -3190,7 +3203,7 @@
         <p:nvSpPr>
           <p:cNvPr id="6" name="灯片编号占位符 5"/>
           <p:cNvSpPr>
-            <a:spLocks noGrp="true"/>
+            <a:spLocks noGrp="1"/>
           </p:cNvSpPr>
           <p:nvPr>
             <p:ph type="sldNum" sz="quarter" idx="4"/>
@@ -3271,7 +3284,7 @@
         <a:spcBef>
           <a:spcPts val="1000"/>
         </a:spcBef>
-        <a:buFont typeface="Arial" panose="02080604020202020204" pitchFamily="34" charset="0"/>
+        <a:buFont typeface="Arial" panose="020B0604020202020204" pitchFamily="34" charset="0"/>
         <a:buChar char="•"/>
         <a:defRPr sz="2400" kern="1200">
           <a:solidFill>
@@ -3289,7 +3302,7 @@
         <a:spcBef>
           <a:spcPts val="500"/>
         </a:spcBef>
-        <a:buFont typeface="Arial" panose="02080604020202020204" pitchFamily="34" charset="0"/>
+        <a:buFont typeface="Arial" panose="020B0604020202020204" pitchFamily="34" charset="0"/>
         <a:buChar char="•"/>
         <a:defRPr sz="2000" kern="1200">
           <a:solidFill>
@@ -3307,7 +3320,7 @@
         <a:spcBef>
           <a:spcPts val="500"/>
         </a:spcBef>
-        <a:buFont typeface="Arial" panose="02080604020202020204" pitchFamily="34" charset="0"/>
+        <a:buFont typeface="Arial" panose="020B0604020202020204" pitchFamily="34" charset="0"/>
         <a:buChar char="•"/>
         <a:defRPr sz="1800" kern="1200">
           <a:solidFill>
@@ -3325,7 +3338,7 @@
         <a:spcBef>
           <a:spcPts val="500"/>
         </a:spcBef>
-        <a:buFont typeface="Arial" panose="02080604020202020204" pitchFamily="34" charset="0"/>
+        <a:buFont typeface="Arial" panose="020B0604020202020204" pitchFamily="34" charset="0"/>
         <a:buChar char="•"/>
         <a:defRPr sz="1800" kern="1200">
           <a:solidFill>
@@ -3343,7 +3356,7 @@
         <a:spcBef>
           <a:spcPts val="500"/>
         </a:spcBef>
-        <a:buFont typeface="Arial" panose="02080604020202020204" pitchFamily="34" charset="0"/>
+        <a:buFont typeface="Arial" panose="020B0604020202020204" pitchFamily="34" charset="0"/>
         <a:buChar char="•"/>
         <a:defRPr sz="1800" kern="1200">
           <a:solidFill>
@@ -3361,7 +3374,7 @@
         <a:spcBef>
           <a:spcPts val="500"/>
         </a:spcBef>
-        <a:buFont typeface="Arial" panose="02080604020202020204" pitchFamily="34" charset="0"/>
+        <a:buFont typeface="Arial" panose="020B0604020202020204" pitchFamily="34" charset="0"/>
         <a:buChar char="•"/>
         <a:defRPr sz="1800" kern="1200">
           <a:solidFill>
@@ -3379,7 +3392,7 @@
         <a:spcBef>
           <a:spcPts val="500"/>
         </a:spcBef>
-        <a:buFont typeface="Arial" panose="02080604020202020204" pitchFamily="34" charset="0"/>
+        <a:buFont typeface="Arial" panose="020B0604020202020204" pitchFamily="34" charset="0"/>
         <a:buChar char="•"/>
         <a:defRPr sz="1800" kern="1200">
           <a:solidFill>
@@ -3397,7 +3410,7 @@
         <a:spcBef>
           <a:spcPts val="500"/>
         </a:spcBef>
-        <a:buFont typeface="Arial" panose="02080604020202020204" pitchFamily="34" charset="0"/>
+        <a:buFont typeface="Arial" panose="020B0604020202020204" pitchFamily="34" charset="0"/>
         <a:buChar char="•"/>
         <a:defRPr sz="1800" kern="1200">
           <a:solidFill>
@@ -3415,7 +3428,7 @@
         <a:spcBef>
           <a:spcPts val="500"/>
         </a:spcBef>
-        <a:buFont typeface="Arial" panose="02080604020202020204" pitchFamily="34" charset="0"/>
+        <a:buFont typeface="Arial" panose="020B0604020202020204" pitchFamily="34" charset="0"/>
         <a:buChar char="•"/>
         <a:defRPr sz="1800" kern="1200">
           <a:solidFill>
@@ -3540,7 +3553,7 @@
         <p:nvPicPr>
           <p:cNvPr id="6" name="Picture 5"/>
           <p:cNvPicPr>
-            <a:picLocks noChangeAspect="true"/>
+            <a:picLocks noChangeAspect="1"/>
           </p:cNvPicPr>
           <p:nvPr/>
         </p:nvPicPr>
@@ -3564,7 +3577,7 @@
         <p:nvPicPr>
           <p:cNvPr id="4" name="Picture 3"/>
           <p:cNvPicPr>
-            <a:picLocks noChangeAspect="true"/>
+            <a:picLocks noChangeAspect="1"/>
           </p:cNvPicPr>
           <p:nvPr/>
         </p:nvPicPr>
@@ -3588,7 +3601,7 @@
         <p:nvSpPr>
           <p:cNvPr id="2" name="Title 1"/>
           <p:cNvSpPr>
-            <a:spLocks noGrp="true"/>
+            <a:spLocks noGrp="1"/>
           </p:cNvSpPr>
           <p:nvPr>
             <p:ph type="ctrTitle"/>
@@ -3612,7 +3625,7 @@
                   <a:schemeClr val="bg1"/>
                 </a:solidFill>
               </a:rPr>
-              <a:t>Versões Reais dos GEOs</a:t>
+              <a:t>GEOs com Codificação Real</a:t>
             </a:r>
             <a:endParaRPr lang="pt-PT" altLang="en-US" sz="4400">
               <a:solidFill>
@@ -3625,8 +3638,8 @@
       <p:sp>
         <p:nvSpPr>
           <p:cNvPr id="77" name="Google Shape;77;p1"/>
-          <p:cNvSpPr txBox="true">
-            <a:spLocks noGrp="true"/>
+          <p:cNvSpPr txBox="1">
+            <a:spLocks noGrp="1"/>
           </p:cNvSpPr>
           <p:nvPr/>
         </p:nvSpPr>
@@ -3644,7 +3657,7 @@
           </a:ln>
         </p:spPr>
         <p:txBody>
-          <a:bodyPr wrap="square" lIns="103150" tIns="51575" rIns="103150" bIns="51575" anchor="t" anchorCtr="false">
+          <a:bodyPr wrap="square" lIns="103150" tIns="51575" rIns="103150" bIns="51575" anchor="t" anchorCtr="0">
             <a:noAutofit/>
           </a:bodyPr>
           <a:lstStyle>
@@ -3679,10 +3692,10 @@
                 <a:solidFill>
                   <a:schemeClr val="dk1"/>
                 </a:solidFill>
-                <a:latin typeface="Arial"/>
-                <a:ea typeface="Arial"/>
-                <a:cs typeface="Arial"/>
-                <a:sym typeface="Arial"/>
+                <a:latin typeface="Arial" panose="020B0604020202020204"/>
+                <a:ea typeface="Arial" panose="020B0604020202020204"/>
+                <a:cs typeface="Arial" panose="020B0604020202020204"/>
+                <a:sym typeface="Arial" panose="020B0604020202020204"/>
               </a:defRPr>
             </a:lvl1pPr>
             <a:lvl2pPr marL="914400" marR="0" lvl="1" indent="-345440" algn="l" rtl="0">
@@ -3705,10 +3718,10 @@
                 <a:solidFill>
                   <a:schemeClr val="dk1"/>
                 </a:solidFill>
-                <a:latin typeface="Arial"/>
-                <a:ea typeface="Arial"/>
-                <a:cs typeface="Arial"/>
-                <a:sym typeface="Arial"/>
+                <a:latin typeface="Arial" panose="020B0604020202020204"/>
+                <a:ea typeface="Arial" panose="020B0604020202020204"/>
+                <a:cs typeface="Arial" panose="020B0604020202020204"/>
+                <a:sym typeface="Arial" panose="020B0604020202020204"/>
               </a:defRPr>
             </a:lvl2pPr>
             <a:lvl3pPr marL="1371600" marR="0" lvl="2" indent="-323215" algn="l" rtl="0">
@@ -3731,10 +3744,10 @@
                 <a:solidFill>
                   <a:schemeClr val="dk1"/>
                 </a:solidFill>
-                <a:latin typeface="Arial"/>
-                <a:ea typeface="Arial"/>
-                <a:cs typeface="Arial"/>
-                <a:sym typeface="Arial"/>
+                <a:latin typeface="Arial" panose="020B0604020202020204"/>
+                <a:ea typeface="Arial" panose="020B0604020202020204"/>
+                <a:cs typeface="Arial" panose="020B0604020202020204"/>
+                <a:sym typeface="Arial" panose="020B0604020202020204"/>
               </a:defRPr>
             </a:lvl3pPr>
             <a:lvl4pPr marL="1828800" marR="0" lvl="3" indent="-308610" algn="l" rtl="0">
@@ -3757,10 +3770,10 @@
                 <a:solidFill>
                   <a:schemeClr val="dk1"/>
                 </a:solidFill>
-                <a:latin typeface="Arial"/>
-                <a:ea typeface="Arial"/>
-                <a:cs typeface="Arial"/>
-                <a:sym typeface="Arial"/>
+                <a:latin typeface="Arial" panose="020B0604020202020204"/>
+                <a:ea typeface="Arial" panose="020B0604020202020204"/>
+                <a:cs typeface="Arial" panose="020B0604020202020204"/>
+                <a:sym typeface="Arial" panose="020B0604020202020204"/>
               </a:defRPr>
             </a:lvl4pPr>
             <a:lvl5pPr marL="2286000" marR="0" lvl="4" indent="-374650" algn="l" rtl="0">
@@ -3783,10 +3796,10 @@
                 <a:solidFill>
                   <a:schemeClr val="dk1"/>
                 </a:solidFill>
-                <a:latin typeface="Arial"/>
-                <a:ea typeface="Arial"/>
-                <a:cs typeface="Arial"/>
-                <a:sym typeface="Arial"/>
+                <a:latin typeface="Arial" panose="020B0604020202020204"/>
+                <a:ea typeface="Arial" panose="020B0604020202020204"/>
+                <a:cs typeface="Arial" panose="020B0604020202020204"/>
+                <a:sym typeface="Arial" panose="020B0604020202020204"/>
               </a:defRPr>
             </a:lvl5pPr>
             <a:lvl6pPr marL="2743200" marR="0" lvl="5" indent="-374650" algn="l" rtl="0">
@@ -3809,10 +3822,10 @@
                 <a:solidFill>
                   <a:schemeClr val="dk1"/>
                 </a:solidFill>
-                <a:latin typeface="Arial"/>
-                <a:ea typeface="Arial"/>
-                <a:cs typeface="Arial"/>
-                <a:sym typeface="Arial"/>
+                <a:latin typeface="Arial" panose="020B0604020202020204"/>
+                <a:ea typeface="Arial" panose="020B0604020202020204"/>
+                <a:cs typeface="Arial" panose="020B0604020202020204"/>
+                <a:sym typeface="Arial" panose="020B0604020202020204"/>
               </a:defRPr>
             </a:lvl6pPr>
             <a:lvl7pPr marL="3200400" marR="0" lvl="6" indent="-374650" algn="l" rtl="0">
@@ -3835,10 +3848,10 @@
                 <a:solidFill>
                   <a:schemeClr val="dk1"/>
                 </a:solidFill>
-                <a:latin typeface="Arial"/>
-                <a:ea typeface="Arial"/>
-                <a:cs typeface="Arial"/>
-                <a:sym typeface="Arial"/>
+                <a:latin typeface="Arial" panose="020B0604020202020204"/>
+                <a:ea typeface="Arial" panose="020B0604020202020204"/>
+                <a:cs typeface="Arial" panose="020B0604020202020204"/>
+                <a:sym typeface="Arial" panose="020B0604020202020204"/>
               </a:defRPr>
             </a:lvl7pPr>
             <a:lvl8pPr marL="3657600" marR="0" lvl="7" indent="-374650" algn="l" rtl="0">
@@ -3861,10 +3874,10 @@
                 <a:solidFill>
                   <a:schemeClr val="dk1"/>
                 </a:solidFill>
-                <a:latin typeface="Arial"/>
-                <a:ea typeface="Arial"/>
-                <a:cs typeface="Arial"/>
-                <a:sym typeface="Arial"/>
+                <a:latin typeface="Arial" panose="020B0604020202020204"/>
+                <a:ea typeface="Arial" panose="020B0604020202020204"/>
+                <a:cs typeface="Arial" panose="020B0604020202020204"/>
+                <a:sym typeface="Arial" panose="020B0604020202020204"/>
               </a:defRPr>
             </a:lvl8pPr>
             <a:lvl9pPr marL="4114800" marR="0" lvl="8" indent="-374650" algn="l" rtl="0">
@@ -3887,10 +3900,10 @@
                 <a:solidFill>
                   <a:schemeClr val="dk1"/>
                 </a:solidFill>
-                <a:latin typeface="Arial"/>
-                <a:ea typeface="Arial"/>
-                <a:cs typeface="Arial"/>
-                <a:sym typeface="Arial"/>
+                <a:latin typeface="Arial" panose="020B0604020202020204"/>
+                <a:ea typeface="Arial" panose="020B0604020202020204"/>
+                <a:cs typeface="Arial" panose="020B0604020202020204"/>
+                <a:sym typeface="Arial" panose="020B0604020202020204"/>
               </a:defRPr>
             </a:lvl9pPr>
           </a:lstStyle>
@@ -3910,10 +3923,10 @@
             </a:pPr>
             <a:r>
               <a:rPr lang="pt-BR" sz="2400" b="1">
-                <a:latin typeface="Arial"/>
-                <a:ea typeface="Arial"/>
-                <a:cs typeface="Arial"/>
-                <a:sym typeface="Arial"/>
+                <a:latin typeface="Arial" panose="020B0604020202020204"/>
+                <a:ea typeface="Arial" panose="020B0604020202020204"/>
+                <a:cs typeface="Arial" panose="020B0604020202020204"/>
+                <a:sym typeface="Arial" panose="020B0604020202020204"/>
               </a:rPr>
               <a:t>Curso de Pós-Graduação do INPE</a:t>
             </a:r>
@@ -3935,27 +3948,27 @@
             </a:pPr>
             <a:r>
               <a:rPr lang="pt-BR" sz="2400" i="1">
-                <a:latin typeface="Arial"/>
-                <a:ea typeface="Arial"/>
-                <a:cs typeface="Arial"/>
-                <a:sym typeface="Arial"/>
+                <a:latin typeface="Arial" panose="020B0604020202020204"/>
+                <a:ea typeface="Arial" panose="020B0604020202020204"/>
+                <a:cs typeface="Arial" panose="020B0604020202020204"/>
+                <a:sym typeface="Arial" panose="020B0604020202020204"/>
               </a:rPr>
               <a:t>     Engenharia e Tecnologia Espaciais</a:t>
             </a:r>
             <a:br>
               <a:rPr lang="pt-BR" sz="2400">
-                <a:latin typeface="Arial"/>
-                <a:ea typeface="Arial"/>
-                <a:cs typeface="Arial"/>
-                <a:sym typeface="Arial"/>
+                <a:latin typeface="Arial" panose="020B0604020202020204"/>
+                <a:ea typeface="Arial" panose="020B0604020202020204"/>
+                <a:cs typeface="Arial" panose="020B0604020202020204"/>
+                <a:sym typeface="Arial" panose="020B0604020202020204"/>
               </a:rPr>
             </a:br>
             <a:r>
               <a:rPr lang="pt-BR" sz="2400" b="1">
-                <a:latin typeface="Arial"/>
-                <a:ea typeface="Arial"/>
-                <a:cs typeface="Arial"/>
-                <a:sym typeface="Arial"/>
+                <a:latin typeface="Arial" panose="020B0604020202020204"/>
+                <a:ea typeface="Arial" panose="020B0604020202020204"/>
+                <a:cs typeface="Arial" panose="020B0604020202020204"/>
+                <a:sym typeface="Arial" panose="020B0604020202020204"/>
               </a:rPr>
               <a:t>Área de Concentração</a:t>
             </a:r>
@@ -3977,18 +3990,18 @@
             </a:pPr>
             <a:r>
               <a:rPr lang="pt-BR" sz="2400" i="1">
-                <a:latin typeface="Arial"/>
-                <a:ea typeface="Arial"/>
-                <a:cs typeface="Arial"/>
-                <a:sym typeface="Arial"/>
+                <a:latin typeface="Arial" panose="020B0604020202020204"/>
+                <a:ea typeface="Arial" panose="020B0604020202020204"/>
+                <a:cs typeface="Arial" panose="020B0604020202020204"/>
+                <a:sym typeface="Arial" panose="020B0604020202020204"/>
               </a:rPr>
               <a:t>    Engenharia e Gerenciamento de Sistemas Espaciais</a:t>
             </a:r>
             <a:endParaRPr sz="2400">
-              <a:latin typeface="Arial"/>
-              <a:ea typeface="Arial"/>
-              <a:cs typeface="Arial"/>
-              <a:sym typeface="Arial"/>
+              <a:latin typeface="Arial" panose="020B0604020202020204"/>
+              <a:ea typeface="Arial" panose="020B0604020202020204"/>
+              <a:cs typeface="Arial" panose="020B0604020202020204"/>
+              <a:sym typeface="Arial" panose="020B0604020202020204"/>
             </a:endParaRPr>
           </a:p>
         </p:txBody>
@@ -4034,7 +4047,7 @@
 </p:sld>
 </file>
 
-<file path=ppt/slides/slide2.xml><?xml version="1.0" encoding="utf-8"?>
+<file path=ppt/slides/slide10.xml><?xml version="1.0" encoding="utf-8"?>
 <p:sld xmlns:a="http://schemas.openxmlformats.org/drawingml/2006/main" xmlns:r="http://schemas.openxmlformats.org/officeDocument/2006/relationships" xmlns:p="http://schemas.openxmlformats.org/presentationml/2006/main">
   <p:cSld>
     <p:spTree>
@@ -4048,7 +4061,7 @@
         <p:nvPicPr>
           <p:cNvPr id="10" name="Picture 9"/>
           <p:cNvPicPr>
-            <a:picLocks noChangeAspect="true"/>
+            <a:picLocks noChangeAspect="1"/>
           </p:cNvPicPr>
           <p:nvPr/>
         </p:nvPicPr>
@@ -4072,8 +4085,208 @@
       <p:sp>
         <p:nvSpPr>
           <p:cNvPr id="84" name="Google Shape;84;p2"/>
-          <p:cNvSpPr txBox="true">
-            <a:spLocks noGrp="true"/>
+          <p:cNvSpPr txBox="1">
+            <a:spLocks noGrp="1"/>
+          </p:cNvSpPr>
+          <p:nvPr>
+            <p:ph type="title"/>
+          </p:nvPr>
+        </p:nvSpPr>
+        <p:spPr>
+          <a:xfrm>
+            <a:off x="1624330" y="149860"/>
+            <a:ext cx="10005060" cy="603885"/>
+          </a:xfrm>
+          <a:prstGeom prst="rect">
+            <a:avLst/>
+          </a:prstGeom>
+          <a:noFill/>
+          <a:ln>
+            <a:noFill/>
+          </a:ln>
+        </p:spPr>
+        <p:txBody>
+          <a:bodyPr spcFirstLastPara="1" wrap="square" lIns="103150" tIns="51575" rIns="103150" bIns="51575" anchor="ctr" anchorCtr="0">
+            <a:noAutofit/>
+          </a:bodyPr>
+          <a:p>
+            <a:pPr algn="ctr"/>
+            <a:r>
+              <a:rPr lang="pt-PT" altLang="pt-BR" sz="3200">
+                <a:sym typeface="+mn-ea"/>
+              </a:rPr>
+              <a:t>Conclusões: Codificação Real vs. Codificação Binária</a:t>
+            </a:r>
+            <a:endParaRPr lang="pt-PT" altLang="pt-BR" sz="3200">
+              <a:latin typeface="Arial" panose="020B0604020202020204"/>
+              <a:ea typeface="Arial" panose="020B0604020202020204"/>
+              <a:cs typeface="Arial" panose="020B0604020202020204"/>
+              <a:sym typeface="Arial" panose="020B0604020202020204"/>
+            </a:endParaRPr>
+          </a:p>
+        </p:txBody>
+      </p:sp>
+      <p:sp>
+        <p:nvSpPr>
+          <p:cNvPr id="2" name="Text Box 1"/>
+          <p:cNvSpPr txBox="1"/>
+          <p:nvPr/>
+        </p:nvSpPr>
+        <p:spPr>
+          <a:xfrm>
+            <a:off x="724535" y="1035685"/>
+            <a:ext cx="10074275" cy="4523105"/>
+          </a:xfrm>
+          <a:prstGeom prst="rect">
+            <a:avLst/>
+          </a:prstGeom>
+          <a:noFill/>
+        </p:spPr>
+        <p:txBody>
+          <a:bodyPr wrap="square" rtlCol="0">
+            <a:spAutoFit/>
+          </a:bodyPr>
+          <a:p>
+            <a:pPr marL="342900" indent="-342900" algn="l">
+              <a:lnSpc>
+                <a:spcPct val="200000"/>
+              </a:lnSpc>
+              <a:buFont typeface="Arial" panose="020B0604020202020204" pitchFamily="34" charset="0"/>
+              <a:buChar char="•"/>
+            </a:pPr>
+            <a:r>
+              <a:rPr lang="pt-PT" sz="2400"/>
+              <a:t>Codificação real possui um tempo computacional menor em relação as versões do GEO com codificação binária.</a:t>
+            </a:r>
+            <a:endParaRPr lang="pt-PT" sz="2400"/>
+          </a:p>
+          <a:p>
+            <a:pPr marL="342900" indent="-342900" algn="l">
+              <a:lnSpc>
+                <a:spcPct val="200000"/>
+              </a:lnSpc>
+              <a:buFont typeface="Arial" panose="020B0604020202020204" pitchFamily="34" charset="0"/>
+              <a:buChar char="•"/>
+            </a:pPr>
+            <a:endParaRPr lang="pt-PT" sz="2400"/>
+          </a:p>
+          <a:p>
+            <a:pPr marL="342900" indent="-342900" algn="l">
+              <a:lnSpc>
+                <a:spcPct val="200000"/>
+              </a:lnSpc>
+              <a:buFont typeface="Arial" panose="020B0604020202020204" pitchFamily="34" charset="0"/>
+              <a:buChar char="•"/>
+            </a:pPr>
+            <a:r>
+              <a:rPr lang="pt-PT" sz="2400"/>
+              <a:t>Como visto nas versões GEO</a:t>
+            </a:r>
+            <a:r>
+              <a:rPr lang="pt-PT" sz="2400" baseline="-25000">
+                <a:solidFill>
+                  <a:schemeClr val="tx1"/>
+                </a:solidFill>
+                <a:uFillTx/>
+              </a:rPr>
+              <a:t>real1</a:t>
+            </a:r>
+            <a:r>
+              <a:rPr lang="pt-PT" sz="2400"/>
+              <a:t>, A-</a:t>
+            </a:r>
+            <a:r>
+              <a:rPr lang="pt-PT" sz="2400">
+                <a:sym typeface="+mn-ea"/>
+              </a:rPr>
+              <a:t>GEO1</a:t>
+            </a:r>
+            <a:r>
+              <a:rPr lang="pt-PT" sz="2400" baseline="-25000">
+                <a:uFillTx/>
+                <a:sym typeface="+mn-ea"/>
+              </a:rPr>
+              <a:t>real1 </a:t>
+            </a:r>
+            <a:r>
+              <a:rPr lang="pt-PT" sz="2400"/>
+              <a:t>e </a:t>
+            </a:r>
+            <a:r>
+              <a:rPr lang="pt-PT" sz="2400">
+                <a:sym typeface="+mn-ea"/>
+              </a:rPr>
+              <a:t>A-</a:t>
+            </a:r>
+            <a:r>
+              <a:rPr lang="pt-PT" sz="2400">
+                <a:sym typeface="+mn-ea"/>
+              </a:rPr>
+              <a:t>GEO2</a:t>
+            </a:r>
+            <a:r>
+              <a:rPr lang="pt-PT" sz="2400" baseline="-25000">
+                <a:uFillTx/>
+                <a:sym typeface="+mn-ea"/>
+              </a:rPr>
+              <a:t>real1</a:t>
+            </a:r>
+            <a:r>
+              <a:rPr lang="pt-PT" sz="2400"/>
+              <a:t>, a codificação real tem a capacidade de atingir o ótimo para uma classe de problemas.</a:t>
+            </a:r>
+            <a:endParaRPr lang="pt-PT" sz="2400"/>
+          </a:p>
+        </p:txBody>
+      </p:sp>
+    </p:spTree>
+  </p:cSld>
+  <p:clrMapOvr>
+    <a:masterClrMapping/>
+  </p:clrMapOvr>
+</p:sld>
+</file>
+
+<file path=ppt/slides/slide11.xml><?xml version="1.0" encoding="utf-8"?>
+<p:sld xmlns:a="http://schemas.openxmlformats.org/drawingml/2006/main" xmlns:r="http://schemas.openxmlformats.org/officeDocument/2006/relationships" xmlns:p="http://schemas.openxmlformats.org/presentationml/2006/main">
+  <p:cSld>
+    <p:spTree>
+      <p:nvGrpSpPr>
+        <p:cNvPr id="1" name=""/>
+        <p:cNvGrpSpPr/>
+        <p:nvPr/>
+      </p:nvGrpSpPr>
+      <p:grpSpPr/>
+      <p:pic>
+        <p:nvPicPr>
+          <p:cNvPr id="10" name="Picture 9"/>
+          <p:cNvPicPr>
+            <a:picLocks noChangeAspect="1"/>
+          </p:cNvPicPr>
+          <p:nvPr/>
+        </p:nvPicPr>
+        <p:blipFill>
+          <a:blip r:embed="rId1"/>
+          <a:srcRect b="5928"/>
+          <a:stretch>
+            <a:fillRect/>
+          </a:stretch>
+        </p:blipFill>
+        <p:spPr>
+          <a:xfrm>
+            <a:off x="635" y="-19685"/>
+            <a:ext cx="723900" cy="6872605"/>
+          </a:xfrm>
+          <a:prstGeom prst="rect">
+            <a:avLst/>
+          </a:prstGeom>
+        </p:spPr>
+      </p:pic>
+      <p:sp>
+        <p:nvSpPr>
+          <p:cNvPr id="84" name="Google Shape;84;p2"/>
+          <p:cNvSpPr txBox="1">
+            <a:spLocks noGrp="1"/>
           </p:cNvSpPr>
           <p:nvPr>
             <p:ph type="title"/>
@@ -4093,20 +4306,20 @@
           </a:ln>
         </p:spPr>
         <p:txBody>
-          <a:bodyPr spcFirstLastPara="1" wrap="square" lIns="103150" tIns="51575" rIns="103150" bIns="51575" anchor="ctr" anchorCtr="false">
+          <a:bodyPr spcFirstLastPara="1" wrap="square" lIns="103150" tIns="51575" rIns="103150" bIns="51575" anchor="ctr" anchorCtr="0">
             <a:noAutofit/>
           </a:bodyPr>
           <a:p>
             <a:pPr algn="ctr"/>
             <a:r>
               <a:rPr lang="pt-PT" altLang="pt-BR" sz="3200"/>
-              <a:t>Implementação do GEOs Reais</a:t>
+              <a:t>Sugestões Futuras de Implementação</a:t>
             </a:r>
             <a:endParaRPr lang="pt-PT" altLang="pt-BR" sz="3200">
-              <a:latin typeface="Arial"/>
-              <a:ea typeface="Arial"/>
-              <a:cs typeface="Arial"/>
-              <a:sym typeface="Arial"/>
+              <a:latin typeface="Arial" panose="020B0604020202020204"/>
+              <a:ea typeface="Arial" panose="020B0604020202020204"/>
+              <a:cs typeface="Arial" panose="020B0604020202020204"/>
+              <a:sym typeface="Arial" panose="020B0604020202020204"/>
             </a:endParaRPr>
           </a:p>
         </p:txBody>
@@ -4116,12 +4329,629 @@
           <p:sp>
             <p:nvSpPr>
               <p:cNvPr id="2" name="Text Box 1"/>
-              <p:cNvSpPr txBox="true"/>
+              <p:cNvSpPr txBox="1"/>
               <p:nvPr/>
             </p:nvSpPr>
             <p:spPr>
               <a:xfrm>
-                <a:off x="1059180" y="1167765"/>
+                <a:off x="724535" y="970280"/>
+                <a:ext cx="10928985" cy="5631180"/>
+              </a:xfrm>
+              <a:prstGeom prst="rect">
+                <a:avLst/>
+              </a:prstGeom>
+              <a:noFill/>
+            </p:spPr>
+            <p:txBody>
+              <a:bodyPr wrap="square" rtlCol="0">
+                <a:spAutoFit/>
+              </a:bodyPr>
+              <a:p>
+                <a:pPr marL="342900" lvl="0" indent="-342900" algn="l">
+                  <a:lnSpc>
+                    <a:spcPct val="200000"/>
+                  </a:lnSpc>
+                  <a:buFont typeface="Arial" panose="020B0604020202020204" pitchFamily="34" charset="0"/>
+                  <a:buChar char="•"/>
+                </a:pPr>
+                <a:r>
+                  <a:rPr lang="pt-PT" sz="2400" b="1">
+                    <a:sym typeface="+mn-ea"/>
+                  </a:rPr>
+                  <a:t>Perturbações:</a:t>
+                </a:r>
+                <a:endParaRPr lang="pt-PT" sz="2400" b="1">
+                  <a:sym typeface="+mn-ea"/>
+                </a:endParaRPr>
+              </a:p>
+              <a:p>
+                <a:pPr marL="800100" lvl="1" indent="-342900" algn="l">
+                  <a:lnSpc>
+                    <a:spcPct val="200000"/>
+                  </a:lnSpc>
+                  <a:buFont typeface="Arial" panose="020B0604020202020204" pitchFamily="34" charset="0"/>
+                  <a:buChar char="•"/>
+                </a:pPr>
+                <a:r>
+                  <a:rPr lang="pt-PT" sz="2400">
+                    <a:sym typeface="+mn-ea"/>
+                  </a:rPr>
+                  <a:t>GEOs</a:t>
+                </a:r>
+                <a:r>
+                  <a:rPr lang="pt-PT" sz="2400" baseline="-25000">
+                    <a:solidFill>
+                      <a:schemeClr val="tx1"/>
+                    </a:solidFill>
+                    <a:uFillTx/>
+                    <a:sym typeface="+mn-ea"/>
+                  </a:rPr>
+                  <a:t>reais</a:t>
+                </a:r>
+                <a:r>
+                  <a:rPr lang="pt-PT" sz="2400">
+                    <a:sym typeface="+mn-ea"/>
+                  </a:rPr>
+                  <a:t> = </a:t>
+                </a:r>
+                <a14:m>
+                  <m:oMath xmlns:m="http://schemas.openxmlformats.org/officeDocument/2006/math">
+                    <m:r>
+                      <a:rPr lang="en-US" altLang="pt-PT" sz="2400" i="1">
+                        <a:latin typeface="DejaVu Math TeX Gyre" panose="02000503000000000000" charset="0"/>
+                        <a:cs typeface="DejaVu Math TeX Gyre" panose="02000503000000000000" charset="0"/>
+                      </a:rPr>
+                      <m:t>𝜎</m:t>
+                    </m:r>
+                  </m:oMath>
+                </a14:m>
+                <a:r>
+                  <a:rPr lang="pt-PT" sz="2400">
+                    <a:sym typeface="+mn-ea"/>
+                  </a:rPr>
+                  <a:t> fixo </a:t>
+                </a:r>
+                <a14:m>
+                  <m:oMath xmlns:m="http://schemas.openxmlformats.org/officeDocument/2006/math">
+                    <m:r>
+                      <a:rPr lang="en-US" altLang="pt-PT" sz="2400" i="1">
+                        <a:latin typeface="DejaVu Math TeX Gyre" panose="02000503000000000000" charset="0"/>
+                        <a:cs typeface="DejaVu Math TeX Gyre" panose="02000503000000000000" charset="0"/>
+                      </a:rPr>
+                      <m:t>→</m:t>
+                    </m:r>
+                  </m:oMath>
+                </a14:m>
+                <a:r>
+                  <a:rPr lang="pt-PT" sz="2400"/>
+                  <a:t> </a:t>
+                </a:r>
+                <a14:m>
+                  <m:oMath xmlns:m="http://schemas.openxmlformats.org/officeDocument/2006/math">
+                    <m:r>
+                      <a:rPr lang="en-US" altLang="pt-PT" sz="2400" i="1">
+                        <a:latin typeface="DejaVu Math TeX Gyre" panose="02000503000000000000" charset="0"/>
+                        <a:cs typeface="DejaVu Math TeX Gyre" panose="02000503000000000000" charset="0"/>
+                      </a:rPr>
+                      <m:t>𝜎</m:t>
+                    </m:r>
+                  </m:oMath>
+                </a14:m>
+                <a:r>
+                  <a:rPr lang="pt-PT" sz="2400"/>
+                  <a:t> </a:t>
+                </a:r>
+                <a:r>
+                  <a:rPr lang="pt-PT" sz="2400">
+                    <a:solidFill>
+                      <a:schemeClr val="tx1"/>
+                    </a:solidFill>
+                  </a:rPr>
+                  <a:t>adaptativo</a:t>
+                </a:r>
+                <a:endParaRPr lang="pt-PT" sz="2400" b="1">
+                  <a:solidFill>
+                    <a:schemeClr val="accent5">
+                      <a:lumMod val="75000"/>
+                    </a:schemeClr>
+                  </a:solidFill>
+                </a:endParaRPr>
+              </a:p>
+              <a:p>
+                <a:pPr marL="1257300" lvl="2" indent="-342900" algn="l">
+                  <a:lnSpc>
+                    <a:spcPct val="200000"/>
+                  </a:lnSpc>
+                  <a:buFont typeface="Arial" panose="020B0604020202020204" pitchFamily="34" charset="0"/>
+                  <a:buChar char="•"/>
+                </a:pPr>
+                <a14:m>
+                  <m:oMath xmlns:m="http://schemas.openxmlformats.org/officeDocument/2006/math">
+                    <m:r>
+                      <m:rPr>
+                        <m:sty m:val="p"/>
+                      </m:rPr>
+                      <a:rPr lang="en-US" altLang="pt-PT" sz="2400">
+                        <a:latin typeface="DejaVu Math TeX Gyre" panose="02000503000000000000" charset="0"/>
+                        <a:cs typeface="DejaVu Math TeX Gyre" panose="02000503000000000000" charset="0"/>
+                      </a:rPr>
+                      <m:t>σ</m:t>
+                    </m:r>
+                  </m:oMath>
+                </a14:m>
+                <a:r>
+                  <a:rPr lang="pt-PT" sz="2400"/>
+                  <a:t> poderia evoluir com o </a:t>
+                </a:r>
+                <a14:m>
+                  <m:oMath xmlns:m="http://schemas.openxmlformats.org/officeDocument/2006/math">
+                    <m:r>
+                      <a:rPr lang="en-US" altLang="pt-PT" sz="2400" i="1">
+                        <a:latin typeface="DejaVu Math TeX Gyre" panose="02000503000000000000" charset="0"/>
+                        <a:cs typeface="DejaVu Math TeX Gyre" panose="02000503000000000000" charset="0"/>
+                      </a:rPr>
+                      <m:t>𝜏</m:t>
+                    </m:r>
+                  </m:oMath>
+                </a14:m>
+                <a:r>
+                  <a:rPr lang="pt-PT" altLang="en-US" sz="2400">
+                    <a:latin typeface="+mn-ea"/>
+                    <a:cs typeface="+mn-ea"/>
+                  </a:rPr>
+                  <a:t> (exploration = </a:t>
+                </a:r>
+                <a14:m>
+                  <m:oMath xmlns:m="http://schemas.openxmlformats.org/officeDocument/2006/math">
+                    <m:r>
+                      <a:rPr lang="en-US" altLang="pt-PT" sz="2400" i="1">
+                        <a:latin typeface="DejaVu Math TeX Gyre" panose="02000503000000000000" charset="0"/>
+                        <a:cs typeface="DejaVu Math TeX Gyre" panose="02000503000000000000" charset="0"/>
+                      </a:rPr>
+                      <m:t>↑</m:t>
+                    </m:r>
+                    <m:r>
+                      <a:rPr lang="en-US" altLang="pt-PT" sz="2400" i="1">
+                        <a:latin typeface="DejaVu Math TeX Gyre" panose="02000503000000000000" charset="0"/>
+                        <a:cs typeface="DejaVu Math TeX Gyre" panose="02000503000000000000" charset="0"/>
+                      </a:rPr>
+                      <m:t>𝜎</m:t>
+                    </m:r>
+                  </m:oMath>
+                </a14:m>
+                <a:r>
+                  <a:rPr lang="pt-PT" altLang="en-US" sz="2400">
+                    <a:latin typeface="+mn-ea"/>
+                    <a:cs typeface="+mn-ea"/>
+                  </a:rPr>
+                  <a:t>  |  exploitation = </a:t>
+                </a:r>
+                <a14:m>
+                  <m:oMath xmlns:m="http://schemas.openxmlformats.org/officeDocument/2006/math">
+                    <m:r>
+                      <a:rPr lang="en-US" altLang="pt-PT" sz="2400" i="1">
+                        <a:latin typeface="DejaVu Math TeX Gyre" panose="02000503000000000000" charset="0"/>
+                        <a:cs typeface="DejaVu Math TeX Gyre" panose="02000503000000000000" charset="0"/>
+                      </a:rPr>
+                      <m:t>↓</m:t>
+                    </m:r>
+                    <m:r>
+                      <a:rPr lang="en-US" altLang="pt-PT" sz="2400" i="1">
+                        <a:latin typeface="DejaVu Math TeX Gyre" panose="02000503000000000000" charset="0"/>
+                        <a:cs typeface="DejaVu Math TeX Gyre" panose="02000503000000000000" charset="0"/>
+                      </a:rPr>
+                      <m:t>𝜎</m:t>
+                    </m:r>
+                  </m:oMath>
+                </a14:m>
+                <a:r>
+                  <a:rPr lang="pt-PT" altLang="en-US" sz="2400">
+                    <a:latin typeface="DejaVu Math TeX Gyre" panose="02000503000000000000" charset="0"/>
+                    <a:cs typeface="DejaVu Math TeX Gyre" panose="02000503000000000000" charset="0"/>
+                  </a:rPr>
+                  <a:t>)</a:t>
+                </a:r>
+                <a:endParaRPr lang="pt-PT" altLang="en-US" sz="2400">
+                  <a:latin typeface="DejaVu Math TeX Gyre" panose="02000503000000000000" charset="0"/>
+                  <a:cs typeface="DejaVu Math TeX Gyre" panose="02000503000000000000" charset="0"/>
+                </a:endParaRPr>
+              </a:p>
+              <a:p>
+                <a:pPr marL="1714500" lvl="3" indent="-342900" algn="l">
+                  <a:lnSpc>
+                    <a:spcPct val="200000"/>
+                  </a:lnSpc>
+                  <a:buFont typeface="Arial" panose="020B0604020202020204" pitchFamily="34" charset="0"/>
+                  <a:buChar char="•"/>
+                </a:pPr>
+                <a:r>
+                  <a:rPr lang="pt-PT" altLang="en-US" sz="2000">
+                    <a:solidFill>
+                      <a:schemeClr val="tx1"/>
+                    </a:solidFill>
+                    <a:latin typeface="+mn-ea"/>
+                    <a:cs typeface="+mn-ea"/>
+                  </a:rPr>
+                  <a:t>Exploration: Maior </a:t>
+                </a:r>
+                <a14:m>
+                  <m:oMath xmlns:m="http://schemas.openxmlformats.org/officeDocument/2006/math">
+                    <m:r>
+                      <m:rPr>
+                        <m:sty m:val="p"/>
+                      </m:rPr>
+                      <a:rPr lang="en-US" altLang="pt-PT" sz="2000">
+                        <a:latin typeface="DejaVu Math TeX Gyre" panose="02000503000000000000" charset="0"/>
+                        <a:cs typeface="DejaVu Math TeX Gyre" panose="02000503000000000000" charset="0"/>
+                      </a:rPr>
+                      <m:t>σ</m:t>
+                    </m:r>
+                  </m:oMath>
+                </a14:m>
+                <a:r>
+                  <a:rPr lang="pt-PT" altLang="en-US" sz="2000">
+                    <a:latin typeface="DejaVu Math TeX Gyre" panose="02000503000000000000" charset="0"/>
+                    <a:cs typeface="DejaVu Math TeX Gyre" panose="02000503000000000000" charset="0"/>
+                  </a:rPr>
+                  <a:t>, </a:t>
+                </a:r>
+                <a:r>
+                  <a:rPr lang="pt-PT" altLang="en-US" sz="2000">
+                    <a:latin typeface="+mn-ea"/>
+                    <a:cs typeface="+mn-ea"/>
+                    <a:sym typeface="+mn-ea"/>
+                  </a:rPr>
+                  <a:t>permitindo a exploração do espaço de projeto.</a:t>
+                </a:r>
+                <a:endParaRPr lang="pt-PT" altLang="en-US" sz="2000">
+                  <a:latin typeface="+mn-ea"/>
+                  <a:cs typeface="+mn-ea"/>
+                  <a:sym typeface="+mn-ea"/>
+                </a:endParaRPr>
+              </a:p>
+              <a:p>
+                <a:pPr marL="1714500" lvl="3" indent="-342900" algn="l">
+                  <a:lnSpc>
+                    <a:spcPct val="200000"/>
+                  </a:lnSpc>
+                  <a:buFont typeface="Arial" panose="020B0604020202020204" pitchFamily="34" charset="0"/>
+                  <a:buChar char="•"/>
+                </a:pPr>
+                <a:r>
+                  <a:rPr lang="pt-PT" altLang="en-US" sz="2000">
+                    <a:latin typeface="+mn-ea"/>
+                    <a:cs typeface="+mn-ea"/>
+                    <a:sym typeface="+mn-ea"/>
+                  </a:rPr>
+                  <a:t>Exploitation: Menor </a:t>
+                </a:r>
+                <a14:m>
+                  <m:oMath xmlns:m="http://schemas.openxmlformats.org/officeDocument/2006/math">
+                    <m:r>
+                      <m:rPr>
+                        <m:sty m:val="p"/>
+                      </m:rPr>
+                      <a:rPr lang="en-US" altLang="pt-PT" sz="2000">
+                        <a:latin typeface="DejaVu Math TeX Gyre" panose="02000503000000000000" charset="0"/>
+                        <a:cs typeface="DejaVu Math TeX Gyre" panose="02000503000000000000" charset="0"/>
+                      </a:rPr>
+                      <m:t>σ</m:t>
+                    </m:r>
+                  </m:oMath>
+                </a14:m>
+                <a:r>
+                  <a:rPr lang="pt-PT" altLang="en-US" sz="2000">
+                    <a:latin typeface="DejaVu Math TeX Gyre" panose="02000503000000000000" charset="0"/>
+                    <a:cs typeface="DejaVu Math TeX Gyre" panose="02000503000000000000" charset="0"/>
+                    <a:sym typeface="+mn-ea"/>
+                  </a:rPr>
+                  <a:t>, </a:t>
+                </a:r>
+                <a:r>
+                  <a:rPr lang="pt-PT" altLang="en-US" sz="2000">
+                    <a:latin typeface="+mn-ea"/>
+                    <a:cs typeface="+mn-ea"/>
+                    <a:sym typeface="+mn-ea"/>
+                  </a:rPr>
+                  <a:t>com perturbações pequenas.</a:t>
+                </a:r>
+                <a:endParaRPr lang="pt-PT" altLang="en-US" sz="2000">
+                  <a:latin typeface="+mn-ea"/>
+                  <a:cs typeface="+mn-ea"/>
+                  <a:sym typeface="+mn-ea"/>
+                </a:endParaRPr>
+              </a:p>
+              <a:p>
+                <a:pPr marL="1714500" lvl="3" indent="-342900" algn="l">
+                  <a:lnSpc>
+                    <a:spcPct val="200000"/>
+                  </a:lnSpc>
+                  <a:buFont typeface="Arial" panose="020B0604020202020204" pitchFamily="34" charset="0"/>
+                  <a:buChar char="•"/>
+                </a:pPr>
+                <a:r>
+                  <a:rPr lang="pt-PT" altLang="en-US" sz="2000">
+                    <a:solidFill>
+                      <a:srgbClr val="C00000"/>
+                    </a:solidFill>
+                    <a:latin typeface="+mn-ea"/>
+                    <a:cs typeface="+mn-ea"/>
+                    <a:sym typeface="+mn-ea"/>
+                  </a:rPr>
+                  <a:t>Como modificar </a:t>
+                </a:r>
+                <a14:m>
+                  <m:oMath xmlns:m="http://schemas.openxmlformats.org/officeDocument/2006/math">
+                    <m:r>
+                      <m:rPr>
+                        <m:sty m:val="p"/>
+                      </m:rPr>
+                      <a:rPr lang="en-US" altLang="pt-PT" sz="2000">
+                        <a:solidFill>
+                          <a:srgbClr val="C00000"/>
+                        </a:solidFill>
+                        <a:latin typeface="DejaVu Math TeX Gyre" panose="02000503000000000000" charset="0"/>
+                        <a:cs typeface="DejaVu Math TeX Gyre" panose="02000503000000000000" charset="0"/>
+                        <a:sym typeface="+mn-ea"/>
+                      </a:rPr>
+                      <m:t>σ</m:t>
+                    </m:r>
+                  </m:oMath>
+                </a14:m>
+                <a:r>
+                  <a:rPr lang="pt-PT" sz="2000">
+                    <a:solidFill>
+                      <a:srgbClr val="C00000"/>
+                    </a:solidFill>
+                    <a:latin typeface="+mn-ea"/>
+                    <a:cs typeface="+mn-ea"/>
+                    <a:sym typeface="+mn-ea"/>
+                  </a:rPr>
+                  <a:t>?</a:t>
+                </a:r>
+                <a:endParaRPr lang="pt-PT" sz="2000">
+                  <a:solidFill>
+                    <a:srgbClr val="C00000"/>
+                  </a:solidFill>
+                  <a:latin typeface="+mn-ea"/>
+                  <a:cs typeface="+mn-ea"/>
+                  <a:sym typeface="+mn-ea"/>
+                </a:endParaRPr>
+              </a:p>
+              <a:p>
+                <a:pPr marL="800100" lvl="1" indent="-342900" algn="l">
+                  <a:lnSpc>
+                    <a:spcPct val="200000"/>
+                  </a:lnSpc>
+                  <a:buFont typeface="Arial" panose="020B0604020202020204" pitchFamily="34" charset="0"/>
+                  <a:buChar char="•"/>
+                </a:pPr>
+                <a:r>
+                  <a:rPr lang="pt-PT" sz="2400">
+                    <a:sym typeface="+mn-ea"/>
+                  </a:rPr>
+                  <a:t>GEO</a:t>
+                </a:r>
+                <a:r>
+                  <a:rPr lang="pt-PT" sz="2400" baseline="-25000">
+                    <a:uFillTx/>
+                    <a:sym typeface="+mn-ea"/>
+                  </a:rPr>
+                  <a:t>real2</a:t>
+                </a:r>
+                <a:r>
+                  <a:rPr lang="pt-PT" sz="2400"/>
+                  <a:t> = P fixo para cada problema→ </a:t>
+                </a:r>
+                <a:r>
+                  <a:rPr lang="pt-PT">
+                    <a:solidFill>
+                      <a:srgbClr val="C00000"/>
+                    </a:solidFill>
+                  </a:rPr>
+                  <a:t>Como modificar o P?</a:t>
+                </a:r>
+                <a:endParaRPr lang="pt-PT">
+                  <a:solidFill>
+                    <a:srgbClr val="C00000"/>
+                  </a:solidFill>
+                </a:endParaRPr>
+              </a:p>
+              <a:p>
+                <a:pPr marL="800100" lvl="1" indent="-342900" algn="l">
+                  <a:lnSpc>
+                    <a:spcPct val="200000"/>
+                  </a:lnSpc>
+                  <a:buFont typeface="Arial" panose="020B0604020202020204" pitchFamily="34" charset="0"/>
+                  <a:buChar char="•"/>
+                </a:pPr>
+                <a:r>
+                  <a:rPr lang="pt-PT" sz="2400">
+                    <a:sym typeface="+mn-ea"/>
+                  </a:rPr>
+                  <a:t>GEO</a:t>
+                </a:r>
+                <a:r>
+                  <a:rPr lang="pt-PT" sz="2400" baseline="-25000">
+                    <a:uFillTx/>
+                    <a:sym typeface="+mn-ea"/>
+                  </a:rPr>
+                  <a:t>real2</a:t>
+                </a:r>
+                <a:r>
+                  <a:rPr lang="pt-PT" sz="2400">
+                    <a:sym typeface="+mn-ea"/>
+                  </a:rPr>
+                  <a:t> = s sempre fixo→ </a:t>
+                </a:r>
+                <a:r>
+                  <a:rPr lang="pt-PT">
+                    <a:solidFill>
+                      <a:srgbClr val="C00000"/>
+                    </a:solidFill>
+                    <a:sym typeface="+mn-ea"/>
+                  </a:rPr>
+                  <a:t>Como modificar o s?</a:t>
+                </a:r>
+                <a:endParaRPr lang="pt-PT">
+                  <a:solidFill>
+                    <a:srgbClr val="C00000"/>
+                  </a:solidFill>
+                  <a:sym typeface="+mn-ea"/>
+                </a:endParaRPr>
+              </a:p>
+            </p:txBody>
+          </p:sp>
+        </mc:Choice>
+        <mc:Fallback>
+          <p:sp>
+            <p:nvSpPr>
+              <p:cNvPr id="2" name="Text Box 1"/>
+              <p:cNvSpPr txBox="1">
+                <a:spLocks noRot="1" noChangeAspect="1" noMove="1" noResize="1" noEditPoints="1" noAdjustHandles="1" noChangeArrowheads="1" noChangeShapeType="1" noTextEdit="1"/>
+              </p:cNvSpPr>
+              <p:nvPr/>
+            </p:nvSpPr>
+            <p:spPr>
+              <a:xfrm>
+                <a:off x="724535" y="970280"/>
+                <a:ext cx="10928985" cy="5631180"/>
+              </a:xfrm>
+              <a:prstGeom prst="rect">
+                <a:avLst/>
+              </a:prstGeom>
+              <a:blipFill rotWithShape="1">
+                <a:blip r:embed="rId2"/>
+                <a:stretch>
+                  <a:fillRect/>
+                </a:stretch>
+              </a:blipFill>
+            </p:spPr>
+            <p:txBody>
+              <a:bodyPr/>
+              <a:lstStyle/>
+              <a:p>
+                <a:r>
+                  <a:rPr lang="en-US" altLang="en-US">
+                    <a:noFill/>
+                  </a:rPr>
+                  <a:t> </a:t>
+                </a:r>
+              </a:p>
+            </p:txBody>
+          </p:sp>
+        </mc:Fallback>
+      </mc:AlternateContent>
+    </p:spTree>
+  </p:cSld>
+  <p:clrMapOvr>
+    <a:masterClrMapping/>
+  </p:clrMapOvr>
+</p:sld>
+</file>
+
+<file path=ppt/slides/slide12.xml><?xml version="1.0" encoding="utf-8"?>
+<p:sld xmlns:a="http://schemas.openxmlformats.org/drawingml/2006/main" xmlns:r="http://schemas.openxmlformats.org/officeDocument/2006/relationships" xmlns:p="http://schemas.openxmlformats.org/presentationml/2006/main">
+  <p:cSld>
+    <p:spTree>
+      <p:nvGrpSpPr>
+        <p:cNvPr id="1" name=""/>
+        <p:cNvGrpSpPr/>
+        <p:nvPr/>
+      </p:nvGrpSpPr>
+      <p:grpSpPr/>
+      <p:pic>
+        <p:nvPicPr>
+          <p:cNvPr id="10" name="Picture 9"/>
+          <p:cNvPicPr>
+            <a:picLocks noChangeAspect="1"/>
+          </p:cNvPicPr>
+          <p:nvPr/>
+        </p:nvPicPr>
+        <p:blipFill>
+          <a:blip r:embed="rId1"/>
+          <a:srcRect b="5928"/>
+          <a:stretch>
+            <a:fillRect/>
+          </a:stretch>
+        </p:blipFill>
+        <p:spPr>
+          <a:xfrm>
+            <a:off x="635" y="-19685"/>
+            <a:ext cx="723900" cy="6872605"/>
+          </a:xfrm>
+          <a:prstGeom prst="rect">
+            <a:avLst/>
+          </a:prstGeom>
+        </p:spPr>
+      </p:pic>
+      <p:sp>
+        <p:nvSpPr>
+          <p:cNvPr id="84" name="Google Shape;84;p2"/>
+          <p:cNvSpPr txBox="1">
+            <a:spLocks noGrp="1"/>
+          </p:cNvSpPr>
+          <p:nvPr>
+            <p:ph type="title"/>
+          </p:nvPr>
+        </p:nvSpPr>
+        <p:spPr>
+          <a:xfrm>
+            <a:off x="1624151" y="149860"/>
+            <a:ext cx="8229600" cy="603850"/>
+          </a:xfrm>
+          <a:prstGeom prst="rect">
+            <a:avLst/>
+          </a:prstGeom>
+          <a:noFill/>
+          <a:ln>
+            <a:noFill/>
+          </a:ln>
+        </p:spPr>
+        <p:txBody>
+          <a:bodyPr spcFirstLastPara="1" wrap="square" lIns="103150" tIns="51575" rIns="103150" bIns="51575" anchor="ctr" anchorCtr="0">
+            <a:noAutofit/>
+          </a:bodyPr>
+          <a:p>
+            <a:pPr algn="ctr"/>
+            <a:r>
+              <a:rPr lang="pt-PT" altLang="pt-BR" sz="3200">
+                <a:sym typeface="+mn-ea"/>
+              </a:rPr>
+              <a:t>Sugestões </a:t>
+            </a:r>
+            <a:r>
+              <a:rPr lang="pt-PT" altLang="pt-BR" sz="3200">
+                <a:sym typeface="+mn-ea"/>
+              </a:rPr>
+              <a:t>Futuras </a:t>
+            </a:r>
+            <a:r>
+              <a:rPr lang="pt-PT" altLang="pt-BR" sz="3200">
+                <a:sym typeface="+mn-ea"/>
+              </a:rPr>
+              <a:t>de Implementação</a:t>
+            </a:r>
+            <a:endParaRPr lang="pt-PT" altLang="pt-BR" sz="3200">
+              <a:latin typeface="Arial" panose="020B0604020202020204"/>
+              <a:ea typeface="Arial" panose="020B0604020202020204"/>
+              <a:cs typeface="Arial" panose="020B0604020202020204"/>
+              <a:sym typeface="Arial" panose="020B0604020202020204"/>
+            </a:endParaRPr>
+          </a:p>
+        </p:txBody>
+      </p:sp>
+      <mc:AlternateContent xmlns:mc="http://schemas.openxmlformats.org/markup-compatibility/2006">
+        <mc:Choice xmlns:a14="http://schemas.microsoft.com/office/drawing/2010/main" Requires="a14">
+          <p:sp>
+            <p:nvSpPr>
+              <p:cNvPr id="2" name="Text Box 1"/>
+              <p:cNvSpPr txBox="1"/>
+              <p:nvPr/>
+            </p:nvSpPr>
+            <p:spPr>
+              <a:xfrm>
+                <a:off x="724535" y="1035685"/>
                 <a:ext cx="10074275" cy="4523105"/>
               </a:xfrm>
               <a:prstGeom prst="rect">
@@ -4138,12 +4968,12 @@
                   <a:lnSpc>
                     <a:spcPct val="200000"/>
                   </a:lnSpc>
-                  <a:buFont typeface="Arial" panose="02080604020202020204" pitchFamily="34" charset="0"/>
+                  <a:buFont typeface="Arial" panose="020B0604020202020204" pitchFamily="34" charset="0"/>
                   <a:buChar char="•"/>
                 </a:pPr>
                 <a:r>
                   <a:rPr lang="pt-PT" sz="2400" b="1"/>
-                  <a:t>Restrições:</a:t>
+                  <a:t>Penalidade:</a:t>
                 </a:r>
                 <a:endParaRPr lang="pt-PT" sz="2400" b="1"/>
               </a:p>
@@ -4152,7 +4982,7 @@
                   <a:lnSpc>
                     <a:spcPct val="200000"/>
                   </a:lnSpc>
-                  <a:buFont typeface="Arial" panose="02080604020202020204" pitchFamily="34" charset="0"/>
+                  <a:buFont typeface="Arial" panose="020B0604020202020204" pitchFamily="34" charset="0"/>
                   <a:buChar char="•"/>
                 </a:pPr>
                 <a:r>
@@ -4181,7 +5011,7 @@
                   <a:lnSpc>
                     <a:spcPct val="200000"/>
                   </a:lnSpc>
-                  <a:buFont typeface="Arial" panose="02080604020202020204" pitchFamily="34" charset="0"/>
+                  <a:buFont typeface="Arial" panose="020B0604020202020204" pitchFamily="34" charset="0"/>
                   <a:buChar char="•"/>
                 </a:pPr>
                 <a:endParaRPr lang="pt-PT" sz="2400"/>
@@ -4191,7 +5021,7 @@
                   <a:lnSpc>
                     <a:spcPct val="200000"/>
                   </a:lnSpc>
-                  <a:buFont typeface="Arial" panose="02080604020202020204" pitchFamily="34" charset="0"/>
+                  <a:buFont typeface="Arial" panose="020B0604020202020204" pitchFamily="34" charset="0"/>
                   <a:buChar char="•"/>
                 </a:pPr>
                 <a:endParaRPr lang="pt-PT" sz="2400"/>
@@ -4201,7 +5031,7 @@
                   <a:lnSpc>
                     <a:spcPct val="200000"/>
                   </a:lnSpc>
-                  <a:buFont typeface="Arial" panose="02080604020202020204" pitchFamily="34" charset="0"/>
+                  <a:buFont typeface="Arial" panose="020B0604020202020204" pitchFamily="34" charset="0"/>
                   <a:buChar char="•"/>
                 </a:pPr>
                 <a:endParaRPr lang="pt-PT" sz="2400"/>
@@ -4211,7 +5041,7 @@
                   <a:lnSpc>
                     <a:spcPct val="200000"/>
                   </a:lnSpc>
-                  <a:buFont typeface="Arial" panose="02080604020202020204" pitchFamily="34" charset="0"/>
+                  <a:buFont typeface="Arial" panose="020B0604020202020204" pitchFamily="34" charset="0"/>
                   <a:buChar char="•"/>
                 </a:pPr>
                 <a:r>
@@ -4242,20 +5072,20 @@
           <p:sp>
             <p:nvSpPr>
               <p:cNvPr id="2" name="Text Box 1"/>
-              <p:cNvSpPr txBox="true">
-                <a:spLocks noRot="true" noChangeAspect="true" noMove="true" noResize="true" noEditPoints="true" noAdjustHandles="true" noChangeArrowheads="true" noChangeShapeType="true" noTextEdit="true"/>
+              <p:cNvSpPr txBox="1">
+                <a:spLocks noRot="1" noChangeAspect="1" noMove="1" noResize="1" noEditPoints="1" noAdjustHandles="1" noChangeArrowheads="1" noChangeShapeType="1" noTextEdit="1"/>
               </p:cNvSpPr>
               <p:nvPr/>
             </p:nvSpPr>
             <p:spPr>
               <a:xfrm>
-                <a:off x="1059180" y="1167765"/>
+                <a:off x="724535" y="1035685"/>
                 <a:ext cx="10074275" cy="4523105"/>
               </a:xfrm>
               <a:prstGeom prst="rect">
                 <a:avLst/>
               </a:prstGeom>
-              <a:blipFill rotWithShape="true">
+              <a:blipFill rotWithShape="1">
                 <a:blip r:embed="rId2"/>
                 <a:stretch>
                   <a:fillRect/>
@@ -4281,7 +5111,1221 @@
         <p:nvPicPr>
           <p:cNvPr id="4" name="Picture 3" descr="Screenshot_20210201_082110"/>
           <p:cNvPicPr>
-            <a:picLocks noChangeAspect="true"/>
+            <a:picLocks noChangeAspect="1"/>
+          </p:cNvPicPr>
+          <p:nvPr/>
+        </p:nvPicPr>
+        <p:blipFill>
+          <a:blip r:embed="rId3"/>
+          <a:stretch>
+            <a:fillRect/>
+          </a:stretch>
+        </p:blipFill>
+        <p:spPr>
+          <a:xfrm>
+            <a:off x="2803525" y="2801620"/>
+            <a:ext cx="6584315" cy="1744980"/>
+          </a:xfrm>
+          <a:prstGeom prst="rect">
+            <a:avLst/>
+          </a:prstGeom>
+        </p:spPr>
+      </p:pic>
+    </p:spTree>
+  </p:cSld>
+  <p:clrMapOvr>
+    <a:masterClrMapping/>
+  </p:clrMapOvr>
+</p:sld>
+</file>
+
+<file path=ppt/slides/slide13.xml><?xml version="1.0" encoding="utf-8"?>
+<p:sld xmlns:a="http://schemas.openxmlformats.org/drawingml/2006/main" xmlns:r="http://schemas.openxmlformats.org/officeDocument/2006/relationships" xmlns:p="http://schemas.openxmlformats.org/presentationml/2006/main">
+  <p:cSld>
+    <p:spTree>
+      <p:nvGrpSpPr>
+        <p:cNvPr id="1" name=""/>
+        <p:cNvGrpSpPr/>
+        <p:nvPr/>
+      </p:nvGrpSpPr>
+      <p:grpSpPr/>
+      <p:pic>
+        <p:nvPicPr>
+          <p:cNvPr id="10" name="Picture 9"/>
+          <p:cNvPicPr>
+            <a:picLocks noChangeAspect="1"/>
+          </p:cNvPicPr>
+          <p:nvPr/>
+        </p:nvPicPr>
+        <p:blipFill>
+          <a:blip r:embed="rId1"/>
+          <a:srcRect b="5928"/>
+          <a:stretch>
+            <a:fillRect/>
+          </a:stretch>
+        </p:blipFill>
+        <p:spPr>
+          <a:xfrm>
+            <a:off x="635" y="-19685"/>
+            <a:ext cx="723900" cy="6872605"/>
+          </a:xfrm>
+          <a:prstGeom prst="rect">
+            <a:avLst/>
+          </a:prstGeom>
+        </p:spPr>
+      </p:pic>
+      <p:sp>
+        <p:nvSpPr>
+          <p:cNvPr id="84" name="Google Shape;84;p2"/>
+          <p:cNvSpPr txBox="1">
+            <a:spLocks noGrp="1"/>
+          </p:cNvSpPr>
+          <p:nvPr>
+            <p:ph type="title"/>
+          </p:nvPr>
+        </p:nvSpPr>
+        <p:spPr>
+          <a:xfrm>
+            <a:off x="1624151" y="149860"/>
+            <a:ext cx="8229600" cy="603850"/>
+          </a:xfrm>
+          <a:prstGeom prst="rect">
+            <a:avLst/>
+          </a:prstGeom>
+          <a:noFill/>
+          <a:ln>
+            <a:noFill/>
+          </a:ln>
+        </p:spPr>
+        <p:txBody>
+          <a:bodyPr spcFirstLastPara="1" wrap="square" lIns="103150" tIns="51575" rIns="103150" bIns="51575" anchor="ctr" anchorCtr="0">
+            <a:noAutofit/>
+          </a:bodyPr>
+          <a:p>
+            <a:pPr algn="ctr"/>
+            <a:r>
+              <a:rPr lang="pt-PT" altLang="pt-BR" sz="3200">
+                <a:sym typeface="+mn-ea"/>
+              </a:rPr>
+              <a:t>Sugestões </a:t>
+            </a:r>
+            <a:r>
+              <a:rPr lang="pt-PT" altLang="pt-BR" sz="3200">
+                <a:sym typeface="+mn-ea"/>
+              </a:rPr>
+              <a:t>Futuras </a:t>
+            </a:r>
+            <a:r>
+              <a:rPr lang="pt-PT" altLang="pt-BR" sz="3200">
+                <a:sym typeface="+mn-ea"/>
+              </a:rPr>
+              <a:t>de Implementação</a:t>
+            </a:r>
+            <a:endParaRPr lang="pt-PT" altLang="pt-BR" sz="3200">
+              <a:latin typeface="Arial" panose="020B0604020202020204"/>
+              <a:ea typeface="Arial" panose="020B0604020202020204"/>
+              <a:cs typeface="Arial" panose="020B0604020202020204"/>
+              <a:sym typeface="Arial" panose="020B0604020202020204"/>
+            </a:endParaRPr>
+          </a:p>
+        </p:txBody>
+      </p:sp>
+      <mc:AlternateContent xmlns:mc="http://schemas.openxmlformats.org/markup-compatibility/2006">
+        <mc:Choice xmlns:a14="http://schemas.microsoft.com/office/drawing/2010/main" Requires="a14">
+          <p:sp>
+            <p:nvSpPr>
+              <p:cNvPr id="2" name="Text Box 1"/>
+              <p:cNvSpPr txBox="1"/>
+              <p:nvPr/>
+            </p:nvSpPr>
+            <p:spPr>
+              <a:xfrm>
+                <a:off x="631190" y="1052830"/>
+                <a:ext cx="10929620" cy="5462270"/>
+              </a:xfrm>
+              <a:prstGeom prst="rect">
+                <a:avLst/>
+              </a:prstGeom>
+              <a:noFill/>
+            </p:spPr>
+            <p:txBody>
+              <a:bodyPr wrap="square" rtlCol="0">
+                <a:spAutoFit/>
+              </a:bodyPr>
+              <a:p>
+                <a:pPr marL="342900" lvl="0" indent="-342900" algn="just">
+                  <a:lnSpc>
+                    <a:spcPct val="200000"/>
+                  </a:lnSpc>
+                  <a:buFont typeface="Arial" panose="020B0604020202020204" pitchFamily="34" charset="0"/>
+                  <a:buChar char="•"/>
+                </a:pPr>
+                <a:r>
+                  <a:rPr lang="pt-PT" sz="2400" b="1">
+                    <a:sym typeface="+mn-ea"/>
+                  </a:rPr>
+                  <a:t>Penalidade:</a:t>
+                </a:r>
+                <a:endParaRPr lang="pt-PT" sz="2400">
+                  <a:sym typeface="+mn-ea"/>
+                </a:endParaRPr>
+              </a:p>
+              <a:p>
+                <a:pPr lvl="2" indent="-342900" algn="just">
+                  <a:lnSpc>
+                    <a:spcPct val="200000"/>
+                  </a:lnSpc>
+                  <a:buFont typeface="Arial" panose="020B0604020202020204" pitchFamily="34" charset="0"/>
+                  <a:buChar char="•"/>
+                </a:pPr>
+                <a:r>
+                  <a:rPr lang="pt-PT" sz="2400">
+                    <a:sym typeface="+mn-ea"/>
+                  </a:rPr>
+                  <a:t>Penalidade Estática </a:t>
+                </a:r>
+                <a14:m>
+                  <m:oMath xmlns:m="http://schemas.openxmlformats.org/officeDocument/2006/math">
+                    <m:r>
+                      <a:rPr lang="en-US" altLang="pt-PT" sz="2400" i="1">
+                        <a:latin typeface="DejaVu Math TeX Gyre" panose="02000503000000000000" charset="0"/>
+                        <a:cs typeface="DejaVu Math TeX Gyre" panose="02000503000000000000" charset="0"/>
+                      </a:rPr>
+                      <m:t>→</m:t>
+                    </m:r>
+                  </m:oMath>
+                </a14:m>
+                <a:r>
+                  <a:rPr lang="pt-PT" sz="2400">
+                    <a:sym typeface="+mn-ea"/>
+                  </a:rPr>
+                  <a:t> Penalidades dinâmica ou adaptativa</a:t>
+                </a:r>
+                <a:endParaRPr lang="pt-PT" sz="2400">
+                  <a:sym typeface="+mn-ea"/>
+                </a:endParaRPr>
+              </a:p>
+              <a:p>
+                <a:pPr marL="1371600" lvl="5" indent="-342900" algn="just">
+                  <a:lnSpc>
+                    <a:spcPct val="200000"/>
+                  </a:lnSpc>
+                  <a:buFont typeface="Arial" panose="020B0604020202020204" pitchFamily="34" charset="0"/>
+                  <a:buChar char="•"/>
+                </a:pPr>
+                <a14:m>
+                  <m:oMath xmlns:m="http://schemas.openxmlformats.org/officeDocument/2006/math">
+                    <m:r>
+                      <m:rPr>
+                        <m:sty m:val="p"/>
+                      </m:rPr>
+                      <a:rPr lang="en-US" altLang="pt-PT" sz="2400">
+                        <a:latin typeface="DejaVu Math TeX Gyre" panose="02000503000000000000" charset="0"/>
+                        <a:cs typeface="DejaVu Math TeX Gyre" panose="02000503000000000000" charset="0"/>
+                        <a:sym typeface="+mn-ea"/>
+                      </a:rPr>
+                      <m:t>ρ</m:t>
+                    </m:r>
+                  </m:oMath>
+                </a14:m>
+                <a:r>
+                  <a:rPr lang="pt-PT" sz="2400">
+                    <a:sym typeface="+mn-ea"/>
+                  </a:rPr>
+                  <a:t> evolui com o </a:t>
+                </a:r>
+                <a14:m>
+                  <m:oMath xmlns:m="http://schemas.openxmlformats.org/officeDocument/2006/math">
+                    <m:r>
+                      <a:rPr lang="en-US" altLang="pt-PT" sz="2400" i="1">
+                        <a:latin typeface="DejaVu Math TeX Gyre" panose="02000503000000000000" charset="0"/>
+                        <a:cs typeface="DejaVu Math TeX Gyre" panose="02000503000000000000" charset="0"/>
+                      </a:rPr>
+                      <m:t>𝜏</m:t>
+                    </m:r>
+                  </m:oMath>
+                </a14:m>
+                <a:r>
+                  <a:rPr lang="pt-PT" altLang="en-US" sz="2400">
+                    <a:latin typeface="+mn-ea"/>
+                    <a:cs typeface="+mn-ea"/>
+                    <a:sym typeface="+mn-ea"/>
+                  </a:rPr>
+                  <a:t> (exploration = </a:t>
+                </a:r>
+                <a14:m>
+                  <m:oMath xmlns:m="http://schemas.openxmlformats.org/officeDocument/2006/math">
+                    <m:r>
+                      <a:rPr lang="en-US" altLang="pt-PT" sz="2400" i="1">
+                        <a:latin typeface="DejaVu Math TeX Gyre" panose="02000503000000000000" charset="0"/>
+                        <a:cs typeface="DejaVu Math TeX Gyre" panose="02000503000000000000" charset="0"/>
+                      </a:rPr>
+                      <m:t>↓</m:t>
+                    </m:r>
+                    <m:r>
+                      <a:rPr lang="en-US" altLang="pt-PT" sz="2400" i="1">
+                        <a:latin typeface="DejaVu Math TeX Gyre" panose="02000503000000000000" charset="0"/>
+                        <a:cs typeface="DejaVu Math TeX Gyre" panose="02000503000000000000" charset="0"/>
+                      </a:rPr>
+                      <m:t>𝜌</m:t>
+                    </m:r>
+                  </m:oMath>
+                </a14:m>
+                <a:r>
+                  <a:rPr lang="pt-PT" altLang="en-US" sz="2400">
+                    <a:latin typeface="+mn-ea"/>
+                    <a:cs typeface="+mn-ea"/>
+                    <a:sym typeface="+mn-ea"/>
+                  </a:rPr>
+                  <a:t>  |  exploitation = </a:t>
+                </a:r>
+                <a14:m>
+                  <m:oMath xmlns:m="http://schemas.openxmlformats.org/officeDocument/2006/math">
+                    <m:r>
+                      <a:rPr lang="en-US" altLang="pt-PT" sz="2400" i="1">
+                        <a:latin typeface="DejaVu Math TeX Gyre" panose="02000503000000000000" charset="0"/>
+                        <a:cs typeface="DejaVu Math TeX Gyre" panose="02000503000000000000" charset="0"/>
+                      </a:rPr>
+                      <m:t>↑</m:t>
+                    </m:r>
+                    <m:r>
+                      <a:rPr lang="en-US" altLang="pt-PT" sz="2400" i="1">
+                        <a:latin typeface="DejaVu Math TeX Gyre" panose="02000503000000000000" charset="0"/>
+                        <a:cs typeface="DejaVu Math TeX Gyre" panose="02000503000000000000" charset="0"/>
+                      </a:rPr>
+                      <m:t>𝜌</m:t>
+                    </m:r>
+                  </m:oMath>
+                </a14:m>
+                <a:r>
+                  <a:rPr lang="pt-PT" altLang="en-US" sz="2400">
+                    <a:latin typeface="DejaVu Math TeX Gyre" panose="02000503000000000000" charset="0"/>
+                    <a:cs typeface="DejaVu Math TeX Gyre" panose="02000503000000000000" charset="0"/>
+                    <a:sym typeface="+mn-ea"/>
+                  </a:rPr>
+                  <a:t>)</a:t>
+                </a:r>
+                <a:endParaRPr lang="pt-PT" altLang="en-US" sz="2400">
+                  <a:latin typeface="DejaVu Math TeX Gyre" panose="02000503000000000000" charset="0"/>
+                  <a:cs typeface="DejaVu Math TeX Gyre" panose="02000503000000000000" charset="0"/>
+                  <a:sym typeface="+mn-ea"/>
+                </a:endParaRPr>
+              </a:p>
+              <a:p>
+                <a:pPr marL="1828800" lvl="6" indent="-342900" algn="just">
+                  <a:lnSpc>
+                    <a:spcPct val="200000"/>
+                  </a:lnSpc>
+                  <a:spcBef>
+                    <a:spcPts val="600"/>
+                  </a:spcBef>
+                  <a:spcAft>
+                    <a:spcPts val="0"/>
+                  </a:spcAft>
+                  <a:buFont typeface="Arial" panose="020B0604020202020204" pitchFamily="34" charset="0"/>
+                  <a:buChar char="•"/>
+                </a:pPr>
+                <a:r>
+                  <a:rPr lang="pt-PT" altLang="en-US" sz="2000" b="1">
+                    <a:latin typeface="DejaVu Math TeX Gyre" panose="02000503000000000000" charset="0"/>
+                    <a:cs typeface="DejaVu Math TeX Gyre" panose="02000503000000000000" charset="0"/>
+                  </a:rPr>
+                  <a:t>Exploration: </a:t>
+                </a:r>
+                <a:r>
+                  <a:rPr lang="pt-PT" altLang="en-US" sz="2000">
+                    <a:latin typeface="DejaVu Math TeX Gyre" panose="02000503000000000000" charset="0"/>
+                    <a:cs typeface="DejaVu Math TeX Gyre" panose="02000503000000000000" charset="0"/>
+                  </a:rPr>
+                  <a:t>Menor penalidade / Liberdade de exploração do espaço inviável.</a:t>
+                </a:r>
+                <a:endParaRPr lang="pt-PT" altLang="en-US" sz="2000">
+                  <a:latin typeface="DejaVu Math TeX Gyre" panose="02000503000000000000" charset="0"/>
+                  <a:cs typeface="DejaVu Math TeX Gyre" panose="02000503000000000000" charset="0"/>
+                </a:endParaRPr>
+              </a:p>
+              <a:p>
+                <a:pPr marL="1828800" lvl="6" indent="-342900" algn="just">
+                  <a:lnSpc>
+                    <a:spcPct val="200000"/>
+                  </a:lnSpc>
+                  <a:buFont typeface="Arial" panose="020B0604020202020204" pitchFamily="34" charset="0"/>
+                  <a:buChar char="•"/>
+                </a:pPr>
+                <a:r>
+                  <a:rPr lang="pt-PT" altLang="en-US" sz="2000" b="1">
+                    <a:latin typeface="DejaVu Math TeX Gyre" panose="02000503000000000000" charset="0"/>
+                    <a:cs typeface="DejaVu Math TeX Gyre" panose="02000503000000000000" charset="0"/>
+                  </a:rPr>
+                  <a:t>Exploitation:</a:t>
+                </a:r>
+                <a:r>
+                  <a:rPr lang="pt-PT" altLang="en-US" sz="2000">
+                    <a:latin typeface="DejaVu Math TeX Gyre" panose="02000503000000000000" charset="0"/>
+                    <a:cs typeface="DejaVu Math TeX Gyre" panose="02000503000000000000" charset="0"/>
+                  </a:rPr>
+                  <a:t> Maior penalidade / População inviável é dirigida para a região viável.</a:t>
+                </a:r>
+                <a:endParaRPr lang="pt-PT" sz="2400">
+                  <a:sym typeface="+mn-ea"/>
+                </a:endParaRPr>
+              </a:p>
+              <a:p>
+                <a:pPr lvl="4" indent="-342900" algn="just">
+                  <a:lnSpc>
+                    <a:spcPct val="200000"/>
+                  </a:lnSpc>
+                  <a:buFont typeface="Arial" panose="020B0604020202020204" pitchFamily="34" charset="0"/>
+                  <a:buChar char="•"/>
+                </a:pPr>
+                <a:r>
+                  <a:rPr lang="pt-PT" altLang="en-US" sz="2000">
+                    <a:solidFill>
+                      <a:srgbClr val="C00000"/>
+                    </a:solidFill>
+                    <a:latin typeface="+mn-ea"/>
+                    <a:cs typeface="+mn-ea"/>
+                    <a:sym typeface="+mn-ea"/>
+                  </a:rPr>
+                  <a:t>Como modificar </a:t>
+                </a:r>
+                <a14:m>
+                  <m:oMath xmlns:m="http://schemas.openxmlformats.org/officeDocument/2006/math">
+                    <m:r>
+                      <m:rPr>
+                        <m:sty m:val="p"/>
+                      </m:rPr>
+                      <a:rPr lang="en-US" altLang="pt-PT" sz="2000">
+                        <a:solidFill>
+                          <a:srgbClr val="C00000"/>
+                        </a:solidFill>
+                        <a:latin typeface="DejaVu Math TeX Gyre" panose="02000503000000000000" charset="0"/>
+                        <a:cs typeface="DejaVu Math TeX Gyre" panose="02000503000000000000" charset="0"/>
+                        <a:sym typeface="+mn-ea"/>
+                      </a:rPr>
+                      <m:t>ρ</m:t>
+                    </m:r>
+                  </m:oMath>
+                </a14:m>
+                <a:r>
+                  <a:rPr lang="pt-PT" sz="2000">
+                    <a:solidFill>
+                      <a:srgbClr val="C00000"/>
+                    </a:solidFill>
+                    <a:latin typeface="+mn-ea"/>
+                    <a:cs typeface="+mn-ea"/>
+                    <a:sym typeface="+mn-ea"/>
+                  </a:rPr>
+                  <a:t>?</a:t>
+                </a:r>
+                <a:endParaRPr lang="pt-PT" sz="2400"/>
+              </a:p>
+            </p:txBody>
+          </p:sp>
+        </mc:Choice>
+        <mc:Fallback>
+          <p:sp>
+            <p:nvSpPr>
+              <p:cNvPr id="2" name="Text Box 1"/>
+              <p:cNvSpPr txBox="1">
+                <a:spLocks noRot="1" noChangeAspect="1" noMove="1" noResize="1" noEditPoints="1" noAdjustHandles="1" noChangeArrowheads="1" noChangeShapeType="1" noTextEdit="1"/>
+              </p:cNvSpPr>
+              <p:nvPr/>
+            </p:nvSpPr>
+            <p:spPr>
+              <a:xfrm>
+                <a:off x="631190" y="1052830"/>
+                <a:ext cx="10929620" cy="5462270"/>
+              </a:xfrm>
+              <a:prstGeom prst="rect">
+                <a:avLst/>
+              </a:prstGeom>
+              <a:blipFill rotWithShape="1">
+                <a:blip r:embed="rId2"/>
+                <a:stretch>
+                  <a:fillRect/>
+                </a:stretch>
+              </a:blipFill>
+            </p:spPr>
+            <p:txBody>
+              <a:bodyPr/>
+              <a:lstStyle/>
+              <a:p>
+                <a:r>
+                  <a:rPr lang="en-US" altLang="en-US">
+                    <a:noFill/>
+                  </a:rPr>
+                  <a:t> </a:t>
+                </a:r>
+              </a:p>
+            </p:txBody>
+          </p:sp>
+        </mc:Fallback>
+      </mc:AlternateContent>
+    </p:spTree>
+  </p:cSld>
+  <p:clrMapOvr>
+    <a:masterClrMapping/>
+  </p:clrMapOvr>
+</p:sld>
+</file>
+
+<file path=ppt/slides/slide14.xml><?xml version="1.0" encoding="utf-8"?>
+<p:sld xmlns:a="http://schemas.openxmlformats.org/drawingml/2006/main" xmlns:r="http://schemas.openxmlformats.org/officeDocument/2006/relationships" xmlns:p="http://schemas.openxmlformats.org/presentationml/2006/main">
+  <p:cSld>
+    <p:spTree>
+      <p:nvGrpSpPr>
+        <p:cNvPr id="1" name=""/>
+        <p:cNvGrpSpPr/>
+        <p:nvPr/>
+      </p:nvGrpSpPr>
+      <p:grpSpPr/>
+      <p:pic>
+        <p:nvPicPr>
+          <p:cNvPr id="6" name="Picture 5"/>
+          <p:cNvPicPr>
+            <a:picLocks noChangeAspect="1"/>
+          </p:cNvPicPr>
+          <p:nvPr/>
+        </p:nvPicPr>
+        <p:blipFill>
+          <a:blip r:embed="rId1"/>
+          <a:stretch>
+            <a:fillRect/>
+          </a:stretch>
+        </p:blipFill>
+        <p:spPr>
+          <a:xfrm>
+            <a:off x="5080" y="-42545"/>
+            <a:ext cx="12186920" cy="6913245"/>
+          </a:xfrm>
+          <a:prstGeom prst="rect">
+            <a:avLst/>
+          </a:prstGeom>
+        </p:spPr>
+      </p:pic>
+      <p:pic>
+        <p:nvPicPr>
+          <p:cNvPr id="4" name="Picture 3"/>
+          <p:cNvPicPr>
+            <a:picLocks noChangeAspect="1"/>
+          </p:cNvPicPr>
+          <p:nvPr/>
+        </p:nvPicPr>
+        <p:blipFill>
+          <a:blip r:embed="rId2"/>
+          <a:stretch>
+            <a:fillRect/>
+          </a:stretch>
+        </p:blipFill>
+        <p:spPr>
+          <a:xfrm>
+            <a:off x="2617470" y="-42545"/>
+            <a:ext cx="7235825" cy="1279525"/>
+          </a:xfrm>
+          <a:prstGeom prst="rect">
+            <a:avLst/>
+          </a:prstGeom>
+        </p:spPr>
+      </p:pic>
+      <p:sp>
+        <p:nvSpPr>
+          <p:cNvPr id="2" name="Title 1"/>
+          <p:cNvSpPr>
+            <a:spLocks noGrp="1"/>
+          </p:cNvSpPr>
+          <p:nvPr>
+            <p:ph type="ctrTitle"/>
+          </p:nvPr>
+        </p:nvSpPr>
+        <p:spPr>
+          <a:xfrm>
+            <a:off x="2435860" y="2751455"/>
+            <a:ext cx="9144000" cy="995045"/>
+          </a:xfrm>
+        </p:spPr>
+        <p:txBody>
+          <a:bodyPr>
+            <a:normAutofit/>
+          </a:bodyPr>
+          <a:p>
+            <a:pPr algn="ctr"/>
+            <a:r>
+              <a:rPr lang="pt-PT" altLang="en-US" sz="4400">
+                <a:solidFill>
+                  <a:schemeClr val="bg1"/>
+                </a:solidFill>
+              </a:rPr>
+              <a:t>Versões Reais dos GEOs</a:t>
+            </a:r>
+            <a:endParaRPr lang="pt-PT" altLang="en-US" sz="4400">
+              <a:solidFill>
+                <a:schemeClr val="bg1"/>
+              </a:solidFill>
+            </a:endParaRPr>
+          </a:p>
+        </p:txBody>
+      </p:sp>
+      <p:sp>
+        <p:nvSpPr>
+          <p:cNvPr id="77" name="Google Shape;77;p1"/>
+          <p:cNvSpPr txBox="1">
+            <a:spLocks noGrp="1"/>
+          </p:cNvSpPr>
+          <p:nvPr/>
+        </p:nvSpPr>
+        <p:spPr>
+          <a:xfrm>
+            <a:off x="2135505" y="4727575"/>
+            <a:ext cx="8707120" cy="1887855"/>
+          </a:xfrm>
+          <a:prstGeom prst="rect">
+            <a:avLst/>
+          </a:prstGeom>
+          <a:noFill/>
+          <a:ln>
+            <a:noFill/>
+          </a:ln>
+        </p:spPr>
+        <p:txBody>
+          <a:bodyPr wrap="square" lIns="103150" tIns="51575" rIns="103150" bIns="51575" anchor="t" anchorCtr="0">
+            <a:noAutofit/>
+          </a:bodyPr>
+          <a:lstStyle>
+            <a:defPPr marR="0" lvl="0" algn="l" rtl="0">
+              <a:lnSpc>
+                <a:spcPct val="100000"/>
+              </a:lnSpc>
+              <a:spcBef>
+                <a:spcPts val="0"/>
+              </a:spcBef>
+              <a:spcAft>
+                <a:spcPts val="0"/>
+              </a:spcAft>
+            </a:defPPr>
+            <a:lvl1pPr marL="457200" marR="0" lvl="0" indent="-356870" algn="l" rtl="0">
+              <a:lnSpc>
+                <a:spcPct val="100000"/>
+              </a:lnSpc>
+              <a:spcBef>
+                <a:spcPts val="580"/>
+              </a:spcBef>
+              <a:spcAft>
+                <a:spcPts val="0"/>
+              </a:spcAft>
+              <a:buClr>
+                <a:schemeClr val="lt2"/>
+              </a:buClr>
+              <a:buSzPts val="2175"/>
+              <a:buFont typeface="Noto Sans Symbols" panose="020B0602040504020204"/>
+              <a:buNone/>
+              <a:defRPr sz="2900" b="0" i="0" u="none" strike="noStrike" cap="none">
+                <a:solidFill>
+                  <a:schemeClr val="dk1"/>
+                </a:solidFill>
+                <a:latin typeface="Arial" panose="020B0604020202020204"/>
+                <a:ea typeface="Arial" panose="020B0604020202020204"/>
+                <a:cs typeface="Arial" panose="020B0604020202020204"/>
+                <a:sym typeface="Arial" panose="020B0604020202020204"/>
+              </a:defRPr>
+            </a:lvl1pPr>
+            <a:lvl2pPr marL="914400" marR="0" lvl="1" indent="-345440" algn="l" rtl="0">
+              <a:lnSpc>
+                <a:spcPct val="100000"/>
+              </a:lnSpc>
+              <a:spcBef>
+                <a:spcPts val="360"/>
+              </a:spcBef>
+              <a:spcAft>
+                <a:spcPts val="0"/>
+              </a:spcAft>
+              <a:buClr>
+                <a:schemeClr val="accent2"/>
+              </a:buClr>
+              <a:buSzPts val="1440"/>
+              <a:buFont typeface="Noto Sans Symbols" panose="020B0602040504020204"/>
+              <a:buChar char="◻"/>
+              <a:defRPr sz="2300" b="0" i="0" u="none" strike="noStrike" cap="none">
+                <a:solidFill>
+                  <a:schemeClr val="dk1"/>
+                </a:solidFill>
+                <a:latin typeface="Arial" panose="020B0604020202020204"/>
+                <a:ea typeface="Arial" panose="020B0604020202020204"/>
+                <a:cs typeface="Arial" panose="020B0604020202020204"/>
+                <a:sym typeface="Arial" panose="020B0604020202020204"/>
+              </a:defRPr>
+            </a:lvl2pPr>
+            <a:lvl3pPr marL="1371600" marR="0" lvl="2" indent="-323215" algn="l" rtl="0">
+              <a:lnSpc>
+                <a:spcPct val="100000"/>
+              </a:lnSpc>
+              <a:spcBef>
+                <a:spcPts val="360"/>
+              </a:spcBef>
+              <a:spcAft>
+                <a:spcPts val="0"/>
+              </a:spcAft>
+              <a:buClr>
+                <a:schemeClr val="lt2"/>
+              </a:buClr>
+              <a:buSzPts val="1170"/>
+              <a:buFont typeface="Noto Sans Symbols" panose="020B0602040504020204"/>
+              <a:buChar char="■"/>
+              <a:defRPr sz="2300" b="0" i="0" u="none" strike="noStrike" cap="none">
+                <a:solidFill>
+                  <a:schemeClr val="dk1"/>
+                </a:solidFill>
+                <a:latin typeface="Arial" panose="020B0604020202020204"/>
+                <a:ea typeface="Arial" panose="020B0604020202020204"/>
+                <a:cs typeface="Arial" panose="020B0604020202020204"/>
+                <a:sym typeface="Arial" panose="020B0604020202020204"/>
+              </a:defRPr>
+            </a:lvl3pPr>
+            <a:lvl4pPr marL="1828800" marR="0" lvl="3" indent="-308610" algn="l" rtl="0">
+              <a:lnSpc>
+                <a:spcPct val="100000"/>
+              </a:lnSpc>
+              <a:spcBef>
+                <a:spcPts val="360"/>
+              </a:spcBef>
+              <a:spcAft>
+                <a:spcPts val="0"/>
+              </a:spcAft>
+              <a:buClr>
+                <a:schemeClr val="accent2"/>
+              </a:buClr>
+              <a:buSzPts val="1260"/>
+              <a:buFont typeface="Noto Sans Symbols" panose="020B0602040504020204"/>
+              <a:buChar char="◻"/>
+              <a:defRPr sz="1800" b="0" i="0" u="none" strike="noStrike" cap="none">
+                <a:solidFill>
+                  <a:schemeClr val="dk1"/>
+                </a:solidFill>
+                <a:latin typeface="Arial" panose="020B0604020202020204"/>
+                <a:ea typeface="Arial" panose="020B0604020202020204"/>
+                <a:cs typeface="Arial" panose="020B0604020202020204"/>
+                <a:sym typeface="Arial" panose="020B0604020202020204"/>
+              </a:defRPr>
+            </a:lvl4pPr>
+            <a:lvl5pPr marL="2286000" marR="0" lvl="4" indent="-374650" algn="l" rtl="0">
+              <a:lnSpc>
+                <a:spcPct val="100000"/>
+              </a:lnSpc>
+              <a:spcBef>
+                <a:spcPts val="360"/>
+              </a:spcBef>
+              <a:spcAft>
+                <a:spcPts val="0"/>
+              </a:spcAft>
+              <a:buClr>
+                <a:schemeClr val="lt2"/>
+              </a:buClr>
+              <a:buSzPts val="1800"/>
+              <a:buFont typeface="Noto Sans Symbols" panose="020B0602040504020204"/>
+              <a:buChar char="▪"/>
+              <a:defRPr sz="2300" b="0" i="0" u="none" strike="noStrike" cap="none">
+                <a:solidFill>
+                  <a:schemeClr val="dk1"/>
+                </a:solidFill>
+                <a:latin typeface="Arial" panose="020B0604020202020204"/>
+                <a:ea typeface="Arial" panose="020B0604020202020204"/>
+                <a:cs typeface="Arial" panose="020B0604020202020204"/>
+                <a:sym typeface="Arial" panose="020B0604020202020204"/>
+              </a:defRPr>
+            </a:lvl5pPr>
+            <a:lvl6pPr marL="2743200" marR="0" lvl="5" indent="-374650" algn="l" rtl="0">
+              <a:lnSpc>
+                <a:spcPct val="100000"/>
+              </a:lnSpc>
+              <a:spcBef>
+                <a:spcPts val="360"/>
+              </a:spcBef>
+              <a:spcAft>
+                <a:spcPts val="0"/>
+              </a:spcAft>
+              <a:buClr>
+                <a:schemeClr val="lt2"/>
+              </a:buClr>
+              <a:buSzPts val="1800"/>
+              <a:buFont typeface="Noto Sans Symbols" panose="020B0602040504020204"/>
+              <a:buChar char="▪"/>
+              <a:defRPr sz="2300" b="0" i="0" u="none" strike="noStrike" cap="none">
+                <a:solidFill>
+                  <a:schemeClr val="dk1"/>
+                </a:solidFill>
+                <a:latin typeface="Arial" panose="020B0604020202020204"/>
+                <a:ea typeface="Arial" panose="020B0604020202020204"/>
+                <a:cs typeface="Arial" panose="020B0604020202020204"/>
+                <a:sym typeface="Arial" panose="020B0604020202020204"/>
+              </a:defRPr>
+            </a:lvl6pPr>
+            <a:lvl7pPr marL="3200400" marR="0" lvl="6" indent="-374650" algn="l" rtl="0">
+              <a:lnSpc>
+                <a:spcPct val="100000"/>
+              </a:lnSpc>
+              <a:spcBef>
+                <a:spcPts val="360"/>
+              </a:spcBef>
+              <a:spcAft>
+                <a:spcPts val="0"/>
+              </a:spcAft>
+              <a:buClr>
+                <a:schemeClr val="lt2"/>
+              </a:buClr>
+              <a:buSzPts val="1800"/>
+              <a:buFont typeface="Noto Sans Symbols" panose="020B0602040504020204"/>
+              <a:buChar char="▪"/>
+              <a:defRPr sz="2300" b="0" i="0" u="none" strike="noStrike" cap="none">
+                <a:solidFill>
+                  <a:schemeClr val="dk1"/>
+                </a:solidFill>
+                <a:latin typeface="Arial" panose="020B0604020202020204"/>
+                <a:ea typeface="Arial" panose="020B0604020202020204"/>
+                <a:cs typeface="Arial" panose="020B0604020202020204"/>
+                <a:sym typeface="Arial" panose="020B0604020202020204"/>
+              </a:defRPr>
+            </a:lvl7pPr>
+            <a:lvl8pPr marL="3657600" marR="0" lvl="7" indent="-374650" algn="l" rtl="0">
+              <a:lnSpc>
+                <a:spcPct val="100000"/>
+              </a:lnSpc>
+              <a:spcBef>
+                <a:spcPts val="360"/>
+              </a:spcBef>
+              <a:spcAft>
+                <a:spcPts val="0"/>
+              </a:spcAft>
+              <a:buClr>
+                <a:schemeClr val="lt2"/>
+              </a:buClr>
+              <a:buSzPts val="1800"/>
+              <a:buFont typeface="Noto Sans Symbols" panose="020B0602040504020204"/>
+              <a:buChar char="▪"/>
+              <a:defRPr sz="2300" b="0" i="0" u="none" strike="noStrike" cap="none">
+                <a:solidFill>
+                  <a:schemeClr val="dk1"/>
+                </a:solidFill>
+                <a:latin typeface="Arial" panose="020B0604020202020204"/>
+                <a:ea typeface="Arial" panose="020B0604020202020204"/>
+                <a:cs typeface="Arial" panose="020B0604020202020204"/>
+                <a:sym typeface="Arial" panose="020B0604020202020204"/>
+              </a:defRPr>
+            </a:lvl8pPr>
+            <a:lvl9pPr marL="4114800" marR="0" lvl="8" indent="-374650" algn="l" rtl="0">
+              <a:lnSpc>
+                <a:spcPct val="100000"/>
+              </a:lnSpc>
+              <a:spcBef>
+                <a:spcPts val="360"/>
+              </a:spcBef>
+              <a:spcAft>
+                <a:spcPts val="0"/>
+              </a:spcAft>
+              <a:buClr>
+                <a:schemeClr val="lt2"/>
+              </a:buClr>
+              <a:buSzPts val="1800"/>
+              <a:buFont typeface="Noto Sans Symbols" panose="020B0602040504020204"/>
+              <a:buChar char="▪"/>
+              <a:defRPr sz="2300" b="0" i="0" u="none" strike="noStrike" cap="none">
+                <a:solidFill>
+                  <a:schemeClr val="dk1"/>
+                </a:solidFill>
+                <a:latin typeface="Arial" panose="020B0604020202020204"/>
+                <a:ea typeface="Arial" panose="020B0604020202020204"/>
+                <a:cs typeface="Arial" panose="020B0604020202020204"/>
+                <a:sym typeface="Arial" panose="020B0604020202020204"/>
+              </a:defRPr>
+            </a:lvl9pPr>
+          </a:lstStyle>
+          <a:p>
+            <a:pPr marL="0" lvl="0" indent="0" algn="ctr" rtl="0">
+              <a:lnSpc>
+                <a:spcPct val="90000"/>
+              </a:lnSpc>
+              <a:spcBef>
+                <a:spcPts val="0"/>
+              </a:spcBef>
+              <a:spcAft>
+                <a:spcPts val="0"/>
+              </a:spcAft>
+              <a:buSzPts val="2025"/>
+              <a:buNone/>
+            </a:pPr>
+            <a:r>
+              <a:rPr lang="pt-BR" sz="2400" b="1">
+                <a:latin typeface="Arial" panose="020B0604020202020204"/>
+                <a:ea typeface="Arial" panose="020B0604020202020204"/>
+                <a:cs typeface="Arial" panose="020B0604020202020204"/>
+                <a:sym typeface="Arial" panose="020B0604020202020204"/>
+              </a:rPr>
+              <a:t>Curso de Pós-Graduação do INPE</a:t>
+            </a:r>
+            <a:endParaRPr sz="2400"/>
+          </a:p>
+          <a:p>
+            <a:pPr marL="0" lvl="0" indent="0" algn="ctr" rtl="0">
+              <a:lnSpc>
+                <a:spcPct val="90000"/>
+              </a:lnSpc>
+              <a:spcBef>
+                <a:spcPts val="540"/>
+              </a:spcBef>
+              <a:spcAft>
+                <a:spcPts val="0"/>
+              </a:spcAft>
+              <a:buSzPts val="1725"/>
+              <a:buNone/>
+            </a:pPr>
+            <a:r>
+              <a:rPr lang="pt-BR" sz="2400" i="1">
+                <a:latin typeface="Arial" panose="020B0604020202020204"/>
+                <a:ea typeface="Arial" panose="020B0604020202020204"/>
+                <a:cs typeface="Arial" panose="020B0604020202020204"/>
+                <a:sym typeface="Arial" panose="020B0604020202020204"/>
+              </a:rPr>
+              <a:t>     Engenharia e Tecnologia Espaciais</a:t>
+            </a:r>
+            <a:br>
+              <a:rPr lang="pt-BR" sz="2400">
+                <a:latin typeface="Arial" panose="020B0604020202020204"/>
+                <a:ea typeface="Arial" panose="020B0604020202020204"/>
+                <a:cs typeface="Arial" panose="020B0604020202020204"/>
+                <a:sym typeface="Arial" panose="020B0604020202020204"/>
+              </a:rPr>
+            </a:br>
+            <a:r>
+              <a:rPr lang="pt-BR" sz="2400" b="1">
+                <a:latin typeface="Arial" panose="020B0604020202020204"/>
+                <a:ea typeface="Arial" panose="020B0604020202020204"/>
+                <a:cs typeface="Arial" panose="020B0604020202020204"/>
+                <a:sym typeface="Arial" panose="020B0604020202020204"/>
+              </a:rPr>
+              <a:t>Área de Concentração</a:t>
+            </a:r>
+            <a:endParaRPr sz="2400"/>
+          </a:p>
+          <a:p>
+            <a:pPr marL="0" lvl="0" indent="0" algn="ctr" rtl="0">
+              <a:lnSpc>
+                <a:spcPct val="90000"/>
+              </a:lnSpc>
+              <a:spcBef>
+                <a:spcPts val="540"/>
+              </a:spcBef>
+              <a:spcAft>
+                <a:spcPts val="0"/>
+              </a:spcAft>
+              <a:buSzPts val="1725"/>
+              <a:buNone/>
+            </a:pPr>
+            <a:r>
+              <a:rPr lang="pt-BR" sz="2400" i="1">
+                <a:latin typeface="Arial" panose="020B0604020202020204"/>
+                <a:ea typeface="Arial" panose="020B0604020202020204"/>
+                <a:cs typeface="Arial" panose="020B0604020202020204"/>
+                <a:sym typeface="Arial" panose="020B0604020202020204"/>
+              </a:rPr>
+              <a:t>    Engenharia e Gerenciamento de Sistemas Espaciais</a:t>
+            </a:r>
+            <a:endParaRPr sz="2400">
+              <a:latin typeface="Arial" panose="020B0604020202020204"/>
+              <a:ea typeface="Arial" panose="020B0604020202020204"/>
+              <a:cs typeface="Arial" panose="020B0604020202020204"/>
+              <a:sym typeface="Arial" panose="020B0604020202020204"/>
+            </a:endParaRPr>
+          </a:p>
+        </p:txBody>
+      </p:sp>
+      <p:sp>
+        <p:nvSpPr>
+          <p:cNvPr id="7" name="Subtitle 6"/>
+          <p:cNvSpPr/>
+          <p:nvPr>
+            <p:ph type="subTitle" idx="1"/>
+          </p:nvPr>
+        </p:nvSpPr>
+        <p:spPr>
+          <a:xfrm>
+            <a:off x="2760980" y="3930015"/>
+            <a:ext cx="7456170" cy="617220"/>
+          </a:xfrm>
+        </p:spPr>
+        <p:txBody>
+          <a:bodyPr/>
+          <a:p>
+            <a:r>
+              <a:rPr lang="pt-PT" altLang="en-US" sz="2400">
+                <a:solidFill>
+                  <a:schemeClr val="bg1"/>
+                </a:solidFill>
+              </a:rPr>
+              <a:t>Leonardo Becker da Luz</a:t>
+            </a:r>
+            <a:endParaRPr lang="pt-PT" altLang="en-US" sz="2400">
+              <a:solidFill>
+                <a:schemeClr val="bg1"/>
+              </a:solidFill>
+            </a:endParaRPr>
+          </a:p>
+        </p:txBody>
+      </p:sp>
+    </p:spTree>
+  </p:cSld>
+  <p:clrMapOvr>
+    <a:masterClrMapping/>
+  </p:clrMapOvr>
+</p:sld>
+</file>
+
+<file path=ppt/slides/slide15.xml><?xml version="1.0" encoding="utf-8"?>
+<p:sld xmlns:a="http://schemas.openxmlformats.org/drawingml/2006/main" xmlns:r="http://schemas.openxmlformats.org/officeDocument/2006/relationships" xmlns:p="http://schemas.openxmlformats.org/presentationml/2006/main">
+  <p:cSld>
+    <p:spTree>
+      <p:nvGrpSpPr>
+        <p:cNvPr id="1" name=""/>
+        <p:cNvGrpSpPr/>
+        <p:nvPr/>
+      </p:nvGrpSpPr>
+      <p:grpSpPr/>
+      <p:pic>
+        <p:nvPicPr>
+          <p:cNvPr id="10" name="Picture 9"/>
+          <p:cNvPicPr>
+            <a:picLocks noChangeAspect="1"/>
+          </p:cNvPicPr>
+          <p:nvPr/>
+        </p:nvPicPr>
+        <p:blipFill>
+          <a:blip r:embed="rId1"/>
+          <a:srcRect b="5928"/>
+          <a:stretch>
+            <a:fillRect/>
+          </a:stretch>
+        </p:blipFill>
+        <p:spPr>
+          <a:xfrm>
+            <a:off x="635" y="-19685"/>
+            <a:ext cx="723900" cy="6872605"/>
+          </a:xfrm>
+          <a:prstGeom prst="rect">
+            <a:avLst/>
+          </a:prstGeom>
+        </p:spPr>
+      </p:pic>
+      <p:sp>
+        <p:nvSpPr>
+          <p:cNvPr id="84" name="Google Shape;84;p2"/>
+          <p:cNvSpPr txBox="1">
+            <a:spLocks noGrp="1"/>
+          </p:cNvSpPr>
+          <p:nvPr>
+            <p:ph type="title"/>
+          </p:nvPr>
+        </p:nvSpPr>
+        <p:spPr>
+          <a:xfrm>
+            <a:off x="1624151" y="149860"/>
+            <a:ext cx="8229600" cy="603850"/>
+          </a:xfrm>
+          <a:prstGeom prst="rect">
+            <a:avLst/>
+          </a:prstGeom>
+          <a:noFill/>
+          <a:ln>
+            <a:noFill/>
+          </a:ln>
+        </p:spPr>
+        <p:txBody>
+          <a:bodyPr spcFirstLastPara="1" wrap="square" lIns="103150" tIns="51575" rIns="103150" bIns="51575" anchor="ctr" anchorCtr="0">
+            <a:noAutofit/>
+          </a:bodyPr>
+          <a:p>
+            <a:pPr algn="ctr"/>
+            <a:r>
+              <a:rPr lang="pt-PT" altLang="pt-BR" sz="3200"/>
+              <a:t>Implementação do GEOs Reais</a:t>
+            </a:r>
+            <a:endParaRPr lang="pt-PT" altLang="pt-BR" sz="3200">
+              <a:latin typeface="Arial" panose="020B0604020202020204"/>
+              <a:ea typeface="Arial" panose="020B0604020202020204"/>
+              <a:cs typeface="Arial" panose="020B0604020202020204"/>
+              <a:sym typeface="Arial" panose="020B0604020202020204"/>
+            </a:endParaRPr>
+          </a:p>
+        </p:txBody>
+      </p:sp>
+      <mc:AlternateContent xmlns:mc="http://schemas.openxmlformats.org/markup-compatibility/2006">
+        <mc:Choice xmlns:a14="http://schemas.microsoft.com/office/drawing/2010/main" Requires="a14">
+          <p:sp>
+            <p:nvSpPr>
+              <p:cNvPr id="2" name="Text Box 1"/>
+              <p:cNvSpPr txBox="1"/>
+              <p:nvPr/>
+            </p:nvSpPr>
+            <p:spPr>
+              <a:xfrm>
+                <a:off x="1059180" y="1167765"/>
+                <a:ext cx="10074275" cy="4523105"/>
+              </a:xfrm>
+              <a:prstGeom prst="rect">
+                <a:avLst/>
+              </a:prstGeom>
+              <a:noFill/>
+            </p:spPr>
+            <p:txBody>
+              <a:bodyPr wrap="square" rtlCol="0">
+                <a:spAutoFit/>
+              </a:bodyPr>
+              <a:p>
+                <a:pPr marL="342900" indent="-342900" algn="l">
+                  <a:lnSpc>
+                    <a:spcPct val="200000"/>
+                  </a:lnSpc>
+                  <a:buFont typeface="Arial" panose="020B0604020202020204" pitchFamily="34" charset="0"/>
+                  <a:buChar char="•"/>
+                </a:pPr>
+                <a:r>
+                  <a:rPr lang="pt-PT" sz="2400" b="1"/>
+                  <a:t>Restrições:</a:t>
+                </a:r>
+                <a:endParaRPr lang="pt-PT" sz="2400" b="1"/>
+              </a:p>
+              <a:p>
+                <a:pPr marL="800100" lvl="1" indent="-342900" algn="l">
+                  <a:lnSpc>
+                    <a:spcPct val="200000"/>
+                  </a:lnSpc>
+                  <a:buFont typeface="Arial" panose="020B0604020202020204" pitchFamily="34" charset="0"/>
+                  <a:buChar char="•"/>
+                </a:pPr>
+                <a:r>
+                  <a:rPr lang="pt-PT" sz="2400"/>
+                  <a:t>GEOreal1 e GEOreal2 </a:t>
+                </a:r>
+                <a14:m>
+                  <m:oMath xmlns:m="http://schemas.openxmlformats.org/officeDocument/2006/math">
+                    <m:r>
+                      <a:rPr lang="en-US" altLang="pt-PT" sz="2400" i="1">
+                        <a:latin typeface="DejaVu Math TeX Gyre" panose="02000503000000000000" charset="0"/>
+                        <a:cs typeface="DejaVu Math TeX Gyre" panose="02000503000000000000" charset="0"/>
+                      </a:rPr>
+                      <m:t>→</m:t>
+                    </m:r>
+                  </m:oMath>
+                </a14:m>
+                <a:r>
+                  <a:rPr lang="pt-PT" sz="2400"/>
+                  <a:t> Penalidade Exterior (Dissertação e Tese)</a:t>
+                </a:r>
+                <a:endParaRPr lang="pt-PT" sz="2400"/>
+              </a:p>
+              <a:p>
+                <a:pPr marL="342900" indent="-342900" algn="l">
+                  <a:lnSpc>
+                    <a:spcPct val="200000"/>
+                  </a:lnSpc>
+                  <a:buFont typeface="Arial" panose="020B0604020202020204" pitchFamily="34" charset="0"/>
+                  <a:buChar char="•"/>
+                </a:pPr>
+                <a:endParaRPr lang="pt-PT" sz="2400"/>
+              </a:p>
+              <a:p>
+                <a:pPr marL="342900" indent="-342900" algn="l">
+                  <a:lnSpc>
+                    <a:spcPct val="200000"/>
+                  </a:lnSpc>
+                  <a:buFont typeface="Arial" panose="020B0604020202020204" pitchFamily="34" charset="0"/>
+                  <a:buChar char="•"/>
+                </a:pPr>
+                <a:endParaRPr lang="pt-PT" sz="2400"/>
+              </a:p>
+              <a:p>
+                <a:pPr marL="342900" indent="-342900" algn="l">
+                  <a:lnSpc>
+                    <a:spcPct val="200000"/>
+                  </a:lnSpc>
+                  <a:buFont typeface="Arial" panose="020B0604020202020204" pitchFamily="34" charset="0"/>
+                  <a:buChar char="•"/>
+                </a:pPr>
+                <a:endParaRPr lang="pt-PT" sz="2400"/>
+              </a:p>
+              <a:p>
+                <a:pPr marL="800100" lvl="1" indent="-342900" algn="l">
+                  <a:lnSpc>
+                    <a:spcPct val="200000"/>
+                  </a:lnSpc>
+                  <a:buFont typeface="Arial" panose="020B0604020202020204" pitchFamily="34" charset="0"/>
+                  <a:buChar char="•"/>
+                </a:pPr>
+                <a:r>
+                  <a:rPr lang="pt-PT" sz="2400"/>
+                  <a:t>M-GEOreal </a:t>
+                </a:r>
+                <a14:m>
+                  <m:oMath xmlns:m="http://schemas.openxmlformats.org/officeDocument/2006/math">
+                    <m:r>
+                      <a:rPr lang="en-US" altLang="pt-PT" sz="2400" i="1">
+                        <a:latin typeface="DejaVu Math TeX Gyre" panose="02000503000000000000" charset="0"/>
+                        <a:cs typeface="DejaVu Math TeX Gyre" panose="02000503000000000000" charset="0"/>
+                      </a:rPr>
+                      <m:t>→</m:t>
+                    </m:r>
+                  </m:oMath>
+                </a14:m>
+                <a:r>
+                  <a:rPr lang="pt-PT" sz="2400"/>
+                  <a:t> Death Penalty</a:t>
+                </a:r>
+                <a:endParaRPr lang="pt-PT" sz="2400"/>
+              </a:p>
+            </p:txBody>
+          </p:sp>
+        </mc:Choice>
+        <mc:Fallback>
+          <p:sp>
+            <p:nvSpPr>
+              <p:cNvPr id="2" name="Text Box 1"/>
+              <p:cNvSpPr txBox="1">
+                <a:spLocks noRot="1" noChangeAspect="1" noMove="1" noResize="1" noEditPoints="1" noAdjustHandles="1" noChangeArrowheads="1" noChangeShapeType="1" noTextEdit="1"/>
+              </p:cNvSpPr>
+              <p:nvPr/>
+            </p:nvSpPr>
+            <p:spPr>
+              <a:xfrm>
+                <a:off x="1059180" y="1167765"/>
+                <a:ext cx="10074275" cy="4523105"/>
+              </a:xfrm>
+              <a:prstGeom prst="rect">
+                <a:avLst/>
+              </a:prstGeom>
+              <a:blipFill rotWithShape="1">
+                <a:blip r:embed="rId2"/>
+                <a:stretch>
+                  <a:fillRect/>
+                </a:stretch>
+              </a:blipFill>
+            </p:spPr>
+            <p:txBody>
+              <a:bodyPr/>
+              <a:lstStyle/>
+              <a:p>
+                <a:r>
+                  <a:rPr lang="en-US" altLang="en-US">
+                    <a:noFill/>
+                  </a:rPr>
+                  <a:t> </a:t>
+                </a:r>
+              </a:p>
+            </p:txBody>
+          </p:sp>
+        </mc:Fallback>
+      </mc:AlternateContent>
+      <p:pic>
+        <p:nvPicPr>
+          <p:cNvPr id="4" name="Picture 3" descr="Screenshot_20210201_082110"/>
+          <p:cNvPicPr>
+            <a:picLocks noChangeAspect="1"/>
           </p:cNvPicPr>
           <p:nvPr/>
         </p:nvPicPr>
@@ -4309,7 +6353,7 @@
 </p:sld>
 </file>
 
-<file path=ppt/slides/slide3.xml><?xml version="1.0" encoding="utf-8"?>
+<file path=ppt/slides/slide16.xml><?xml version="1.0" encoding="utf-8"?>
 <p:sld xmlns:a="http://schemas.openxmlformats.org/drawingml/2006/main" xmlns:r="http://schemas.openxmlformats.org/officeDocument/2006/relationships" xmlns:p="http://schemas.openxmlformats.org/presentationml/2006/main">
   <p:cSld>
     <p:spTree>
@@ -4323,7 +6367,7 @@
         <p:nvPicPr>
           <p:cNvPr id="10" name="Picture 9"/>
           <p:cNvPicPr>
-            <a:picLocks noChangeAspect="true"/>
+            <a:picLocks noChangeAspect="1"/>
           </p:cNvPicPr>
           <p:nvPr/>
         </p:nvPicPr>
@@ -4347,8 +6391,8 @@
       <p:sp>
         <p:nvSpPr>
           <p:cNvPr id="84" name="Google Shape;84;p2"/>
-          <p:cNvSpPr txBox="true">
-            <a:spLocks noGrp="true"/>
+          <p:cNvSpPr txBox="1">
+            <a:spLocks noGrp="1"/>
           </p:cNvSpPr>
           <p:nvPr>
             <p:ph type="title"/>
@@ -4368,7 +6412,7 @@
           </a:ln>
         </p:spPr>
         <p:txBody>
-          <a:bodyPr spcFirstLastPara="1" wrap="square" lIns="103150" tIns="51575" rIns="103150" bIns="51575" anchor="ctr" anchorCtr="false">
+          <a:bodyPr spcFirstLastPara="1" wrap="square" lIns="103150" tIns="51575" rIns="103150" bIns="51575" anchor="ctr" anchorCtr="0">
             <a:noAutofit/>
           </a:bodyPr>
           <a:p>
@@ -4389,10 +6433,10 @@
               <a:solidFill>
                 <a:srgbClr val="FF0000"/>
               </a:solidFill>
-              <a:latin typeface="Arial"/>
-              <a:ea typeface="Arial"/>
-              <a:cs typeface="Arial"/>
-              <a:sym typeface="Arial"/>
+              <a:latin typeface="Arial" panose="020B0604020202020204"/>
+              <a:ea typeface="Arial" panose="020B0604020202020204"/>
+              <a:cs typeface="Arial" panose="020B0604020202020204"/>
+              <a:sym typeface="Arial" panose="020B0604020202020204"/>
             </a:endParaRPr>
           </a:p>
         </p:txBody>
@@ -4401,7 +6445,7 @@
         <p:nvPicPr>
           <p:cNvPr id="5" name="Picture 4" descr="Griewangk_GEOreal"/>
           <p:cNvPicPr>
-            <a:picLocks noChangeAspect="true"/>
+            <a:picLocks noChangeAspect="1"/>
           </p:cNvPicPr>
           <p:nvPr/>
         </p:nvPicPr>
@@ -4425,7 +6469,7 @@
         <p:nvPicPr>
           <p:cNvPr id="2" name="Picture 1" descr="Griewangk_Igor_Dissertação"/>
           <p:cNvPicPr>
-            <a:picLocks noChangeAspect="true"/>
+            <a:picLocks noChangeAspect="1"/>
           </p:cNvPicPr>
           <p:nvPr/>
         </p:nvPicPr>
@@ -4448,7 +6492,7 @@
       <p:sp>
         <p:nvSpPr>
           <p:cNvPr id="7" name="Text Box 6"/>
-          <p:cNvSpPr txBox="true"/>
+          <p:cNvSpPr txBox="1"/>
           <p:nvPr/>
         </p:nvSpPr>
         <p:spPr>
@@ -4470,7 +6514,7 @@
               <a:lnSpc>
                 <a:spcPct val="200000"/>
               </a:lnSpc>
-              <a:buFont typeface="Arial" panose="02080604020202020204" pitchFamily="34" charset="0"/>
+              <a:buFont typeface="Arial" panose="020B0604020202020204" pitchFamily="34" charset="0"/>
               <a:buNone/>
             </a:pPr>
             <a:r>
@@ -4493,7 +6537,7 @@
 </p:sld>
 </file>
 
-<file path=ppt/slides/slide4.xml><?xml version="1.0" encoding="utf-8"?>
+<file path=ppt/slides/slide17.xml><?xml version="1.0" encoding="utf-8"?>
 <p:sld xmlns:a="http://schemas.openxmlformats.org/drawingml/2006/main" xmlns:r="http://schemas.openxmlformats.org/officeDocument/2006/relationships" xmlns:p="http://schemas.openxmlformats.org/presentationml/2006/main">
   <p:cSld>
     <p:spTree>
@@ -4507,7 +6551,7 @@
         <p:nvPicPr>
           <p:cNvPr id="10" name="Picture 9"/>
           <p:cNvPicPr>
-            <a:picLocks noChangeAspect="true"/>
+            <a:picLocks noChangeAspect="1"/>
           </p:cNvPicPr>
           <p:nvPr/>
         </p:nvPicPr>
@@ -4532,7 +6576,7 @@
         <p:nvPicPr>
           <p:cNvPr id="2" name="Picture 1" descr="Griewangk_Igor_Dissertação"/>
           <p:cNvPicPr>
-            <a:picLocks noChangeAspect="true"/>
+            <a:picLocks noChangeAspect="1"/>
           </p:cNvPicPr>
           <p:nvPr/>
         </p:nvPicPr>
@@ -4555,7 +6599,7 @@
       <p:sp>
         <p:nvSpPr>
           <p:cNvPr id="7" name="Text Box 6"/>
-          <p:cNvSpPr txBox="true"/>
+          <p:cNvSpPr txBox="1"/>
           <p:nvPr/>
         </p:nvSpPr>
         <p:spPr>
@@ -4577,7 +6621,7 @@
               <a:lnSpc>
                 <a:spcPct val="200000"/>
               </a:lnSpc>
-              <a:buFont typeface="Arial" panose="02080604020202020204" pitchFamily="34" charset="0"/>
+              <a:buFont typeface="Arial" panose="020B0604020202020204" pitchFamily="34" charset="0"/>
               <a:buNone/>
             </a:pPr>
             <a:r>
@@ -4592,7 +6636,7 @@
         <p:nvPicPr>
           <p:cNvPr id="6" name="Picture 5" descr="Rastringin_Igor_Dissertação"/>
           <p:cNvPicPr>
-            <a:picLocks noChangeAspect="true"/>
+            <a:picLocks noChangeAspect="1"/>
           </p:cNvPicPr>
           <p:nvPr/>
         </p:nvPicPr>
@@ -4616,7 +6660,7 @@
         <p:nvPicPr>
           <p:cNvPr id="3" name="Picture 2" descr="Rastringin_GEOreal"/>
           <p:cNvPicPr>
-            <a:picLocks noChangeAspect="true"/>
+            <a:picLocks noChangeAspect="1"/>
           </p:cNvPicPr>
           <p:nvPr/>
         </p:nvPicPr>
@@ -4639,8 +6683,8 @@
       <p:sp>
         <p:nvSpPr>
           <p:cNvPr id="8" name="Google Shape;84;p2"/>
-          <p:cNvSpPr txBox="true">
-            <a:spLocks noGrp="true"/>
+          <p:cNvSpPr txBox="1">
+            <a:spLocks noGrp="1"/>
           </p:cNvSpPr>
           <p:nvPr/>
         </p:nvSpPr>
@@ -4658,7 +6702,7 @@
           </a:ln>
         </p:spPr>
         <p:txBody>
-          <a:bodyPr vert="horz" wrap="square" lIns="103150" tIns="51575" rIns="103150" bIns="51575" rtlCol="0" anchor="ctr" anchorCtr="false">
+          <a:bodyPr vert="horz" wrap="square" lIns="103150" tIns="51575" rIns="103150" bIns="51575" rtlCol="0" anchor="ctr" anchorCtr="0">
             <a:noAutofit/>
           </a:bodyPr>
           <a:lstStyle>
@@ -4705,10 +6749,10 @@
               <a:solidFill>
                 <a:srgbClr val="FF0000"/>
               </a:solidFill>
-              <a:latin typeface="Arial"/>
-              <a:ea typeface="Arial"/>
-              <a:cs typeface="Arial"/>
-              <a:sym typeface="Arial"/>
+              <a:latin typeface="Arial" panose="020B0604020202020204"/>
+              <a:ea typeface="Arial" panose="020B0604020202020204"/>
+              <a:cs typeface="Arial" panose="020B0604020202020204"/>
+              <a:sym typeface="Arial" panose="020B0604020202020204"/>
             </a:endParaRPr>
           </a:p>
         </p:txBody>
@@ -4721,7 +6765,7 @@
 </p:sld>
 </file>
 
-<file path=ppt/slides/slide5.xml><?xml version="1.0" encoding="utf-8"?>
+<file path=ppt/slides/slide18.xml><?xml version="1.0" encoding="utf-8"?>
 <p:sld xmlns:a="http://schemas.openxmlformats.org/drawingml/2006/main" xmlns:r="http://schemas.openxmlformats.org/officeDocument/2006/relationships" xmlns:p="http://schemas.openxmlformats.org/presentationml/2006/main">
   <p:cSld>
     <p:spTree>
@@ -4735,7 +6779,7 @@
         <p:nvPicPr>
           <p:cNvPr id="10" name="Picture 9"/>
           <p:cNvPicPr>
-            <a:picLocks noChangeAspect="true"/>
+            <a:picLocks noChangeAspect="1"/>
           </p:cNvPicPr>
           <p:nvPr/>
         </p:nvPicPr>
@@ -4759,8 +6803,8 @@
       <p:sp>
         <p:nvSpPr>
           <p:cNvPr id="84" name="Google Shape;84;p2"/>
-          <p:cNvSpPr txBox="true">
-            <a:spLocks noGrp="true"/>
+          <p:cNvSpPr txBox="1">
+            <a:spLocks noGrp="1"/>
           </p:cNvSpPr>
           <p:nvPr>
             <p:ph type="title"/>
@@ -4780,7 +6824,7 @@
           </a:ln>
         </p:spPr>
         <p:txBody>
-          <a:bodyPr spcFirstLastPara="1" wrap="square" lIns="103150" tIns="51575" rIns="103150" bIns="51575" anchor="ctr" anchorCtr="false">
+          <a:bodyPr spcFirstLastPara="1" wrap="square" lIns="103150" tIns="51575" rIns="103150" bIns="51575" anchor="ctr" anchorCtr="0">
             <a:noAutofit/>
           </a:bodyPr>
           <a:p>
@@ -4790,10 +6834,10 @@
               <a:t>AGEO1real e AGEO2real</a:t>
             </a:r>
             <a:endParaRPr lang="pt-PT" altLang="pt-BR" sz="3200">
-              <a:latin typeface="Arial"/>
-              <a:ea typeface="Arial"/>
-              <a:cs typeface="Arial"/>
-              <a:sym typeface="Arial"/>
+              <a:latin typeface="Arial" panose="020B0604020202020204"/>
+              <a:ea typeface="Arial" panose="020B0604020202020204"/>
+              <a:cs typeface="Arial" panose="020B0604020202020204"/>
+              <a:sym typeface="Arial" panose="020B0604020202020204"/>
             </a:endParaRPr>
           </a:p>
         </p:txBody>
@@ -4801,7 +6845,7 @@
       <p:sp>
         <p:nvSpPr>
           <p:cNvPr id="7" name="Text Box 6"/>
-          <p:cNvSpPr txBox="true"/>
+          <p:cNvSpPr txBox="1"/>
           <p:nvPr/>
         </p:nvSpPr>
         <p:spPr>
@@ -4823,7 +6867,7 @@
               <a:lnSpc>
                 <a:spcPct val="200000"/>
               </a:lnSpc>
-              <a:buFont typeface="Arial" panose="02080604020202020204" pitchFamily="34" charset="0"/>
+              <a:buFont typeface="Arial" panose="020B0604020202020204" pitchFamily="34" charset="0"/>
               <a:buNone/>
             </a:pPr>
             <a:r>
@@ -4842,7 +6886,7 @@
         <p:nvPicPr>
           <p:cNvPr id="2" name="Picture 1" descr="Griewangk_AGEOs"/>
           <p:cNvPicPr>
-            <a:picLocks noChangeAspect="true"/>
+            <a:picLocks noChangeAspect="1"/>
           </p:cNvPicPr>
           <p:nvPr/>
         </p:nvPicPr>
@@ -4870,7 +6914,7 @@
 </p:sld>
 </file>
 
-<file path=ppt/slides/slide6.xml><?xml version="1.0" encoding="utf-8"?>
+<file path=ppt/slides/slide19.xml><?xml version="1.0" encoding="utf-8"?>
 <p:sld xmlns:a="http://schemas.openxmlformats.org/drawingml/2006/main" xmlns:r="http://schemas.openxmlformats.org/officeDocument/2006/relationships" xmlns:p="http://schemas.openxmlformats.org/presentationml/2006/main">
   <p:cSld>
     <p:spTree>
@@ -4884,7 +6928,7 @@
         <p:nvPicPr>
           <p:cNvPr id="4" name="Picture 3" descr="Rastringin_AGEOs"/>
           <p:cNvPicPr>
-            <a:picLocks noChangeAspect="true"/>
+            <a:picLocks noChangeAspect="1"/>
           </p:cNvPicPr>
           <p:nvPr/>
         </p:nvPicPr>
@@ -4908,7 +6952,7 @@
         <p:nvPicPr>
           <p:cNvPr id="10" name="Picture 9"/>
           <p:cNvPicPr>
-            <a:picLocks noChangeAspect="true"/>
+            <a:picLocks noChangeAspect="1"/>
           </p:cNvPicPr>
           <p:nvPr/>
         </p:nvPicPr>
@@ -4932,8 +6976,8 @@
       <p:sp>
         <p:nvSpPr>
           <p:cNvPr id="84" name="Google Shape;84;p2"/>
-          <p:cNvSpPr txBox="true">
-            <a:spLocks noGrp="true"/>
+          <p:cNvSpPr txBox="1">
+            <a:spLocks noGrp="1"/>
           </p:cNvSpPr>
           <p:nvPr>
             <p:ph type="title"/>
@@ -4953,7 +6997,7 @@
           </a:ln>
         </p:spPr>
         <p:txBody>
-          <a:bodyPr spcFirstLastPara="1" wrap="square" lIns="103150" tIns="51575" rIns="103150" bIns="51575" anchor="ctr" anchorCtr="false">
+          <a:bodyPr spcFirstLastPara="1" wrap="square" lIns="103150" tIns="51575" rIns="103150" bIns="51575" anchor="ctr" anchorCtr="0">
             <a:noAutofit/>
           </a:bodyPr>
           <a:p>
@@ -4963,10 +7007,10 @@
               <a:t>AGEO1real e AGEO2real</a:t>
             </a:r>
             <a:endParaRPr lang="pt-PT" altLang="pt-BR" sz="3200">
-              <a:latin typeface="Arial"/>
-              <a:ea typeface="Arial"/>
-              <a:cs typeface="Arial"/>
-              <a:sym typeface="Arial"/>
+              <a:latin typeface="Arial" panose="020B0604020202020204"/>
+              <a:ea typeface="Arial" panose="020B0604020202020204"/>
+              <a:cs typeface="Arial" panose="020B0604020202020204"/>
+              <a:sym typeface="Arial" panose="020B0604020202020204"/>
             </a:endParaRPr>
           </a:p>
         </p:txBody>
@@ -4974,7 +7018,7 @@
       <p:sp>
         <p:nvSpPr>
           <p:cNvPr id="3" name="Text Box 2"/>
-          <p:cNvSpPr txBox="true"/>
+          <p:cNvSpPr txBox="1"/>
           <p:nvPr/>
         </p:nvSpPr>
         <p:spPr>
@@ -4996,7 +7040,7 @@
               <a:lnSpc>
                 <a:spcPct val="200000"/>
               </a:lnSpc>
-              <a:buFont typeface="Arial" panose="02080604020202020204" pitchFamily="34" charset="0"/>
+              <a:buFont typeface="Arial" panose="020B0604020202020204" pitchFamily="34" charset="0"/>
               <a:buNone/>
             </a:pPr>
             <a:r>
@@ -5015,7 +7059,7 @@
 </p:sld>
 </file>
 
-<file path=ppt/slides/slide7.xml><?xml version="1.0" encoding="utf-8"?>
+<file path=ppt/slides/slide2.xml><?xml version="1.0" encoding="utf-8"?>
 <p:sld xmlns:a="http://schemas.openxmlformats.org/drawingml/2006/main" xmlns:r="http://schemas.openxmlformats.org/officeDocument/2006/relationships" xmlns:p="http://schemas.openxmlformats.org/presentationml/2006/main">
   <p:cSld>
     <p:spTree>
@@ -5029,7 +7073,7 @@
         <p:nvPicPr>
           <p:cNvPr id="10" name="Picture 9"/>
           <p:cNvPicPr>
-            <a:picLocks noChangeAspect="true"/>
+            <a:picLocks noChangeAspect="1"/>
           </p:cNvPicPr>
           <p:nvPr/>
         </p:nvPicPr>
@@ -5053,8 +7097,1160 @@
       <p:sp>
         <p:nvSpPr>
           <p:cNvPr id="84" name="Google Shape;84;p2"/>
-          <p:cNvSpPr txBox="true">
-            <a:spLocks noGrp="true"/>
+          <p:cNvSpPr txBox="1">
+            <a:spLocks noGrp="1"/>
+          </p:cNvSpPr>
+          <p:nvPr>
+            <p:ph type="title"/>
+          </p:nvPr>
+        </p:nvSpPr>
+        <p:spPr>
+          <a:xfrm>
+            <a:off x="1210945" y="371475"/>
+            <a:ext cx="3044190" cy="2595245"/>
+          </a:xfrm>
+          <a:prstGeom prst="rect">
+            <a:avLst/>
+          </a:prstGeom>
+          <a:noFill/>
+          <a:ln>
+            <a:noFill/>
+          </a:ln>
+        </p:spPr>
+        <p:txBody>
+          <a:bodyPr spcFirstLastPara="1" wrap="square" lIns="103150" tIns="51575" rIns="103150" bIns="51575" anchor="ctr" anchorCtr="0">
+            <a:noAutofit/>
+          </a:bodyPr>
+          <a:p>
+            <a:pPr algn="ctr"/>
+            <a:r>
+              <a:rPr lang="pt-PT" altLang="pt-BR" sz="3600"/>
+              <a:t>GEO</a:t>
+            </a:r>
+            <a:r>
+              <a:rPr lang="pt-PT" altLang="pt-BR" sz="3600" baseline="-25000">
+                <a:solidFill>
+                  <a:schemeClr val="tx1"/>
+                </a:solidFill>
+                <a:uFillTx/>
+              </a:rPr>
+              <a:t>real1</a:t>
+            </a:r>
+            <a:r>
+              <a:rPr lang="pt-PT" altLang="pt-BR" sz="3600"/>
+              <a:t> </a:t>
+            </a:r>
+            <a:br>
+              <a:rPr lang="pt-PT" altLang="pt-BR" sz="3600"/>
+            </a:br>
+            <a:r>
+              <a:rPr lang="pt-PT" altLang="pt-BR" sz="3600"/>
+              <a:t>e </a:t>
+            </a:r>
+            <a:br>
+              <a:rPr lang="pt-PT" altLang="pt-BR" sz="3600"/>
+            </a:br>
+            <a:r>
+              <a:rPr lang="pt-PT" altLang="pt-BR" sz="3600"/>
+              <a:t>GEO</a:t>
+            </a:r>
+            <a:r>
+              <a:rPr lang="pt-PT" altLang="pt-BR" sz="3600" baseline="-25000">
+                <a:solidFill>
+                  <a:schemeClr val="tx1"/>
+                </a:solidFill>
+                <a:uFillTx/>
+              </a:rPr>
+              <a:t>real2</a:t>
+            </a:r>
+            <a:endParaRPr lang="pt-PT" altLang="pt-BR" sz="3600" baseline="-25000">
+              <a:solidFill>
+                <a:schemeClr val="tx1"/>
+              </a:solidFill>
+              <a:uFillTx/>
+              <a:latin typeface="Arial" panose="020B0604020202020204"/>
+              <a:ea typeface="Arial" panose="020B0604020202020204"/>
+              <a:cs typeface="Arial" panose="020B0604020202020204"/>
+              <a:sym typeface="Arial" panose="020B0604020202020204"/>
+            </a:endParaRPr>
+          </a:p>
+        </p:txBody>
+      </p:sp>
+      <p:grpSp>
+        <p:nvGrpSpPr>
+          <p:cNvPr id="94" name="Group 93"/>
+          <p:cNvGrpSpPr/>
+          <p:nvPr/>
+        </p:nvGrpSpPr>
+        <p:grpSpPr>
+          <a:xfrm>
+            <a:off x="1022350" y="4164330"/>
+            <a:ext cx="3646315" cy="1781211"/>
+            <a:chOff x="1438" y="7490"/>
+            <a:chExt cx="4675" cy="2168"/>
+          </a:xfrm>
+        </p:grpSpPr>
+        <p:grpSp>
+          <p:nvGrpSpPr>
+            <p:cNvPr id="36" name="Group 35"/>
+            <p:cNvGrpSpPr/>
+            <p:nvPr/>
+          </p:nvGrpSpPr>
+          <p:grpSpPr>
+            <a:xfrm>
+              <a:off x="1438" y="8233"/>
+              <a:ext cx="659" cy="580"/>
+              <a:chOff x="1438" y="8233"/>
+              <a:chExt cx="659" cy="580"/>
+            </a:xfrm>
+          </p:grpSpPr>
+          <p:sp>
+            <p:nvSpPr>
+              <p:cNvPr id="38" name="Text Box 37"/>
+              <p:cNvSpPr txBox="1"/>
+              <p:nvPr/>
+            </p:nvSpPr>
+            <p:spPr>
+              <a:xfrm>
+                <a:off x="1438" y="8239"/>
+                <a:ext cx="659" cy="560"/>
+              </a:xfrm>
+              <a:prstGeom prst="rect">
+                <a:avLst/>
+              </a:prstGeom>
+              <a:noFill/>
+            </p:spPr>
+            <p:txBody>
+              <a:bodyPr wrap="square" rtlCol="0">
+                <a:spAutoFit/>
+              </a:bodyPr>
+              <a:p>
+                <a:pPr fontAlgn="auto"/>
+                <a:r>
+                  <a:rPr lang="pt-PT" altLang="en-US" sz="2400"/>
+                  <a:t>X</a:t>
+                </a:r>
+                <a:r>
+                  <a:rPr lang="pt-PT" altLang="en-US" sz="2400" baseline="-25000">
+                    <a:solidFill>
+                      <a:schemeClr val="tx1"/>
+                    </a:solidFill>
+                    <a:uFillTx/>
+                  </a:rPr>
+                  <a:t>1</a:t>
+                </a:r>
+                <a:endParaRPr lang="pt-PT" altLang="en-US" sz="2400" baseline="-25000">
+                  <a:solidFill>
+                    <a:schemeClr val="tx1"/>
+                  </a:solidFill>
+                  <a:uFillTx/>
+                </a:endParaRPr>
+              </a:p>
+            </p:txBody>
+          </p:sp>
+          <p:sp>
+            <p:nvSpPr>
+              <p:cNvPr id="39" name="Rectangle 38"/>
+              <p:cNvSpPr/>
+              <p:nvPr/>
+            </p:nvSpPr>
+            <p:spPr>
+              <a:xfrm>
+                <a:off x="1438" y="8233"/>
+                <a:ext cx="659" cy="580"/>
+              </a:xfrm>
+              <a:prstGeom prst="rect">
+                <a:avLst/>
+              </a:prstGeom>
+              <a:noFill/>
+              <a:ln>
+                <a:solidFill>
+                  <a:schemeClr val="tx1"/>
+                </a:solidFill>
+              </a:ln>
+              <a:extLst>
+                <a:ext uri="{909E8E84-426E-40DD-AFC4-6F175D3DCCD1}">
+                  <a14:hiddenFill xmlns:a14="http://schemas.microsoft.com/office/drawing/2010/main">
+                    <a:solidFill>
+                      <a:schemeClr val="accent1"/>
+                    </a:solidFill>
+                  </a14:hiddenFill>
+                </a:ext>
+              </a:extLst>
+            </p:spPr>
+            <p:style>
+              <a:lnRef idx="2">
+                <a:schemeClr val="accent1">
+                  <a:shade val="50000"/>
+                </a:schemeClr>
+              </a:lnRef>
+              <a:fillRef idx="1">
+                <a:schemeClr val="accent1"/>
+              </a:fillRef>
+              <a:effectRef idx="0">
+                <a:schemeClr val="accent1"/>
+              </a:effectRef>
+              <a:fontRef idx="minor">
+                <a:schemeClr val="lt1"/>
+              </a:fontRef>
+            </p:style>
+            <p:txBody>
+              <a:bodyPr rtlCol="0" anchor="ctr"/>
+              <a:p>
+                <a:pPr algn="ctr"/>
+                <a:endParaRPr lang="en-US" sz="2400"/>
+              </a:p>
+            </p:txBody>
+          </p:sp>
+        </p:grpSp>
+        <p:sp>
+          <p:nvSpPr>
+            <p:cNvPr id="48" name="Rectangle 47"/>
+            <p:cNvSpPr/>
+            <p:nvPr/>
+          </p:nvSpPr>
+          <p:spPr>
+            <a:xfrm>
+              <a:off x="4074" y="8233"/>
+              <a:ext cx="460" cy="580"/>
+            </a:xfrm>
+            <a:prstGeom prst="rect">
+              <a:avLst/>
+            </a:prstGeom>
+            <a:noFill/>
+            <a:ln>
+              <a:solidFill>
+                <a:schemeClr val="tx1"/>
+              </a:solidFill>
+            </a:ln>
+            <a:extLst>
+              <a:ext uri="{909E8E84-426E-40DD-AFC4-6F175D3DCCD1}">
+                <a14:hiddenFill xmlns:a14="http://schemas.microsoft.com/office/drawing/2010/main">
+                  <a:solidFill>
+                    <a:schemeClr val="accent1"/>
+                  </a:solidFill>
+                </a14:hiddenFill>
+              </a:ext>
+            </a:extLst>
+          </p:spPr>
+          <p:style>
+            <a:lnRef idx="2">
+              <a:schemeClr val="accent1">
+                <a:shade val="50000"/>
+              </a:schemeClr>
+            </a:lnRef>
+            <a:fillRef idx="1">
+              <a:schemeClr val="accent1"/>
+            </a:fillRef>
+            <a:effectRef idx="0">
+              <a:schemeClr val="accent1"/>
+            </a:effectRef>
+            <a:fontRef idx="minor">
+              <a:schemeClr val="lt1"/>
+            </a:fontRef>
+          </p:style>
+          <p:txBody>
+            <a:bodyPr rtlCol="0" anchor="ctr"/>
+            <a:p>
+              <a:pPr algn="ctr"/>
+              <a:endParaRPr lang="en-US" sz="2400"/>
+            </a:p>
+          </p:txBody>
+        </p:sp>
+        <p:sp>
+          <p:nvSpPr>
+            <p:cNvPr id="74" name="Rectangle 73"/>
+            <p:cNvSpPr/>
+            <p:nvPr/>
+          </p:nvSpPr>
+          <p:spPr>
+            <a:xfrm>
+              <a:off x="4994" y="8233"/>
+              <a:ext cx="460" cy="580"/>
+            </a:xfrm>
+            <a:prstGeom prst="rect">
+              <a:avLst/>
+            </a:prstGeom>
+            <a:noFill/>
+            <a:ln>
+              <a:solidFill>
+                <a:schemeClr val="tx1"/>
+              </a:solidFill>
+            </a:ln>
+            <a:extLst>
+              <a:ext uri="{909E8E84-426E-40DD-AFC4-6F175D3DCCD1}">
+                <a14:hiddenFill xmlns:a14="http://schemas.microsoft.com/office/drawing/2010/main">
+                  <a:solidFill>
+                    <a:schemeClr val="accent1"/>
+                  </a:solidFill>
+                </a14:hiddenFill>
+              </a:ext>
+            </a:extLst>
+          </p:spPr>
+          <p:style>
+            <a:lnRef idx="2">
+              <a:schemeClr val="accent1">
+                <a:shade val="50000"/>
+              </a:schemeClr>
+            </a:lnRef>
+            <a:fillRef idx="1">
+              <a:schemeClr val="accent1"/>
+            </a:fillRef>
+            <a:effectRef idx="0">
+              <a:schemeClr val="accent1"/>
+            </a:effectRef>
+            <a:fontRef idx="minor">
+              <a:schemeClr val="lt1"/>
+            </a:fontRef>
+          </p:style>
+          <p:txBody>
+            <a:bodyPr rtlCol="0" anchor="ctr"/>
+            <a:p>
+              <a:pPr algn="ctr"/>
+              <a:endParaRPr lang="en-US" sz="2400"/>
+            </a:p>
+          </p:txBody>
+        </p:sp>
+        <p:grpSp>
+          <p:nvGrpSpPr>
+            <p:cNvPr id="75" name="Group 74"/>
+            <p:cNvGrpSpPr/>
+            <p:nvPr/>
+          </p:nvGrpSpPr>
+          <p:grpSpPr>
+            <a:xfrm rot="0">
+              <a:off x="4534" y="8233"/>
+              <a:ext cx="461" cy="580"/>
+              <a:chOff x="3330" y="4997"/>
+              <a:chExt cx="461" cy="580"/>
+            </a:xfrm>
+          </p:grpSpPr>
+          <p:sp>
+            <p:nvSpPr>
+              <p:cNvPr id="76" name="Text Box 75"/>
+              <p:cNvSpPr txBox="1"/>
+              <p:nvPr/>
+            </p:nvSpPr>
+            <p:spPr>
+              <a:xfrm>
+                <a:off x="3330" y="4997"/>
+                <a:ext cx="461" cy="560"/>
+              </a:xfrm>
+              <a:prstGeom prst="rect">
+                <a:avLst/>
+              </a:prstGeom>
+              <a:noFill/>
+            </p:spPr>
+            <p:txBody>
+              <a:bodyPr wrap="square" rtlCol="0">
+                <a:spAutoFit/>
+              </a:bodyPr>
+              <a:p>
+                <a:pPr fontAlgn="auto"/>
+                <a:r>
+                  <a:rPr lang="pt-PT" altLang="en-US" sz="2400"/>
+                  <a:t>1</a:t>
+                </a:r>
+                <a:endParaRPr lang="pt-PT" altLang="en-US" sz="2400"/>
+              </a:p>
+            </p:txBody>
+          </p:sp>
+          <p:sp>
+            <p:nvSpPr>
+              <p:cNvPr id="77" name="Rectangle 76"/>
+              <p:cNvSpPr/>
+              <p:nvPr/>
+            </p:nvSpPr>
+            <p:spPr>
+              <a:xfrm>
+                <a:off x="3330" y="4997"/>
+                <a:ext cx="460" cy="580"/>
+              </a:xfrm>
+              <a:prstGeom prst="rect">
+                <a:avLst/>
+              </a:prstGeom>
+              <a:noFill/>
+              <a:ln>
+                <a:solidFill>
+                  <a:schemeClr val="tx1"/>
+                </a:solidFill>
+              </a:ln>
+              <a:extLst>
+                <a:ext uri="{909E8E84-426E-40DD-AFC4-6F175D3DCCD1}">
+                  <a14:hiddenFill xmlns:a14="http://schemas.microsoft.com/office/drawing/2010/main">
+                    <a:solidFill>
+                      <a:schemeClr val="accent1"/>
+                    </a:solidFill>
+                  </a14:hiddenFill>
+                </a:ext>
+              </a:extLst>
+            </p:spPr>
+            <p:style>
+              <a:lnRef idx="2">
+                <a:schemeClr val="accent1">
+                  <a:shade val="50000"/>
+                </a:schemeClr>
+              </a:lnRef>
+              <a:fillRef idx="1">
+                <a:schemeClr val="accent1"/>
+              </a:fillRef>
+              <a:effectRef idx="0">
+                <a:schemeClr val="accent1"/>
+              </a:effectRef>
+              <a:fontRef idx="minor">
+                <a:schemeClr val="lt1"/>
+              </a:fontRef>
+            </p:style>
+            <p:txBody>
+              <a:bodyPr rtlCol="0" anchor="ctr"/>
+              <a:p>
+                <a:pPr algn="ctr"/>
+                <a:endParaRPr lang="en-US" sz="2400"/>
+              </a:p>
+            </p:txBody>
+          </p:sp>
+        </p:grpSp>
+        <p:sp>
+          <p:nvSpPr>
+            <p:cNvPr id="78" name="Rectangle 77"/>
+            <p:cNvSpPr/>
+            <p:nvPr/>
+          </p:nvSpPr>
+          <p:spPr>
+            <a:xfrm>
+              <a:off x="4501" y="7949"/>
+              <a:ext cx="894" cy="1148"/>
+            </a:xfrm>
+            <a:prstGeom prst="rect">
+              <a:avLst/>
+            </a:prstGeom>
+            <a:solidFill>
+              <a:schemeClr val="bg1"/>
+            </a:solidFill>
+            <a:ln>
+              <a:solidFill>
+                <a:schemeClr val="bg1"/>
+              </a:solidFill>
+            </a:ln>
+          </p:spPr>
+          <p:style>
+            <a:lnRef idx="2">
+              <a:schemeClr val="accent1">
+                <a:shade val="50000"/>
+              </a:schemeClr>
+            </a:lnRef>
+            <a:fillRef idx="1">
+              <a:schemeClr val="accent1"/>
+            </a:fillRef>
+            <a:effectRef idx="0">
+              <a:schemeClr val="accent1"/>
+            </a:effectRef>
+            <a:fontRef idx="minor">
+              <a:schemeClr val="lt1"/>
+            </a:fontRef>
+          </p:style>
+          <p:txBody>
+            <a:bodyPr rtlCol="0" anchor="ctr"/>
+            <a:p>
+              <a:pPr algn="ctr"/>
+              <a:endParaRPr lang="en-US" sz="2400"/>
+            </a:p>
+          </p:txBody>
+        </p:sp>
+        <p:sp>
+          <p:nvSpPr>
+            <p:cNvPr id="79" name="Text Box 78"/>
+            <p:cNvSpPr txBox="1"/>
+            <p:nvPr/>
+          </p:nvSpPr>
+          <p:spPr>
+            <a:xfrm>
+              <a:off x="4570" y="7997"/>
+              <a:ext cx="756" cy="785"/>
+            </a:xfrm>
+            <a:prstGeom prst="rect">
+              <a:avLst/>
+            </a:prstGeom>
+            <a:noFill/>
+          </p:spPr>
+          <p:txBody>
+            <a:bodyPr wrap="square" rtlCol="0">
+              <a:spAutoFit/>
+            </a:bodyPr>
+            <a:p>
+              <a:r>
+                <a:rPr lang="pt-PT" altLang="en-US" sz="3600"/>
+                <a:t>...</a:t>
+              </a:r>
+              <a:endParaRPr lang="pt-PT" altLang="en-US" sz="3600"/>
+            </a:p>
+          </p:txBody>
+        </p:sp>
+        <p:sp>
+          <p:nvSpPr>
+            <p:cNvPr id="33" name="Text Box 32"/>
+            <p:cNvSpPr txBox="1"/>
+            <p:nvPr/>
+          </p:nvSpPr>
+          <p:spPr>
+            <a:xfrm>
+              <a:off x="2007" y="7490"/>
+              <a:ext cx="3576" cy="373"/>
+            </a:xfrm>
+            <a:prstGeom prst="rect">
+              <a:avLst/>
+            </a:prstGeom>
+            <a:noFill/>
+          </p:spPr>
+          <p:txBody>
+            <a:bodyPr wrap="square" rtlCol="0">
+              <a:spAutoFit/>
+            </a:bodyPr>
+            <a:p>
+              <a:pPr algn="ctr"/>
+              <a:r>
+                <a:rPr lang="pt-PT" altLang="en-US" sz="1400" b="1"/>
+                <a:t>Variáveis de projeto</a:t>
+              </a:r>
+              <a:endParaRPr lang="pt-PT" altLang="en-US" sz="1400" b="1"/>
+            </a:p>
+          </p:txBody>
+        </p:sp>
+        <p:sp>
+          <p:nvSpPr>
+            <p:cNvPr id="87" name="Text Box 86"/>
+            <p:cNvSpPr txBox="1"/>
+            <p:nvPr/>
+          </p:nvSpPr>
+          <p:spPr>
+            <a:xfrm>
+              <a:off x="2007" y="9023"/>
+              <a:ext cx="3935" cy="635"/>
+            </a:xfrm>
+            <a:prstGeom prst="rect">
+              <a:avLst/>
+            </a:prstGeom>
+            <a:noFill/>
+          </p:spPr>
+          <p:txBody>
+            <a:bodyPr wrap="square" rtlCol="0">
+              <a:spAutoFit/>
+            </a:bodyPr>
+            <a:p>
+              <a:pPr algn="ctr"/>
+              <a:r>
+                <a:rPr lang="pt-PT" altLang="en-US" sz="1400" b="1"/>
+                <a:t>Cada variável possui codificação real e representa uma espécie</a:t>
+              </a:r>
+              <a:endParaRPr lang="pt-PT" altLang="en-US" sz="1400" b="1"/>
+            </a:p>
+          </p:txBody>
+        </p:sp>
+        <p:cxnSp>
+          <p:nvCxnSpPr>
+            <p:cNvPr id="88" name="Elbow Connector 87"/>
+            <p:cNvCxnSpPr/>
+            <p:nvPr/>
+          </p:nvCxnSpPr>
+          <p:spPr>
+            <a:xfrm rot="5400000" flipV="1">
+              <a:off x="1662" y="8865"/>
+              <a:ext cx="391" cy="299"/>
+            </a:xfrm>
+            <a:prstGeom prst="bentConnector3">
+              <a:avLst>
+                <a:gd name="adj1" fmla="val 100000"/>
+              </a:avLst>
+            </a:prstGeom>
+            <a:ln w="12700">
+              <a:tailEnd type="arrow" w="med" len="med"/>
+            </a:ln>
+          </p:spPr>
+          <p:style>
+            <a:lnRef idx="1">
+              <a:schemeClr val="dk1"/>
+            </a:lnRef>
+            <a:fillRef idx="0">
+              <a:schemeClr val="dk1"/>
+            </a:fillRef>
+            <a:effectRef idx="0">
+              <a:schemeClr val="dk1"/>
+            </a:effectRef>
+            <a:fontRef idx="minor">
+              <a:schemeClr val="tx1"/>
+            </a:fontRef>
+          </p:style>
+        </p:cxnSp>
+        <p:sp>
+          <p:nvSpPr>
+            <p:cNvPr id="89" name="Right Brace 88"/>
+            <p:cNvSpPr/>
+            <p:nvPr/>
+          </p:nvSpPr>
+          <p:spPr>
+            <a:xfrm rot="16200000">
+              <a:off x="3693" y="5747"/>
+              <a:ext cx="203" cy="4608"/>
+            </a:xfrm>
+            <a:prstGeom prst="rightBrace">
+              <a:avLst>
+                <a:gd name="adj1" fmla="val 207142"/>
+                <a:gd name="adj2" fmla="val 50000"/>
+              </a:avLst>
+            </a:prstGeom>
+            <a:ln>
+              <a:solidFill>
+                <a:schemeClr val="tx1"/>
+              </a:solidFill>
+            </a:ln>
+          </p:spPr>
+          <p:style>
+            <a:lnRef idx="1">
+              <a:schemeClr val="accent1"/>
+            </a:lnRef>
+            <a:fillRef idx="0">
+              <a:schemeClr val="accent1"/>
+            </a:fillRef>
+            <a:effectRef idx="0">
+              <a:schemeClr val="accent1"/>
+            </a:effectRef>
+            <a:fontRef idx="minor">
+              <a:schemeClr val="tx1"/>
+            </a:fontRef>
+          </p:style>
+          <p:txBody>
+            <a:bodyPr rtlCol="0" anchor="ctr"/>
+            <a:p>
+              <a:pPr algn="ctr"/>
+              <a:endParaRPr lang="en-US" sz="2400"/>
+            </a:p>
+          </p:txBody>
+        </p:sp>
+        <p:grpSp>
+          <p:nvGrpSpPr>
+            <p:cNvPr id="46" name="Group 45"/>
+            <p:cNvGrpSpPr/>
+            <p:nvPr/>
+          </p:nvGrpSpPr>
+          <p:grpSpPr>
+            <a:xfrm>
+              <a:off x="2097" y="8233"/>
+              <a:ext cx="659" cy="580"/>
+              <a:chOff x="1438" y="8233"/>
+              <a:chExt cx="659" cy="580"/>
+            </a:xfrm>
+          </p:grpSpPr>
+          <p:sp>
+            <p:nvSpPr>
+              <p:cNvPr id="47" name="Text Box 46"/>
+              <p:cNvSpPr txBox="1"/>
+              <p:nvPr/>
+            </p:nvSpPr>
+            <p:spPr>
+              <a:xfrm>
+                <a:off x="1438" y="8239"/>
+                <a:ext cx="659" cy="560"/>
+              </a:xfrm>
+              <a:prstGeom prst="rect">
+                <a:avLst/>
+              </a:prstGeom>
+              <a:noFill/>
+            </p:spPr>
+            <p:txBody>
+              <a:bodyPr wrap="square" rtlCol="0">
+                <a:spAutoFit/>
+              </a:bodyPr>
+              <a:p>
+                <a:pPr fontAlgn="auto"/>
+                <a:r>
+                  <a:rPr lang="pt-PT" altLang="en-US" sz="2400"/>
+                  <a:t>X</a:t>
+                </a:r>
+                <a:r>
+                  <a:rPr lang="pt-PT" altLang="en-US" sz="2400" baseline="-25000">
+                    <a:solidFill>
+                      <a:schemeClr val="tx1"/>
+                    </a:solidFill>
+                    <a:uFillTx/>
+                  </a:rPr>
+                  <a:t>2</a:t>
+                </a:r>
+                <a:endParaRPr lang="pt-PT" altLang="en-US" sz="2400" baseline="-25000">
+                  <a:solidFill>
+                    <a:schemeClr val="tx1"/>
+                  </a:solidFill>
+                  <a:uFillTx/>
+                </a:endParaRPr>
+              </a:p>
+            </p:txBody>
+          </p:sp>
+          <p:sp>
+            <p:nvSpPr>
+              <p:cNvPr id="70" name="Rectangle 69"/>
+              <p:cNvSpPr/>
+              <p:nvPr/>
+            </p:nvSpPr>
+            <p:spPr>
+              <a:xfrm>
+                <a:off x="1438" y="8233"/>
+                <a:ext cx="659" cy="580"/>
+              </a:xfrm>
+              <a:prstGeom prst="rect">
+                <a:avLst/>
+              </a:prstGeom>
+              <a:noFill/>
+              <a:ln>
+                <a:solidFill>
+                  <a:schemeClr val="tx1"/>
+                </a:solidFill>
+              </a:ln>
+              <a:extLst>
+                <a:ext uri="{909E8E84-426E-40DD-AFC4-6F175D3DCCD1}">
+                  <a14:hiddenFill xmlns:a14="http://schemas.microsoft.com/office/drawing/2010/main">
+                    <a:solidFill>
+                      <a:schemeClr val="accent1"/>
+                    </a:solidFill>
+                  </a14:hiddenFill>
+                </a:ext>
+              </a:extLst>
+            </p:spPr>
+            <p:style>
+              <a:lnRef idx="2">
+                <a:schemeClr val="accent1">
+                  <a:shade val="50000"/>
+                </a:schemeClr>
+              </a:lnRef>
+              <a:fillRef idx="1">
+                <a:schemeClr val="accent1"/>
+              </a:fillRef>
+              <a:effectRef idx="0">
+                <a:schemeClr val="accent1"/>
+              </a:effectRef>
+              <a:fontRef idx="minor">
+                <a:schemeClr val="lt1"/>
+              </a:fontRef>
+            </p:style>
+            <p:txBody>
+              <a:bodyPr rtlCol="0" anchor="ctr"/>
+              <a:p>
+                <a:pPr algn="ctr"/>
+                <a:endParaRPr lang="en-US" sz="2400"/>
+              </a:p>
+            </p:txBody>
+          </p:sp>
+        </p:grpSp>
+        <p:grpSp>
+          <p:nvGrpSpPr>
+            <p:cNvPr id="72" name="Group 71"/>
+            <p:cNvGrpSpPr/>
+            <p:nvPr/>
+          </p:nvGrpSpPr>
+          <p:grpSpPr>
+            <a:xfrm>
+              <a:off x="2756" y="8233"/>
+              <a:ext cx="659" cy="580"/>
+              <a:chOff x="1438" y="8233"/>
+              <a:chExt cx="659" cy="580"/>
+            </a:xfrm>
+          </p:grpSpPr>
+          <p:sp>
+            <p:nvSpPr>
+              <p:cNvPr id="73" name="Text Box 72"/>
+              <p:cNvSpPr txBox="1"/>
+              <p:nvPr/>
+            </p:nvSpPr>
+            <p:spPr>
+              <a:xfrm>
+                <a:off x="1438" y="8239"/>
+                <a:ext cx="659" cy="560"/>
+              </a:xfrm>
+              <a:prstGeom prst="rect">
+                <a:avLst/>
+              </a:prstGeom>
+              <a:noFill/>
+            </p:spPr>
+            <p:txBody>
+              <a:bodyPr wrap="square" rtlCol="0">
+                <a:spAutoFit/>
+              </a:bodyPr>
+              <a:p>
+                <a:pPr fontAlgn="auto"/>
+                <a:r>
+                  <a:rPr lang="pt-PT" altLang="en-US" sz="2400"/>
+                  <a:t>X</a:t>
+                </a:r>
+                <a:r>
+                  <a:rPr lang="pt-PT" altLang="en-US" sz="2400" baseline="-25000">
+                    <a:solidFill>
+                      <a:schemeClr val="tx1"/>
+                    </a:solidFill>
+                    <a:uFillTx/>
+                  </a:rPr>
+                  <a:t>3</a:t>
+                </a:r>
+                <a:endParaRPr lang="pt-PT" altLang="en-US" sz="2400" baseline="-25000">
+                  <a:solidFill>
+                    <a:schemeClr val="tx1"/>
+                  </a:solidFill>
+                  <a:uFillTx/>
+                </a:endParaRPr>
+              </a:p>
+            </p:txBody>
+          </p:sp>
+          <p:sp>
+            <p:nvSpPr>
+              <p:cNvPr id="83" name="Rectangle 82"/>
+              <p:cNvSpPr/>
+              <p:nvPr/>
+            </p:nvSpPr>
+            <p:spPr>
+              <a:xfrm>
+                <a:off x="1438" y="8233"/>
+                <a:ext cx="659" cy="580"/>
+              </a:xfrm>
+              <a:prstGeom prst="rect">
+                <a:avLst/>
+              </a:prstGeom>
+              <a:noFill/>
+              <a:ln>
+                <a:solidFill>
+                  <a:schemeClr val="tx1"/>
+                </a:solidFill>
+              </a:ln>
+              <a:extLst>
+                <a:ext uri="{909E8E84-426E-40DD-AFC4-6F175D3DCCD1}">
+                  <a14:hiddenFill xmlns:a14="http://schemas.microsoft.com/office/drawing/2010/main">
+                    <a:solidFill>
+                      <a:schemeClr val="accent1"/>
+                    </a:solidFill>
+                  </a14:hiddenFill>
+                </a:ext>
+              </a:extLst>
+            </p:spPr>
+            <p:style>
+              <a:lnRef idx="2">
+                <a:schemeClr val="accent1">
+                  <a:shade val="50000"/>
+                </a:schemeClr>
+              </a:lnRef>
+              <a:fillRef idx="1">
+                <a:schemeClr val="accent1"/>
+              </a:fillRef>
+              <a:effectRef idx="0">
+                <a:schemeClr val="accent1"/>
+              </a:effectRef>
+              <a:fontRef idx="minor">
+                <a:schemeClr val="lt1"/>
+              </a:fontRef>
+            </p:style>
+            <p:txBody>
+              <a:bodyPr rtlCol="0" anchor="ctr"/>
+              <a:p>
+                <a:pPr algn="ctr"/>
+                <a:endParaRPr lang="en-US" sz="2400"/>
+              </a:p>
+            </p:txBody>
+          </p:sp>
+        </p:grpSp>
+        <p:grpSp>
+          <p:nvGrpSpPr>
+            <p:cNvPr id="85" name="Group 84"/>
+            <p:cNvGrpSpPr/>
+            <p:nvPr/>
+          </p:nvGrpSpPr>
+          <p:grpSpPr>
+            <a:xfrm>
+              <a:off x="3415" y="8233"/>
+              <a:ext cx="659" cy="580"/>
+              <a:chOff x="1438" y="8233"/>
+              <a:chExt cx="659" cy="580"/>
+            </a:xfrm>
+          </p:grpSpPr>
+          <p:sp>
+            <p:nvSpPr>
+              <p:cNvPr id="86" name="Text Box 85"/>
+              <p:cNvSpPr txBox="1"/>
+              <p:nvPr/>
+            </p:nvSpPr>
+            <p:spPr>
+              <a:xfrm>
+                <a:off x="1438" y="8239"/>
+                <a:ext cx="659" cy="560"/>
+              </a:xfrm>
+              <a:prstGeom prst="rect">
+                <a:avLst/>
+              </a:prstGeom>
+              <a:noFill/>
+            </p:spPr>
+            <p:txBody>
+              <a:bodyPr wrap="square" rtlCol="0">
+                <a:spAutoFit/>
+              </a:bodyPr>
+              <a:p>
+                <a:pPr fontAlgn="auto"/>
+                <a:r>
+                  <a:rPr lang="pt-PT" altLang="en-US" sz="2400"/>
+                  <a:t>X</a:t>
+                </a:r>
+                <a:r>
+                  <a:rPr lang="pt-PT" altLang="en-US" sz="2400" baseline="-25000">
+                    <a:solidFill>
+                      <a:schemeClr val="tx1"/>
+                    </a:solidFill>
+                    <a:uFillTx/>
+                  </a:rPr>
+                  <a:t>4</a:t>
+                </a:r>
+                <a:endParaRPr lang="pt-PT" altLang="en-US" sz="2400" baseline="-25000">
+                  <a:solidFill>
+                    <a:schemeClr val="tx1"/>
+                  </a:solidFill>
+                  <a:uFillTx/>
+                </a:endParaRPr>
+              </a:p>
+            </p:txBody>
+          </p:sp>
+          <p:sp>
+            <p:nvSpPr>
+              <p:cNvPr id="90" name="Rectangle 89"/>
+              <p:cNvSpPr/>
+              <p:nvPr/>
+            </p:nvSpPr>
+            <p:spPr>
+              <a:xfrm>
+                <a:off x="1438" y="8233"/>
+                <a:ext cx="659" cy="580"/>
+              </a:xfrm>
+              <a:prstGeom prst="rect">
+                <a:avLst/>
+              </a:prstGeom>
+              <a:noFill/>
+              <a:ln>
+                <a:solidFill>
+                  <a:schemeClr val="tx1"/>
+                </a:solidFill>
+              </a:ln>
+              <a:extLst>
+                <a:ext uri="{909E8E84-426E-40DD-AFC4-6F175D3DCCD1}">
+                  <a14:hiddenFill xmlns:a14="http://schemas.microsoft.com/office/drawing/2010/main">
+                    <a:solidFill>
+                      <a:schemeClr val="accent1"/>
+                    </a:solidFill>
+                  </a14:hiddenFill>
+                </a:ext>
+              </a:extLst>
+            </p:spPr>
+            <p:style>
+              <a:lnRef idx="2">
+                <a:schemeClr val="accent1">
+                  <a:shade val="50000"/>
+                </a:schemeClr>
+              </a:lnRef>
+              <a:fillRef idx="1">
+                <a:schemeClr val="accent1"/>
+              </a:fillRef>
+              <a:effectRef idx="0">
+                <a:schemeClr val="accent1"/>
+              </a:effectRef>
+              <a:fontRef idx="minor">
+                <a:schemeClr val="lt1"/>
+              </a:fontRef>
+            </p:style>
+            <p:txBody>
+              <a:bodyPr rtlCol="0" anchor="ctr"/>
+              <a:p>
+                <a:pPr algn="ctr"/>
+                <a:endParaRPr lang="en-US" sz="2400"/>
+              </a:p>
+            </p:txBody>
+          </p:sp>
+        </p:grpSp>
+        <p:grpSp>
+          <p:nvGrpSpPr>
+            <p:cNvPr id="91" name="Group 90"/>
+            <p:cNvGrpSpPr/>
+            <p:nvPr/>
+          </p:nvGrpSpPr>
+          <p:grpSpPr>
+            <a:xfrm>
+              <a:off x="5454" y="8233"/>
+              <a:ext cx="659" cy="580"/>
+              <a:chOff x="1438" y="8233"/>
+              <a:chExt cx="659" cy="580"/>
+            </a:xfrm>
+          </p:grpSpPr>
+          <p:sp>
+            <p:nvSpPr>
+              <p:cNvPr id="92" name="Text Box 91"/>
+              <p:cNvSpPr txBox="1"/>
+              <p:nvPr/>
+            </p:nvSpPr>
+            <p:spPr>
+              <a:xfrm>
+                <a:off x="1438" y="8239"/>
+                <a:ext cx="659" cy="560"/>
+              </a:xfrm>
+              <a:prstGeom prst="rect">
+                <a:avLst/>
+              </a:prstGeom>
+              <a:noFill/>
+            </p:spPr>
+            <p:txBody>
+              <a:bodyPr wrap="square" rtlCol="0">
+                <a:spAutoFit/>
+              </a:bodyPr>
+              <a:p>
+                <a:pPr fontAlgn="auto"/>
+                <a:r>
+                  <a:rPr lang="pt-PT" altLang="en-US" sz="2400"/>
+                  <a:t>X</a:t>
+                </a:r>
+                <a:r>
+                  <a:rPr lang="pt-PT" altLang="en-US" sz="2400" baseline="-25000">
+                    <a:solidFill>
+                      <a:schemeClr val="tx1"/>
+                    </a:solidFill>
+                    <a:uFillTx/>
+                  </a:rPr>
+                  <a:t>n</a:t>
+                </a:r>
+                <a:endParaRPr lang="pt-PT" altLang="en-US" sz="2400" baseline="-25000">
+                  <a:solidFill>
+                    <a:schemeClr val="tx1"/>
+                  </a:solidFill>
+                  <a:uFillTx/>
+                </a:endParaRPr>
+              </a:p>
+            </p:txBody>
+          </p:sp>
+          <p:sp>
+            <p:nvSpPr>
+              <p:cNvPr id="93" name="Rectangle 92"/>
+              <p:cNvSpPr/>
+              <p:nvPr/>
+            </p:nvSpPr>
+            <p:spPr>
+              <a:xfrm>
+                <a:off x="1438" y="8233"/>
+                <a:ext cx="659" cy="580"/>
+              </a:xfrm>
+              <a:prstGeom prst="rect">
+                <a:avLst/>
+              </a:prstGeom>
+              <a:noFill/>
+              <a:ln>
+                <a:solidFill>
+                  <a:schemeClr val="tx1"/>
+                </a:solidFill>
+              </a:ln>
+              <a:extLst>
+                <a:ext uri="{909E8E84-426E-40DD-AFC4-6F175D3DCCD1}">
+                  <a14:hiddenFill xmlns:a14="http://schemas.microsoft.com/office/drawing/2010/main">
+                    <a:solidFill>
+                      <a:schemeClr val="accent1"/>
+                    </a:solidFill>
+                  </a14:hiddenFill>
+                </a:ext>
+              </a:extLst>
+            </p:spPr>
+            <p:style>
+              <a:lnRef idx="2">
+                <a:schemeClr val="accent1">
+                  <a:shade val="50000"/>
+                </a:schemeClr>
+              </a:lnRef>
+              <a:fillRef idx="1">
+                <a:schemeClr val="accent1"/>
+              </a:fillRef>
+              <a:effectRef idx="0">
+                <a:schemeClr val="accent1"/>
+              </a:effectRef>
+              <a:fontRef idx="minor">
+                <a:schemeClr val="lt1"/>
+              </a:fontRef>
+            </p:style>
+            <p:txBody>
+              <a:bodyPr rtlCol="0" anchor="ctr"/>
+              <a:p>
+                <a:pPr algn="ctr"/>
+                <a:endParaRPr lang="en-US" sz="2400"/>
+              </a:p>
+            </p:txBody>
+          </p:sp>
+        </p:grpSp>
+      </p:grpSp>
+      <p:pic>
+        <p:nvPicPr>
+          <p:cNvPr id="96" name="Picture 95"/>
+          <p:cNvPicPr>
+            <a:picLocks noChangeAspect="1"/>
+          </p:cNvPicPr>
+          <p:nvPr/>
+        </p:nvPicPr>
+        <p:blipFill>
+          <a:blip r:embed="rId2"/>
+          <a:stretch>
+            <a:fillRect/>
+          </a:stretch>
+        </p:blipFill>
+        <p:spPr>
+          <a:xfrm>
+            <a:off x="5372100" y="99695"/>
+            <a:ext cx="5343525" cy="6699250"/>
+          </a:xfrm>
+          <a:prstGeom prst="rect">
+            <a:avLst/>
+          </a:prstGeom>
+        </p:spPr>
+      </p:pic>
+    </p:spTree>
+  </p:cSld>
+  <p:clrMapOvr>
+    <a:masterClrMapping/>
+  </p:clrMapOvr>
+</p:sld>
+</file>
+
+<file path=ppt/slides/slide20.xml><?xml version="1.0" encoding="utf-8"?>
+<p:sld xmlns:a="http://schemas.openxmlformats.org/drawingml/2006/main" xmlns:r="http://schemas.openxmlformats.org/officeDocument/2006/relationships" xmlns:p="http://schemas.openxmlformats.org/presentationml/2006/main">
+  <p:cSld>
+    <p:spTree>
+      <p:nvGrpSpPr>
+        <p:cNvPr id="1" name=""/>
+        <p:cNvGrpSpPr/>
+        <p:nvPr/>
+      </p:nvGrpSpPr>
+      <p:grpSpPr/>
+      <p:pic>
+        <p:nvPicPr>
+          <p:cNvPr id="10" name="Picture 9"/>
+          <p:cNvPicPr>
+            <a:picLocks noChangeAspect="1"/>
+          </p:cNvPicPr>
+          <p:nvPr/>
+        </p:nvPicPr>
+        <p:blipFill>
+          <a:blip r:embed="rId1"/>
+          <a:srcRect b="5928"/>
+          <a:stretch>
+            <a:fillRect/>
+          </a:stretch>
+        </p:blipFill>
+        <p:spPr>
+          <a:xfrm>
+            <a:off x="635" y="-19685"/>
+            <a:ext cx="723900" cy="6872605"/>
+          </a:xfrm>
+          <a:prstGeom prst="rect">
+            <a:avLst/>
+          </a:prstGeom>
+        </p:spPr>
+      </p:pic>
+      <p:sp>
+        <p:nvSpPr>
+          <p:cNvPr id="84" name="Google Shape;84;p2"/>
+          <p:cNvSpPr txBox="1">
+            <a:spLocks noGrp="1"/>
           </p:cNvSpPr>
           <p:nvPr>
             <p:ph type="title"/>
@@ -5074,7 +8270,7 @@
           </a:ln>
         </p:spPr>
         <p:txBody>
-          <a:bodyPr spcFirstLastPara="1" wrap="square" lIns="103150" tIns="51575" rIns="103150" bIns="51575" anchor="ctr" anchorCtr="false">
+          <a:bodyPr spcFirstLastPara="1" wrap="square" lIns="103150" tIns="51575" rIns="103150" bIns="51575" anchor="ctr" anchorCtr="0">
             <a:noAutofit/>
           </a:bodyPr>
           <a:p>
@@ -5084,10 +8280,10 @@
               <a:t>Sugestões para o AGEOreal</a:t>
             </a:r>
             <a:endParaRPr lang="pt-PT" altLang="pt-BR" sz="3200">
-              <a:latin typeface="Arial"/>
-              <a:ea typeface="Arial"/>
-              <a:cs typeface="Arial"/>
-              <a:sym typeface="Arial"/>
+              <a:latin typeface="Arial" panose="020B0604020202020204"/>
+              <a:ea typeface="Arial" panose="020B0604020202020204"/>
+              <a:cs typeface="Arial" panose="020B0604020202020204"/>
+              <a:sym typeface="Arial" panose="020B0604020202020204"/>
             </a:endParaRPr>
           </a:p>
         </p:txBody>
@@ -5097,7 +8293,7 @@
           <p:sp>
             <p:nvSpPr>
               <p:cNvPr id="2" name="Text Box 1"/>
-              <p:cNvSpPr txBox="true"/>
+              <p:cNvSpPr txBox="1"/>
               <p:nvPr/>
             </p:nvSpPr>
             <p:spPr>
@@ -5119,7 +8315,7 @@
                   <a:lnSpc>
                     <a:spcPct val="200000"/>
                   </a:lnSpc>
-                  <a:buFont typeface="Arial" panose="02080604020202020204" pitchFamily="34" charset="0"/>
+                  <a:buFont typeface="Arial" panose="020B0604020202020204" pitchFamily="34" charset="0"/>
                   <a:buChar char="•"/>
                 </a:pPr>
                 <a:r>
@@ -5137,7 +8333,7 @@
                   <a:lnSpc>
                     <a:spcPct val="200000"/>
                   </a:lnSpc>
-                  <a:buFont typeface="Arial" panose="02080604020202020204" pitchFamily="34" charset="0"/>
+                  <a:buFont typeface="Arial" panose="020B0604020202020204" pitchFamily="34" charset="0"/>
                   <a:buChar char="•"/>
                 </a:pPr>
                 <a:r>
@@ -5210,7 +8406,7 @@
                   <a:lnSpc>
                     <a:spcPct val="200000"/>
                   </a:lnSpc>
-                  <a:buFont typeface="Arial" panose="02080604020202020204" pitchFamily="34" charset="0"/>
+                  <a:buFont typeface="Arial" panose="020B0604020202020204" pitchFamily="34" charset="0"/>
                   <a:buChar char="•"/>
                 </a:pPr>
                 <a14:m>
@@ -5309,7 +8505,7 @@
                   <a:lnSpc>
                     <a:spcPct val="200000"/>
                   </a:lnSpc>
-                  <a:buFont typeface="Arial" panose="02080604020202020204" pitchFamily="34" charset="0"/>
+                  <a:buFont typeface="Arial" panose="020B0604020202020204" pitchFamily="34" charset="0"/>
                   <a:buChar char="•"/>
                 </a:pPr>
                 <a:r>
@@ -5373,7 +8569,7 @@
                   <a:lnSpc>
                     <a:spcPct val="200000"/>
                   </a:lnSpc>
-                  <a:buFont typeface="Arial" panose="02080604020202020204" pitchFamily="34" charset="0"/>
+                  <a:buFont typeface="Arial" panose="020B0604020202020204" pitchFamily="34" charset="0"/>
                   <a:buChar char="•"/>
                 </a:pPr>
                 <a:r>
@@ -5424,7 +8620,7 @@
                   <a:lnSpc>
                     <a:spcPct val="200000"/>
                   </a:lnSpc>
-                  <a:buFont typeface="Arial" panose="02080604020202020204" pitchFamily="34" charset="0"/>
+                  <a:buFont typeface="Arial" panose="020B0604020202020204" pitchFamily="34" charset="0"/>
                   <a:buChar char="•"/>
                 </a:pPr>
                 <a:r>
@@ -5440,8 +8636,8 @@
           <p:sp>
             <p:nvSpPr>
               <p:cNvPr id="2" name="Text Box 1"/>
-              <p:cNvSpPr txBox="true">
-                <a:spLocks noRot="true" noChangeAspect="true" noMove="true" noResize="true" noEditPoints="true" noAdjustHandles="true" noChangeArrowheads="true" noChangeShapeType="true" noTextEdit="true"/>
+              <p:cNvSpPr txBox="1">
+                <a:spLocks noRot="1" noChangeAspect="1" noMove="1" noResize="1" noEditPoints="1" noAdjustHandles="1" noChangeArrowheads="1" noChangeShapeType="1" noTextEdit="1"/>
               </p:cNvSpPr>
               <p:nvPr/>
             </p:nvSpPr>
@@ -5453,7 +8649,7 @@
               <a:prstGeom prst="rect">
                 <a:avLst/>
               </a:prstGeom>
-              <a:blipFill rotWithShape="true">
+              <a:blipFill rotWithShape="1">
                 <a:blip r:embed="rId2"/>
                 <a:stretch>
                   <a:fillRect/>
@@ -5483,7 +8679,7 @@
 </p:sld>
 </file>
 
-<file path=ppt/slides/slide8.xml><?xml version="1.0" encoding="utf-8"?>
+<file path=ppt/slides/slide21.xml><?xml version="1.0" encoding="utf-8"?>
 <p:sld xmlns:a="http://schemas.openxmlformats.org/drawingml/2006/main" xmlns:r="http://schemas.openxmlformats.org/officeDocument/2006/relationships" xmlns:p="http://schemas.openxmlformats.org/presentationml/2006/main">
   <p:cSld>
     <p:spTree>
@@ -5497,7 +8693,7 @@
         <p:nvPicPr>
           <p:cNvPr id="10" name="Picture 9"/>
           <p:cNvPicPr>
-            <a:picLocks noChangeAspect="true"/>
+            <a:picLocks noChangeAspect="1"/>
           </p:cNvPicPr>
           <p:nvPr/>
         </p:nvPicPr>
@@ -5521,8 +8717,8 @@
       <p:sp>
         <p:nvSpPr>
           <p:cNvPr id="84" name="Google Shape;84;p2"/>
-          <p:cNvSpPr txBox="true">
-            <a:spLocks noGrp="true"/>
+          <p:cNvSpPr txBox="1">
+            <a:spLocks noGrp="1"/>
           </p:cNvSpPr>
           <p:nvPr>
             <p:ph type="title"/>
@@ -5542,7 +8738,7 @@
           </a:ln>
         </p:spPr>
         <p:txBody>
-          <a:bodyPr spcFirstLastPara="1" wrap="square" lIns="103150" tIns="51575" rIns="103150" bIns="51575" anchor="ctr" anchorCtr="false">
+          <a:bodyPr spcFirstLastPara="1" wrap="square" lIns="103150" tIns="51575" rIns="103150" bIns="51575" anchor="ctr" anchorCtr="0">
             <a:noAutofit/>
           </a:bodyPr>
           <a:p>
@@ -5552,10 +8748,10 @@
               <a:t>Sugestões para o AGEOreal</a:t>
             </a:r>
             <a:endParaRPr lang="pt-PT" altLang="pt-BR" sz="3200">
-              <a:latin typeface="Arial"/>
-              <a:ea typeface="Arial"/>
-              <a:cs typeface="Arial"/>
-              <a:sym typeface="Arial"/>
+              <a:latin typeface="Arial" panose="020B0604020202020204"/>
+              <a:ea typeface="Arial" panose="020B0604020202020204"/>
+              <a:cs typeface="Arial" panose="020B0604020202020204"/>
+              <a:sym typeface="Arial" panose="020B0604020202020204"/>
             </a:endParaRPr>
           </a:p>
         </p:txBody>
@@ -5565,7 +8761,7 @@
           <p:sp>
             <p:nvSpPr>
               <p:cNvPr id="2" name="Text Box 1"/>
-              <p:cNvSpPr txBox="true"/>
+              <p:cNvSpPr txBox="1"/>
               <p:nvPr/>
             </p:nvSpPr>
             <p:spPr>
@@ -5587,7 +8783,7 @@
                   <a:lnSpc>
                     <a:spcPct val="150000"/>
                   </a:lnSpc>
-                  <a:buFont typeface="Arial" panose="02080604020202020204" pitchFamily="34" charset="0"/>
+                  <a:buFont typeface="Arial" panose="020B0604020202020204" pitchFamily="34" charset="0"/>
                   <a:buChar char="•"/>
                 </a:pPr>
                 <a:r>
@@ -5605,7 +8801,7 @@
                   <a:lnSpc>
                     <a:spcPct val="150000"/>
                   </a:lnSpc>
-                  <a:buFont typeface="Arial" panose="02080604020202020204" pitchFamily="34" charset="0"/>
+                  <a:buFont typeface="Arial" panose="020B0604020202020204" pitchFamily="34" charset="0"/>
                   <a:buChar char="•"/>
                 </a:pPr>
                 <a:r>
@@ -5640,7 +8836,7 @@
                   <a:lnSpc>
                     <a:spcPct val="150000"/>
                   </a:lnSpc>
-                  <a:buFont typeface="Arial" panose="02080604020202020204" pitchFamily="34" charset="0"/>
+                  <a:buFont typeface="Arial" panose="020B0604020202020204" pitchFamily="34" charset="0"/>
                   <a:buChar char="•"/>
                 </a:pPr>
                 <a14:m>
@@ -5752,7 +8948,7 @@
                   <a:spcAft>
                     <a:spcPts val="0"/>
                   </a:spcAft>
-                  <a:buFont typeface="Arial" panose="02080604020202020204" pitchFamily="34" charset="0"/>
+                  <a:buFont typeface="Arial" panose="020B0604020202020204" pitchFamily="34" charset="0"/>
                   <a:buChar char="•"/>
                 </a:pPr>
                 <a:r>
@@ -5779,7 +8975,7 @@
                   <a:lnSpc>
                     <a:spcPct val="150000"/>
                   </a:lnSpc>
-                  <a:buFont typeface="Arial" panose="02080604020202020204" pitchFamily="34" charset="0"/>
+                  <a:buFont typeface="Arial" panose="020B0604020202020204" pitchFamily="34" charset="0"/>
                   <a:buChar char="•"/>
                 </a:pPr>
                 <a:r>
@@ -5805,7 +9001,7 @@
                   <a:lnSpc>
                     <a:spcPct val="150000"/>
                   </a:lnSpc>
-                  <a:buFont typeface="Arial" panose="02080604020202020204" pitchFamily="34" charset="0"/>
+                  <a:buFont typeface="Arial" panose="020B0604020202020204" pitchFamily="34" charset="0"/>
                   <a:buChar char="•"/>
                 </a:pPr>
                 <a:r>
@@ -5839,8 +9035,8 @@
           <p:sp>
             <p:nvSpPr>
               <p:cNvPr id="2" name="Text Box 1"/>
-              <p:cNvSpPr txBox="true">
-                <a:spLocks noRot="true" noChangeAspect="true" noMove="true" noResize="true" noEditPoints="true" noAdjustHandles="true" noChangeArrowheads="true" noChangeShapeType="true" noTextEdit="true"/>
+              <p:cNvSpPr txBox="1">
+                <a:spLocks noRot="1" noChangeAspect="1" noMove="1" noResize="1" noEditPoints="1" noAdjustHandles="1" noChangeArrowheads="1" noChangeShapeType="1" noTextEdit="1"/>
               </p:cNvSpPr>
               <p:nvPr/>
             </p:nvSpPr>
@@ -5852,7 +9048,7 @@
               <a:prstGeom prst="rect">
                 <a:avLst/>
               </a:prstGeom>
-              <a:blipFill rotWithShape="true">
+              <a:blipFill rotWithShape="1">
                 <a:blip r:embed="rId2"/>
                 <a:stretch>
                   <a:fillRect/>
@@ -5874,6 +9070,2063 @@
           </p:sp>
         </mc:Fallback>
       </mc:AlternateContent>
+    </p:spTree>
+  </p:cSld>
+  <p:clrMapOvr>
+    <a:masterClrMapping/>
+  </p:clrMapOvr>
+</p:sld>
+</file>
+
+<file path=ppt/slides/slide3.xml><?xml version="1.0" encoding="utf-8"?>
+<p:sld xmlns:a="http://schemas.openxmlformats.org/drawingml/2006/main" xmlns:r="http://schemas.openxmlformats.org/officeDocument/2006/relationships" xmlns:p="http://schemas.openxmlformats.org/presentationml/2006/main">
+  <p:cSld>
+    <p:spTree>
+      <p:nvGrpSpPr>
+        <p:cNvPr id="1" name=""/>
+        <p:cNvGrpSpPr/>
+        <p:nvPr/>
+      </p:nvGrpSpPr>
+      <p:grpSpPr/>
+      <p:pic>
+        <p:nvPicPr>
+          <p:cNvPr id="10" name="Picture 9"/>
+          <p:cNvPicPr>
+            <a:picLocks noChangeAspect="1"/>
+          </p:cNvPicPr>
+          <p:nvPr/>
+        </p:nvPicPr>
+        <p:blipFill>
+          <a:blip r:embed="rId1"/>
+          <a:srcRect b="5928"/>
+          <a:stretch>
+            <a:fillRect/>
+          </a:stretch>
+        </p:blipFill>
+        <p:spPr>
+          <a:xfrm>
+            <a:off x="635" y="-19685"/>
+            <a:ext cx="723900" cy="6872605"/>
+          </a:xfrm>
+          <a:prstGeom prst="rect">
+            <a:avLst/>
+          </a:prstGeom>
+        </p:spPr>
+      </p:pic>
+      <p:sp>
+        <p:nvSpPr>
+          <p:cNvPr id="84" name="Google Shape;84;p2"/>
+          <p:cNvSpPr txBox="1">
+            <a:spLocks noGrp="1"/>
+          </p:cNvSpPr>
+          <p:nvPr>
+            <p:ph type="title"/>
+          </p:nvPr>
+        </p:nvSpPr>
+        <p:spPr>
+          <a:xfrm>
+            <a:off x="3995420" y="-19685"/>
+            <a:ext cx="4201795" cy="1051560"/>
+          </a:xfrm>
+          <a:prstGeom prst="rect">
+            <a:avLst/>
+          </a:prstGeom>
+          <a:noFill/>
+          <a:ln>
+            <a:noFill/>
+          </a:ln>
+        </p:spPr>
+        <p:txBody>
+          <a:bodyPr spcFirstLastPara="1" wrap="square" lIns="103150" tIns="51575" rIns="103150" bIns="51575" anchor="ctr" anchorCtr="0">
+            <a:noAutofit/>
+          </a:bodyPr>
+          <a:p>
+            <a:pPr algn="ctr"/>
+            <a:r>
+              <a:rPr lang="pt-PT" altLang="pt-BR" sz="3600"/>
+              <a:t>Parâmetros Livres:</a:t>
+            </a:r>
+            <a:endParaRPr lang="pt-PT" altLang="pt-BR" sz="3600" baseline="-25000">
+              <a:solidFill>
+                <a:schemeClr val="tx1"/>
+              </a:solidFill>
+              <a:uFillTx/>
+              <a:latin typeface="Arial" panose="020B0604020202020204"/>
+              <a:ea typeface="Arial" panose="020B0604020202020204"/>
+              <a:cs typeface="Arial" panose="020B0604020202020204"/>
+              <a:sym typeface="Arial" panose="020B0604020202020204"/>
+            </a:endParaRPr>
+          </a:p>
+        </p:txBody>
+      </p:sp>
+      <p:pic>
+        <p:nvPicPr>
+          <p:cNvPr id="95" name="Picture 94"/>
+          <p:cNvPicPr>
+            <a:picLocks noChangeAspect="1"/>
+          </p:cNvPicPr>
+          <p:nvPr/>
+        </p:nvPicPr>
+        <p:blipFill>
+          <a:blip r:embed="rId2"/>
+          <a:stretch>
+            <a:fillRect/>
+          </a:stretch>
+        </p:blipFill>
+        <p:spPr>
+          <a:xfrm>
+            <a:off x="3976370" y="1167130"/>
+            <a:ext cx="4240530" cy="5547995"/>
+          </a:xfrm>
+          <a:prstGeom prst="rect">
+            <a:avLst/>
+          </a:prstGeom>
+        </p:spPr>
+      </p:pic>
+      <mc:AlternateContent xmlns:mc="http://schemas.openxmlformats.org/markup-compatibility/2006">
+        <mc:Choice xmlns:a14="http://schemas.microsoft.com/office/drawing/2010/main" Requires="a14">
+          <p:sp>
+            <p:nvSpPr>
+              <p:cNvPr id="2" name="Google Shape;84;p2"/>
+              <p:cNvSpPr txBox="1">
+                <a:spLocks noGrp="1"/>
+              </p:cNvSpPr>
+              <p:nvPr/>
+            </p:nvSpPr>
+            <p:spPr>
+              <a:xfrm>
+                <a:off x="1965960" y="1727200"/>
+                <a:ext cx="1648460" cy="3403600"/>
+              </a:xfrm>
+              <a:prstGeom prst="rect">
+                <a:avLst/>
+              </a:prstGeom>
+              <a:noFill/>
+              <a:ln>
+                <a:noFill/>
+              </a:ln>
+            </p:spPr>
+            <p:txBody>
+              <a:bodyPr vert="horz" wrap="square" lIns="103150" tIns="51575" rIns="103150" bIns="51575" rtlCol="0" anchor="ctr" anchorCtr="0">
+                <a:noAutofit/>
+              </a:bodyPr>
+              <a:lstStyle>
+                <a:lvl1pPr algn="ctr" defTabSz="914400" rtl="0" eaLnBrk="1" latinLnBrk="0" hangingPunct="1">
+                  <a:lnSpc>
+                    <a:spcPct val="130000"/>
+                  </a:lnSpc>
+                  <a:spcBef>
+                    <a:spcPct val="0"/>
+                  </a:spcBef>
+                  <a:buNone/>
+                  <a:defRPr sz="6000" kern="1200">
+                    <a:solidFill>
+                      <a:schemeClr val="tx1"/>
+                    </a:solidFill>
+                    <a:effectLst>
+                      <a:outerShdw blurRad="38100" dist="38100" dir="2700000" algn="tl">
+                        <a:srgbClr val="000000">
+                          <a:alpha val="43137"/>
+                        </a:srgbClr>
+                      </a:outerShdw>
+                    </a:effectLst>
+                    <a:latin typeface="+mj-lt"/>
+                    <a:ea typeface="+mj-ea"/>
+                    <a:cs typeface="+mj-cs"/>
+                  </a:defRPr>
+                </a:lvl1pPr>
+              </a:lstStyle>
+              <a:p>
+                <a:pPr marL="571500" indent="-571500" algn="l">
+                  <a:lnSpc>
+                    <a:spcPct val="200000"/>
+                  </a:lnSpc>
+                  <a:buFont typeface="Arial" panose="020B0604020202020204" pitchFamily="34" charset="0"/>
+                  <a:buChar char="•"/>
+                </a:pPr>
+                <a14:m>
+                  <m:oMath xmlns:m="http://schemas.openxmlformats.org/officeDocument/2006/math">
+                    <m:r>
+                      <a:rPr lang="en-US" altLang="pt-PT" sz="2400" i="1">
+                        <a:solidFill>
+                          <a:schemeClr val="tx1"/>
+                        </a:solidFill>
+                        <a:uFillTx/>
+                        <a:latin typeface="DejaVu Math TeX Gyre" panose="02000503000000000000" charset="0"/>
+                        <a:ea typeface="Arial" panose="020B0604020202020204"/>
+                        <a:cs typeface="DejaVu Math TeX Gyre" panose="02000503000000000000" charset="0"/>
+                        <a:sym typeface="Arial" panose="020B0604020202020204"/>
+                      </a:rPr>
+                      <m:t>𝜏</m:t>
+                    </m:r>
+                  </m:oMath>
+                </a14:m>
+                <a:endParaRPr lang="en-US" altLang="pt-PT" sz="2400" i="1">
+                  <a:solidFill>
+                    <a:schemeClr val="tx1"/>
+                  </a:solidFill>
+                  <a:uFillTx/>
+                  <a:latin typeface="DejaVu Math TeX Gyre" panose="02000503000000000000" charset="0"/>
+                  <a:ea typeface="Arial" panose="020B0604020202020204"/>
+                  <a:cs typeface="DejaVu Math TeX Gyre" panose="02000503000000000000" charset="0"/>
+                  <a:sym typeface="Arial" panose="020B0604020202020204"/>
+                </a:endParaRPr>
+              </a:p>
+              <a:p>
+                <a:pPr marL="571500" indent="-571500" algn="l">
+                  <a:lnSpc>
+                    <a:spcPct val="200000"/>
+                  </a:lnSpc>
+                  <a:buFont typeface="Arial" panose="020B0604020202020204" pitchFamily="34" charset="0"/>
+                  <a:buChar char="•"/>
+                </a:pPr>
+                <a14:m>
+                  <m:oMath xmlns:m="http://schemas.openxmlformats.org/officeDocument/2006/math">
+                    <m:r>
+                      <a:rPr lang="en-US" altLang="pt-PT" sz="2400" i="1">
+                        <a:solidFill>
+                          <a:schemeClr val="tx1"/>
+                        </a:solidFill>
+                        <a:uFillTx/>
+                        <a:latin typeface="DejaVu Math TeX Gyre" panose="02000503000000000000" charset="0"/>
+                        <a:ea typeface="MS Mincho" charset="0"/>
+                        <a:cs typeface="DejaVu Math TeX Gyre" panose="02000503000000000000" charset="0"/>
+                        <a:sym typeface="Arial" panose="020B0604020202020204"/>
+                      </a:rPr>
+                      <m:t>𝜎</m:t>
+                    </m:r>
+                    <m:r>
+                      <a:rPr lang="en-US" altLang="pt-PT" sz="2400" i="1">
+                        <a:solidFill>
+                          <a:schemeClr val="tx1"/>
+                        </a:solidFill>
+                        <a:uFillTx/>
+                        <a:latin typeface="DejaVu Math TeX Gyre" panose="02000503000000000000" charset="0"/>
+                        <a:ea typeface="MS Mincho" charset="0"/>
+                        <a:cs typeface="DejaVu Math TeX Gyre" panose="02000503000000000000" charset="0"/>
+                        <a:sym typeface="Arial" panose="020B0604020202020204"/>
+                      </a:rPr>
+                      <m:t>=</m:t>
+                    </m:r>
+                    <m:r>
+                      <a:rPr lang="en-US" altLang="pt-PT" sz="2400" i="1">
+                        <a:solidFill>
+                          <a:schemeClr val="tx1"/>
+                        </a:solidFill>
+                        <a:uFillTx/>
+                        <a:latin typeface="DejaVu Math TeX Gyre" panose="02000503000000000000" charset="0"/>
+                        <a:ea typeface="MS Mincho" charset="0"/>
+                        <a:cs typeface="DejaVu Math TeX Gyre" panose="02000503000000000000" charset="0"/>
+                        <a:sym typeface="Arial" panose="020B0604020202020204"/>
+                      </a:rPr>
+                      <m:t>1</m:t>
+                    </m:r>
+                  </m:oMath>
+                </a14:m>
+                <a:endParaRPr lang="en-US" altLang="pt-PT" sz="2400" i="1">
+                  <a:solidFill>
+                    <a:schemeClr val="tx1"/>
+                  </a:solidFill>
+                  <a:uFillTx/>
+                  <a:latin typeface="DejaVu Math TeX Gyre" panose="02000503000000000000" charset="0"/>
+                  <a:ea typeface="MS Mincho" charset="0"/>
+                  <a:cs typeface="DejaVu Math TeX Gyre" panose="02000503000000000000" charset="0"/>
+                  <a:sym typeface="Arial" panose="020B0604020202020204"/>
+                </a:endParaRPr>
+              </a:p>
+            </p:txBody>
+          </p:sp>
+        </mc:Choice>
+        <mc:Fallback>
+          <p:sp>
+            <p:nvSpPr>
+              <p:cNvPr id="2" name="Google Shape;84;p2"/>
+              <p:cNvSpPr txBox="1">
+                <a:spLocks noRot="1" noChangeAspect="1" noMove="1" noResize="1" noEditPoints="1" noAdjustHandles="1" noChangeArrowheads="1" noChangeShapeType="1" noTextEdit="1"/>
+              </p:cNvSpPr>
+              <p:nvPr/>
+            </p:nvSpPr>
+            <p:spPr>
+              <a:xfrm>
+                <a:off x="1965960" y="1727200"/>
+                <a:ext cx="1648460" cy="3403600"/>
+              </a:xfrm>
+              <a:prstGeom prst="rect">
+                <a:avLst/>
+              </a:prstGeom>
+              <a:blipFill rotWithShape="1">
+                <a:blip r:embed="rId3"/>
+                <a:stretch>
+                  <a:fillRect/>
+                </a:stretch>
+              </a:blipFill>
+              <a:ln>
+                <a:noFill/>
+              </a:ln>
+            </p:spPr>
+            <p:txBody>
+              <a:bodyPr/>
+              <a:lstStyle/>
+              <a:p>
+                <a:r>
+                  <a:rPr lang="en-US" altLang="en-US">
+                    <a:noFill/>
+                  </a:rPr>
+                  <a:t> </a:t>
+                </a:r>
+              </a:p>
+            </p:txBody>
+          </p:sp>
+        </mc:Fallback>
+      </mc:AlternateContent>
+      <mc:AlternateContent xmlns:mc="http://schemas.openxmlformats.org/markup-compatibility/2006">
+        <mc:Choice xmlns:a14="http://schemas.microsoft.com/office/drawing/2010/main" Requires="a14">
+          <p:sp>
+            <p:nvSpPr>
+              <p:cNvPr id="3" name="Google Shape;84;p2"/>
+              <p:cNvSpPr txBox="1">
+                <a:spLocks noGrp="1"/>
+              </p:cNvSpPr>
+              <p:nvPr/>
+            </p:nvSpPr>
+            <p:spPr>
+              <a:xfrm>
+                <a:off x="9095105" y="1727200"/>
+                <a:ext cx="2252980" cy="3403600"/>
+              </a:xfrm>
+              <a:prstGeom prst="rect">
+                <a:avLst/>
+              </a:prstGeom>
+              <a:noFill/>
+              <a:ln>
+                <a:noFill/>
+              </a:ln>
+            </p:spPr>
+            <p:txBody>
+              <a:bodyPr vert="horz" wrap="square" lIns="103150" tIns="51575" rIns="103150" bIns="51575" rtlCol="0" anchor="ctr" anchorCtr="0">
+                <a:noAutofit/>
+              </a:bodyPr>
+              <a:lstStyle>
+                <a:lvl1pPr algn="ctr" defTabSz="914400" rtl="0" eaLnBrk="1" latinLnBrk="0" hangingPunct="1">
+                  <a:lnSpc>
+                    <a:spcPct val="130000"/>
+                  </a:lnSpc>
+                  <a:spcBef>
+                    <a:spcPct val="0"/>
+                  </a:spcBef>
+                  <a:buNone/>
+                  <a:defRPr sz="6000" kern="1200">
+                    <a:solidFill>
+                      <a:schemeClr val="tx1"/>
+                    </a:solidFill>
+                    <a:effectLst>
+                      <a:outerShdw blurRad="38100" dist="38100" dir="2700000" algn="tl">
+                        <a:srgbClr val="000000">
+                          <a:alpha val="43137"/>
+                        </a:srgbClr>
+                      </a:outerShdw>
+                    </a:effectLst>
+                    <a:latin typeface="+mj-lt"/>
+                    <a:ea typeface="+mj-ea"/>
+                    <a:cs typeface="+mj-cs"/>
+                  </a:defRPr>
+                </a:lvl1pPr>
+              </a:lstStyle>
+              <a:p>
+                <a:pPr marL="571500" indent="-571500" algn="l">
+                  <a:lnSpc>
+                    <a:spcPct val="200000"/>
+                  </a:lnSpc>
+                  <a:buFont typeface="Arial" panose="020B0604020202020204" pitchFamily="34" charset="0"/>
+                  <a:buChar char="•"/>
+                </a:pPr>
+                <a14:m>
+                  <m:oMath xmlns:m="http://schemas.openxmlformats.org/officeDocument/2006/math">
+                    <m:r>
+                      <a:rPr lang="en-US" altLang="pt-PT" sz="2400" i="1">
+                        <a:solidFill>
+                          <a:schemeClr val="tx1"/>
+                        </a:solidFill>
+                        <a:uFillTx/>
+                        <a:latin typeface="DejaVu Math TeX Gyre" panose="02000503000000000000" charset="0"/>
+                        <a:ea typeface="Arial" panose="020B0604020202020204"/>
+                        <a:cs typeface="DejaVu Math TeX Gyre" panose="02000503000000000000" charset="0"/>
+                        <a:sym typeface="Arial" panose="020B0604020202020204"/>
+                      </a:rPr>
+                      <m:t>𝜏</m:t>
+                    </m:r>
+                  </m:oMath>
+                </a14:m>
+                <a:endParaRPr lang="en-US" altLang="pt-PT" sz="2400" i="1">
+                  <a:solidFill>
+                    <a:schemeClr val="tx1"/>
+                  </a:solidFill>
+                  <a:uFillTx/>
+                  <a:latin typeface="DejaVu Math TeX Gyre" panose="02000503000000000000" charset="0"/>
+                  <a:ea typeface="Arial" panose="020B0604020202020204"/>
+                  <a:cs typeface="DejaVu Math TeX Gyre" panose="02000503000000000000" charset="0"/>
+                  <a:sym typeface="Arial" panose="020B0604020202020204"/>
+                </a:endParaRPr>
+              </a:p>
+              <a:p>
+                <a:pPr marL="571500" indent="-571500" algn="l">
+                  <a:lnSpc>
+                    <a:spcPct val="200000"/>
+                  </a:lnSpc>
+                  <a:buFont typeface="Arial" panose="020B0604020202020204" pitchFamily="34" charset="0"/>
+                  <a:buChar char="•"/>
+                </a:pPr>
+                <a14:m>
+                  <m:oMath xmlns:m="http://schemas.openxmlformats.org/officeDocument/2006/math">
+                    <m:sSub>
+                      <m:sSubPr>
+                        <m:ctrlPr>
+                          <a:rPr lang="en-US" altLang="pt-PT" sz="2400" i="1">
+                            <a:solidFill>
+                              <a:schemeClr val="tx1"/>
+                            </a:solidFill>
+                            <a:uFillTx/>
+                            <a:latin typeface="DejaVu Math TeX Gyre" panose="02000503000000000000" charset="0"/>
+                            <a:ea typeface="MS Mincho" charset="0"/>
+                            <a:cs typeface="DejaVu Math TeX Gyre" panose="02000503000000000000" charset="0"/>
+                            <a:sym typeface="Arial" panose="020B0604020202020204"/>
+                          </a:rPr>
+                        </m:ctrlPr>
+                      </m:sSubPr>
+                      <m:e>
+                        <m:r>
+                          <a:rPr lang="en-US" altLang="pt-PT" sz="2400" i="1">
+                            <a:solidFill>
+                              <a:schemeClr val="tx1"/>
+                            </a:solidFill>
+                            <a:uFillTx/>
+                            <a:latin typeface="DejaVu Math TeX Gyre" panose="02000503000000000000" charset="0"/>
+                            <a:ea typeface="MS Mincho" charset="0"/>
+                            <a:cs typeface="DejaVu Math TeX Gyre" panose="02000503000000000000" charset="0"/>
+                            <a:sym typeface="Arial" panose="020B0604020202020204"/>
+                          </a:rPr>
+                          <m:t>𝜎</m:t>
+                        </m:r>
+                      </m:e>
+                      <m:sub>
+                        <m:r>
+                          <a:rPr lang="en-US" altLang="pt-PT" sz="2400" i="1">
+                            <a:solidFill>
+                              <a:schemeClr val="tx1"/>
+                            </a:solidFill>
+                            <a:uFillTx/>
+                            <a:latin typeface="DejaVu Math TeX Gyre" panose="02000503000000000000" charset="0"/>
+                            <a:ea typeface="MS Mincho" charset="0"/>
+                            <a:cs typeface="DejaVu Math TeX Gyre" panose="02000503000000000000" charset="0"/>
+                            <a:sym typeface="Arial" panose="020B0604020202020204"/>
+                          </a:rPr>
+                          <m:t>1</m:t>
+                        </m:r>
+                      </m:sub>
+                    </m:sSub>
+                  </m:oMath>
+                </a14:m>
+                <a:endParaRPr lang="en-US" altLang="pt-PT" sz="2400" i="1">
+                  <a:solidFill>
+                    <a:schemeClr val="tx1"/>
+                  </a:solidFill>
+                  <a:uFillTx/>
+                  <a:latin typeface="DejaVu Math TeX Gyre" panose="02000503000000000000" charset="0"/>
+                  <a:ea typeface="MS Mincho" charset="0"/>
+                  <a:cs typeface="DejaVu Math TeX Gyre" panose="02000503000000000000" charset="0"/>
+                  <a:sym typeface="Arial" panose="020B0604020202020204"/>
+                </a:endParaRPr>
+              </a:p>
+              <a:p>
+                <a:pPr marL="571500" indent="-571500" algn="l">
+                  <a:lnSpc>
+                    <a:spcPct val="200000"/>
+                  </a:lnSpc>
+                  <a:buFont typeface="Arial" panose="020B0604020202020204" pitchFamily="34" charset="0"/>
+                  <a:buChar char="•"/>
+                </a:pPr>
+                <a:r>
+                  <a:rPr lang="pt-PT" altLang="en-US" sz="2400" i="1">
+                    <a:solidFill>
+                      <a:schemeClr val="tx1"/>
+                    </a:solidFill>
+                    <a:uFillTx/>
+                    <a:latin typeface="DejaVu Math TeX Gyre" panose="02000503000000000000" charset="0"/>
+                    <a:ea typeface="MS Mincho" charset="0"/>
+                    <a:cs typeface="DejaVu Math TeX Gyre" panose="02000503000000000000" charset="0"/>
+                    <a:sym typeface="Arial" panose="020B0604020202020204"/>
+                  </a:rPr>
+                  <a:t>P </a:t>
+                </a:r>
+                <a:endParaRPr lang="pt-PT" altLang="en-US" sz="2400" i="1">
+                  <a:solidFill>
+                    <a:schemeClr val="tx1"/>
+                  </a:solidFill>
+                  <a:uFillTx/>
+                  <a:latin typeface="DejaVu Math TeX Gyre" panose="02000503000000000000" charset="0"/>
+                  <a:ea typeface="MS Mincho" charset="0"/>
+                  <a:cs typeface="DejaVu Math TeX Gyre" panose="02000503000000000000" charset="0"/>
+                  <a:sym typeface="Arial" panose="020B0604020202020204"/>
+                </a:endParaRPr>
+              </a:p>
+              <a:p>
+                <a:pPr marL="571500" indent="-571500" algn="l">
+                  <a:lnSpc>
+                    <a:spcPct val="200000"/>
+                  </a:lnSpc>
+                  <a:buFont typeface="Arial" panose="020B0604020202020204" pitchFamily="34" charset="0"/>
+                  <a:buChar char="•"/>
+                </a:pPr>
+                <a:r>
+                  <a:rPr lang="pt-PT" altLang="en-US" sz="2400" i="1">
+                    <a:solidFill>
+                      <a:schemeClr val="tx1"/>
+                    </a:solidFill>
+                    <a:uFillTx/>
+                    <a:latin typeface="DejaVu Math TeX Gyre" panose="02000503000000000000" charset="0"/>
+                    <a:ea typeface="MS Mincho" charset="0"/>
+                    <a:cs typeface="DejaVu Math TeX Gyre" panose="02000503000000000000" charset="0"/>
+                    <a:sym typeface="Arial" panose="020B0604020202020204"/>
+                  </a:rPr>
+                  <a:t>s=2</a:t>
+                </a:r>
+                <a:endParaRPr lang="pt-PT" altLang="en-US" sz="2400" i="1">
+                  <a:solidFill>
+                    <a:schemeClr val="tx1"/>
+                  </a:solidFill>
+                  <a:uFillTx/>
+                  <a:latin typeface="DejaVu Math TeX Gyre" panose="02000503000000000000" charset="0"/>
+                  <a:ea typeface="MS Mincho" charset="0"/>
+                  <a:cs typeface="DejaVu Math TeX Gyre" panose="02000503000000000000" charset="0"/>
+                  <a:sym typeface="Arial" panose="020B0604020202020204"/>
+                </a:endParaRPr>
+              </a:p>
+            </p:txBody>
+          </p:sp>
+        </mc:Choice>
+        <mc:Fallback>
+          <p:sp>
+            <p:nvSpPr>
+              <p:cNvPr id="3" name="Google Shape;84;p2"/>
+              <p:cNvSpPr txBox="1">
+                <a:spLocks noRot="1" noChangeAspect="1" noMove="1" noResize="1" noEditPoints="1" noAdjustHandles="1" noChangeArrowheads="1" noChangeShapeType="1" noTextEdit="1"/>
+              </p:cNvSpPr>
+              <p:nvPr/>
+            </p:nvSpPr>
+            <p:spPr>
+              <a:xfrm>
+                <a:off x="9095105" y="1727200"/>
+                <a:ext cx="2252980" cy="3403600"/>
+              </a:xfrm>
+              <a:prstGeom prst="rect">
+                <a:avLst/>
+              </a:prstGeom>
+              <a:blipFill rotWithShape="1">
+                <a:blip r:embed="rId4"/>
+                <a:stretch>
+                  <a:fillRect/>
+                </a:stretch>
+              </a:blipFill>
+              <a:ln>
+                <a:noFill/>
+              </a:ln>
+            </p:spPr>
+            <p:txBody>
+              <a:bodyPr/>
+              <a:lstStyle/>
+              <a:p>
+                <a:r>
+                  <a:rPr lang="en-US" altLang="en-US">
+                    <a:noFill/>
+                  </a:rPr>
+                  <a:t> </a:t>
+                </a:r>
+              </a:p>
+            </p:txBody>
+          </p:sp>
+        </mc:Fallback>
+      </mc:AlternateContent>
+    </p:spTree>
+  </p:cSld>
+  <p:clrMapOvr>
+    <a:masterClrMapping/>
+  </p:clrMapOvr>
+</p:sld>
+</file>
+
+<file path=ppt/slides/slide4.xml><?xml version="1.0" encoding="utf-8"?>
+<p:sld xmlns:a="http://schemas.openxmlformats.org/drawingml/2006/main" xmlns:r="http://schemas.openxmlformats.org/officeDocument/2006/relationships" xmlns:p="http://schemas.openxmlformats.org/presentationml/2006/main">
+  <p:cSld>
+    <p:spTree>
+      <p:nvGrpSpPr>
+        <p:cNvPr id="1" name=""/>
+        <p:cNvGrpSpPr/>
+        <p:nvPr/>
+      </p:nvGrpSpPr>
+      <p:grpSpPr/>
+      <p:pic>
+        <p:nvPicPr>
+          <p:cNvPr id="10" name="Picture 9"/>
+          <p:cNvPicPr>
+            <a:picLocks noChangeAspect="1"/>
+          </p:cNvPicPr>
+          <p:nvPr/>
+        </p:nvPicPr>
+        <p:blipFill>
+          <a:blip r:embed="rId1"/>
+          <a:srcRect b="5928"/>
+          <a:stretch>
+            <a:fillRect/>
+          </a:stretch>
+        </p:blipFill>
+        <p:spPr>
+          <a:xfrm>
+            <a:off x="635" y="-19685"/>
+            <a:ext cx="723900" cy="6872605"/>
+          </a:xfrm>
+          <a:prstGeom prst="rect">
+            <a:avLst/>
+          </a:prstGeom>
+        </p:spPr>
+      </p:pic>
+      <p:sp>
+        <p:nvSpPr>
+          <p:cNvPr id="84" name="Google Shape;84;p2"/>
+          <p:cNvSpPr txBox="1">
+            <a:spLocks noGrp="1"/>
+          </p:cNvSpPr>
+          <p:nvPr>
+            <p:ph type="title"/>
+          </p:nvPr>
+        </p:nvSpPr>
+        <p:spPr>
+          <a:xfrm>
+            <a:off x="1022350" y="66675"/>
+            <a:ext cx="10634345" cy="1311275"/>
+          </a:xfrm>
+          <a:prstGeom prst="rect">
+            <a:avLst/>
+          </a:prstGeom>
+          <a:noFill/>
+          <a:ln>
+            <a:noFill/>
+          </a:ln>
+        </p:spPr>
+        <p:txBody>
+          <a:bodyPr spcFirstLastPara="1" wrap="square" lIns="103150" tIns="51575" rIns="103150" bIns="51575" anchor="ctr" anchorCtr="0">
+            <a:noAutofit/>
+          </a:bodyPr>
+          <a:p>
+            <a:pPr algn="ctr"/>
+            <a:r>
+              <a:rPr lang="pt-PT" altLang="pt-BR" sz="3600"/>
+              <a:t>Versões adaptativas do GEO</a:t>
+            </a:r>
+            <a:r>
+              <a:rPr lang="pt-PT" altLang="pt-BR" sz="3600" baseline="-25000">
+                <a:solidFill>
+                  <a:schemeClr val="tx1"/>
+                </a:solidFill>
+                <a:uFillTx/>
+              </a:rPr>
+              <a:t>real1</a:t>
+            </a:r>
+            <a:r>
+              <a:rPr lang="pt-PT" altLang="pt-BR" sz="3600"/>
+              <a:t> e do GEO</a:t>
+            </a:r>
+            <a:r>
+              <a:rPr lang="pt-PT" altLang="pt-BR" sz="3600" baseline="-25000">
+                <a:solidFill>
+                  <a:schemeClr val="tx1"/>
+                </a:solidFill>
+                <a:uFillTx/>
+              </a:rPr>
+              <a:t>real2</a:t>
+            </a:r>
+            <a:endParaRPr lang="pt-PT" altLang="pt-BR" sz="3600" baseline="-25000">
+              <a:solidFill>
+                <a:schemeClr val="tx1"/>
+              </a:solidFill>
+              <a:uFillTx/>
+              <a:latin typeface="Arial" panose="020B0604020202020204"/>
+              <a:ea typeface="Arial" panose="020B0604020202020204"/>
+              <a:cs typeface="Arial" panose="020B0604020202020204"/>
+              <a:sym typeface="Arial" panose="020B0604020202020204"/>
+            </a:endParaRPr>
+          </a:p>
+        </p:txBody>
+      </p:sp>
+      <p:sp>
+        <p:nvSpPr>
+          <p:cNvPr id="2" name="Google Shape;84;p2"/>
+          <p:cNvSpPr txBox="1">
+            <a:spLocks noGrp="1"/>
+          </p:cNvSpPr>
+          <p:nvPr/>
+        </p:nvSpPr>
+        <p:spPr>
+          <a:xfrm>
+            <a:off x="1388110" y="2073275"/>
+            <a:ext cx="9179560" cy="4458335"/>
+          </a:xfrm>
+          <a:prstGeom prst="rect">
+            <a:avLst/>
+          </a:prstGeom>
+          <a:noFill/>
+          <a:ln>
+            <a:noFill/>
+          </a:ln>
+        </p:spPr>
+        <p:txBody>
+          <a:bodyPr vert="horz" wrap="square" lIns="103150" tIns="51575" rIns="103150" bIns="51575" rtlCol="0" anchor="ctr" anchorCtr="0">
+            <a:noAutofit/>
+          </a:bodyPr>
+          <a:lstStyle>
+            <a:lvl1pPr algn="ctr" defTabSz="914400" rtl="0" eaLnBrk="1" latinLnBrk="0" hangingPunct="1">
+              <a:lnSpc>
+                <a:spcPct val="130000"/>
+              </a:lnSpc>
+              <a:spcBef>
+                <a:spcPct val="0"/>
+              </a:spcBef>
+              <a:buNone/>
+              <a:defRPr sz="6000" kern="1200">
+                <a:solidFill>
+                  <a:schemeClr val="tx1"/>
+                </a:solidFill>
+                <a:effectLst>
+                  <a:outerShdw blurRad="38100" dist="38100" dir="2700000" algn="tl">
+                    <a:srgbClr val="000000">
+                      <a:alpha val="43137"/>
+                    </a:srgbClr>
+                  </a:outerShdw>
+                </a:effectLst>
+                <a:latin typeface="+mj-lt"/>
+                <a:ea typeface="+mj-ea"/>
+                <a:cs typeface="+mj-cs"/>
+              </a:defRPr>
+            </a:lvl1pPr>
+          </a:lstStyle>
+          <a:p>
+            <a:pPr marL="342900" indent="-342900" algn="just">
+              <a:lnSpc>
+                <a:spcPct val="200000"/>
+              </a:lnSpc>
+              <a:buFont typeface="Arial" panose="020B0604020202020204" pitchFamily="34" charset="0"/>
+              <a:buChar char="•"/>
+            </a:pPr>
+            <a:r>
+              <a:rPr lang="pt-PT" altLang="en-US" sz="2000">
+                <a:solidFill>
+                  <a:schemeClr val="tx1"/>
+                </a:solidFill>
+                <a:effectLst/>
+                <a:uFillTx/>
+                <a:latin typeface="DejaVu Math TeX Gyre" panose="02000503000000000000" charset="0"/>
+                <a:ea typeface="MS Mincho" charset="0"/>
+                <a:cs typeface="DejaVu Math TeX Gyre" panose="02000503000000000000" charset="0"/>
+                <a:sym typeface="Arial" panose="020B0604020202020204"/>
+              </a:rPr>
+              <a:t>Foram implementadas as versões adaptativas desenvolvidas por (Barroca, 2019), gerando as versões:</a:t>
+            </a:r>
+            <a:endParaRPr lang="pt-PT" altLang="en-US" sz="2000">
+              <a:solidFill>
+                <a:schemeClr val="tx1"/>
+              </a:solidFill>
+              <a:effectLst/>
+              <a:uFillTx/>
+              <a:latin typeface="DejaVu Math TeX Gyre" panose="02000503000000000000" charset="0"/>
+              <a:ea typeface="MS Mincho" charset="0"/>
+              <a:cs typeface="DejaVu Math TeX Gyre" panose="02000503000000000000" charset="0"/>
+              <a:sym typeface="Arial" panose="020B0604020202020204"/>
+            </a:endParaRPr>
+          </a:p>
+          <a:p>
+            <a:pPr lvl="2" indent="-342900" algn="just">
+              <a:lnSpc>
+                <a:spcPct val="200000"/>
+              </a:lnSpc>
+              <a:buFont typeface="Arial" panose="020B0604020202020204" pitchFamily="34" charset="0"/>
+              <a:buChar char="•"/>
+            </a:pPr>
+            <a:r>
+              <a:rPr lang="pt-PT" altLang="en-US" sz="2200" i="1">
+                <a:solidFill>
+                  <a:schemeClr val="tx1"/>
+                </a:solidFill>
+                <a:uFillTx/>
+                <a:latin typeface="DejaVu Math TeX Gyre" panose="02000503000000000000" charset="0"/>
+                <a:ea typeface="MS Mincho" charset="0"/>
+                <a:cs typeface="DejaVu Math TeX Gyre" panose="02000503000000000000" charset="0"/>
+                <a:sym typeface="Arial" panose="020B0604020202020204"/>
+              </a:rPr>
+              <a:t>A-GEO1</a:t>
+            </a:r>
+            <a:r>
+              <a:rPr lang="pt-PT" altLang="en-US" sz="2200" i="1" baseline="-25000">
+                <a:solidFill>
+                  <a:schemeClr val="tx1"/>
+                </a:solidFill>
+                <a:uFillTx/>
+                <a:latin typeface="DejaVu Math TeX Gyre" panose="02000503000000000000" charset="0"/>
+                <a:ea typeface="MS Mincho" charset="0"/>
+                <a:cs typeface="DejaVu Math TeX Gyre" panose="02000503000000000000" charset="0"/>
+                <a:sym typeface="Arial" panose="020B0604020202020204"/>
+              </a:rPr>
+              <a:t>real1</a:t>
+            </a:r>
+            <a:endParaRPr lang="pt-PT" altLang="en-US" sz="2200" i="1" baseline="-25000">
+              <a:solidFill>
+                <a:schemeClr val="tx1"/>
+              </a:solidFill>
+              <a:uFillTx/>
+              <a:latin typeface="DejaVu Math TeX Gyre" panose="02000503000000000000" charset="0"/>
+              <a:ea typeface="MS Mincho" charset="0"/>
+              <a:cs typeface="DejaVu Math TeX Gyre" panose="02000503000000000000" charset="0"/>
+              <a:sym typeface="Arial" panose="020B0604020202020204"/>
+            </a:endParaRPr>
+          </a:p>
+          <a:p>
+            <a:pPr lvl="2" indent="-342900" algn="just">
+              <a:lnSpc>
+                <a:spcPct val="200000"/>
+              </a:lnSpc>
+              <a:buFont typeface="Arial" panose="020B0604020202020204" pitchFamily="34" charset="0"/>
+              <a:buChar char="•"/>
+            </a:pPr>
+            <a:r>
+              <a:rPr lang="pt-PT" altLang="en-US" sz="2200" i="1">
+                <a:uFillTx/>
+                <a:latin typeface="DejaVu Math TeX Gyre" panose="02000503000000000000" charset="0"/>
+                <a:ea typeface="MS Mincho" charset="0"/>
+                <a:cs typeface="DejaVu Math TeX Gyre" panose="02000503000000000000" charset="0"/>
+                <a:sym typeface="Arial" panose="020B0604020202020204"/>
+              </a:rPr>
+              <a:t>A-GEO2</a:t>
+            </a:r>
+            <a:r>
+              <a:rPr lang="pt-PT" altLang="en-US" sz="2200" i="1" baseline="-25000">
+                <a:uFillTx/>
+                <a:latin typeface="DejaVu Math TeX Gyre" panose="02000503000000000000" charset="0"/>
+                <a:ea typeface="MS Mincho" charset="0"/>
+                <a:cs typeface="DejaVu Math TeX Gyre" panose="02000503000000000000" charset="0"/>
+                <a:sym typeface="Arial" panose="020B0604020202020204"/>
+              </a:rPr>
+              <a:t>real1</a:t>
+            </a:r>
+            <a:endParaRPr lang="pt-PT" altLang="en-US" sz="2200" i="1" baseline="-25000">
+              <a:uFillTx/>
+              <a:latin typeface="DejaVu Math TeX Gyre" panose="02000503000000000000" charset="0"/>
+              <a:ea typeface="MS Mincho" charset="0"/>
+              <a:cs typeface="DejaVu Math TeX Gyre" panose="02000503000000000000" charset="0"/>
+              <a:sym typeface="Arial" panose="020B0604020202020204"/>
+            </a:endParaRPr>
+          </a:p>
+          <a:p>
+            <a:pPr lvl="2" indent="-342900" algn="just">
+              <a:lnSpc>
+                <a:spcPct val="200000"/>
+              </a:lnSpc>
+              <a:buFont typeface="Arial" panose="020B0604020202020204" pitchFamily="34" charset="0"/>
+              <a:buChar char="•"/>
+            </a:pPr>
+            <a:r>
+              <a:rPr lang="pt-PT" altLang="en-US" sz="2200" i="1">
+                <a:uFillTx/>
+                <a:latin typeface="DejaVu Math TeX Gyre" panose="02000503000000000000" charset="0"/>
+                <a:ea typeface="MS Mincho" charset="0"/>
+                <a:cs typeface="DejaVu Math TeX Gyre" panose="02000503000000000000" charset="0"/>
+                <a:sym typeface="Arial" panose="020B0604020202020204"/>
+              </a:rPr>
+              <a:t>A-GEO1</a:t>
+            </a:r>
+            <a:r>
+              <a:rPr lang="pt-PT" altLang="en-US" sz="2200" i="1" baseline="-25000">
+                <a:uFillTx/>
+                <a:latin typeface="DejaVu Math TeX Gyre" panose="02000503000000000000" charset="0"/>
+                <a:ea typeface="MS Mincho" charset="0"/>
+                <a:cs typeface="DejaVu Math TeX Gyre" panose="02000503000000000000" charset="0"/>
+                <a:sym typeface="Arial" panose="020B0604020202020204"/>
+              </a:rPr>
+              <a:t>real2 </a:t>
+            </a:r>
+            <a:endParaRPr lang="pt-PT" altLang="en-US" sz="2200" i="1" baseline="-25000">
+              <a:uFillTx/>
+              <a:latin typeface="DejaVu Math TeX Gyre" panose="02000503000000000000" charset="0"/>
+              <a:ea typeface="MS Mincho" charset="0"/>
+              <a:cs typeface="DejaVu Math TeX Gyre" panose="02000503000000000000" charset="0"/>
+              <a:sym typeface="Arial" panose="020B0604020202020204"/>
+            </a:endParaRPr>
+          </a:p>
+          <a:p>
+            <a:pPr lvl="2" indent="-342900" algn="just">
+              <a:lnSpc>
+                <a:spcPct val="200000"/>
+              </a:lnSpc>
+              <a:buFont typeface="Arial" panose="020B0604020202020204" pitchFamily="34" charset="0"/>
+              <a:buChar char="•"/>
+            </a:pPr>
+            <a:r>
+              <a:rPr lang="pt-PT" altLang="en-US" sz="2200" i="1">
+                <a:uFillTx/>
+                <a:latin typeface="DejaVu Math TeX Gyre" panose="02000503000000000000" charset="0"/>
+                <a:ea typeface="MS Mincho" charset="0"/>
+                <a:cs typeface="DejaVu Math TeX Gyre" panose="02000503000000000000" charset="0"/>
+                <a:sym typeface="Arial" panose="020B0604020202020204"/>
+              </a:rPr>
+              <a:t>A-GEO2</a:t>
+            </a:r>
+            <a:r>
+              <a:rPr lang="pt-PT" altLang="en-US" sz="2200" i="1" baseline="-25000">
+                <a:uFillTx/>
+                <a:latin typeface="DejaVu Math TeX Gyre" panose="02000503000000000000" charset="0"/>
+                <a:ea typeface="MS Mincho" charset="0"/>
+                <a:cs typeface="DejaVu Math TeX Gyre" panose="02000503000000000000" charset="0"/>
+                <a:sym typeface="Arial" panose="020B0604020202020204"/>
+              </a:rPr>
+              <a:t>real2</a:t>
+            </a:r>
+            <a:endParaRPr lang="pt-PT" altLang="en-US" sz="2200" i="1" baseline="-25000">
+              <a:uFillTx/>
+              <a:latin typeface="DejaVu Math TeX Gyre" panose="02000503000000000000" charset="0"/>
+              <a:ea typeface="MS Mincho" charset="0"/>
+              <a:cs typeface="DejaVu Math TeX Gyre" panose="02000503000000000000" charset="0"/>
+              <a:sym typeface="Arial" panose="020B0604020202020204"/>
+            </a:endParaRPr>
+          </a:p>
+          <a:p>
+            <a:pPr marL="571500" lvl="2" indent="0" algn="just">
+              <a:lnSpc>
+                <a:spcPct val="200000"/>
+              </a:lnSpc>
+              <a:buFont typeface="Arial" panose="020B0604020202020204" pitchFamily="34" charset="0"/>
+              <a:buNone/>
+            </a:pPr>
+            <a:r>
+              <a:rPr lang="pt-PT" altLang="en-US" sz="2200" i="1" baseline="-25000">
+                <a:uFillTx/>
+                <a:latin typeface="DejaVu Math TeX Gyre" panose="02000503000000000000" charset="0"/>
+                <a:ea typeface="MS Mincho" charset="0"/>
+                <a:cs typeface="DejaVu Math TeX Gyre" panose="02000503000000000000" charset="0"/>
+                <a:sym typeface="Arial" panose="020B0604020202020204"/>
+              </a:rPr>
+              <a:t>OBS1: Espera-se melhor desempenho do A-GEO2 para as implementações.</a:t>
+            </a:r>
+            <a:endParaRPr lang="pt-PT" altLang="en-US" sz="2200" i="1">
+              <a:solidFill>
+                <a:schemeClr val="tx1"/>
+              </a:solidFill>
+              <a:uFillTx/>
+              <a:latin typeface="DejaVu Math TeX Gyre" panose="02000503000000000000" charset="0"/>
+              <a:ea typeface="MS Mincho" charset="0"/>
+              <a:cs typeface="DejaVu Math TeX Gyre" panose="02000503000000000000" charset="0"/>
+              <a:sym typeface="Arial" panose="020B0604020202020204"/>
+            </a:endParaRPr>
+          </a:p>
+          <a:p>
+            <a:pPr lvl="1" indent="0" algn="l">
+              <a:lnSpc>
+                <a:spcPct val="200000"/>
+              </a:lnSpc>
+              <a:buFont typeface="Arial" panose="020B0604020202020204" pitchFamily="34" charset="0"/>
+              <a:buNone/>
+            </a:pPr>
+            <a:r>
+              <a:rPr lang="pt-PT" altLang="en-US" sz="2200" i="1" baseline="-25000">
+                <a:uFillTx/>
+                <a:latin typeface="DejaVu Math TeX Gyre" panose="02000503000000000000" charset="0"/>
+                <a:ea typeface="MS Mincho" charset="0"/>
+                <a:cs typeface="DejaVu Math TeX Gyre" panose="02000503000000000000" charset="0"/>
+                <a:sym typeface="Arial" panose="020B0604020202020204"/>
+              </a:rPr>
+              <a:t>  OBS2: Espera-se melhor desempenho do real1 em relação ao real2.</a:t>
+            </a:r>
+            <a:endParaRPr lang="pt-PT" altLang="en-US" sz="2200" i="1">
+              <a:solidFill>
+                <a:schemeClr val="tx1"/>
+              </a:solidFill>
+              <a:uFillTx/>
+              <a:latin typeface="DejaVu Math TeX Gyre" panose="02000503000000000000" charset="0"/>
+              <a:ea typeface="MS Mincho" charset="0"/>
+              <a:cs typeface="DejaVu Math TeX Gyre" panose="02000503000000000000" charset="0"/>
+              <a:sym typeface="Arial" panose="020B0604020202020204"/>
+            </a:endParaRPr>
+          </a:p>
+          <a:p>
+            <a:pPr marL="800100" lvl="1" indent="-342900" algn="l">
+              <a:lnSpc>
+                <a:spcPct val="200000"/>
+              </a:lnSpc>
+              <a:buFont typeface="Arial" panose="020B0604020202020204" pitchFamily="34" charset="0"/>
+              <a:buChar char="•"/>
+            </a:pPr>
+            <a:endParaRPr lang="pt-PT" altLang="en-US" sz="2200" i="1">
+              <a:solidFill>
+                <a:schemeClr val="tx1"/>
+              </a:solidFill>
+              <a:uFillTx/>
+              <a:latin typeface="DejaVu Math TeX Gyre" panose="02000503000000000000" charset="0"/>
+              <a:ea typeface="MS Mincho" charset="0"/>
+              <a:cs typeface="DejaVu Math TeX Gyre" panose="02000503000000000000" charset="0"/>
+              <a:sym typeface="Arial" panose="020B0604020202020204"/>
+            </a:endParaRPr>
+          </a:p>
+        </p:txBody>
+      </p:sp>
+    </p:spTree>
+  </p:cSld>
+  <p:clrMapOvr>
+    <a:masterClrMapping/>
+  </p:clrMapOvr>
+</p:sld>
+</file>
+
+<file path=ppt/slides/slide5.xml><?xml version="1.0" encoding="utf-8"?>
+<p:sld xmlns:a="http://schemas.openxmlformats.org/drawingml/2006/main" xmlns:r="http://schemas.openxmlformats.org/officeDocument/2006/relationships" xmlns:p="http://schemas.openxmlformats.org/presentationml/2006/main">
+  <p:cSld>
+    <p:spTree>
+      <p:nvGrpSpPr>
+        <p:cNvPr id="1" name=""/>
+        <p:cNvGrpSpPr/>
+        <p:nvPr/>
+      </p:nvGrpSpPr>
+      <p:grpSpPr/>
+      <p:pic>
+        <p:nvPicPr>
+          <p:cNvPr id="10" name="Picture 9"/>
+          <p:cNvPicPr>
+            <a:picLocks noChangeAspect="1"/>
+          </p:cNvPicPr>
+          <p:nvPr/>
+        </p:nvPicPr>
+        <p:blipFill>
+          <a:blip r:embed="rId1"/>
+          <a:srcRect b="5928"/>
+          <a:stretch>
+            <a:fillRect/>
+          </a:stretch>
+        </p:blipFill>
+        <p:spPr>
+          <a:xfrm>
+            <a:off x="635" y="-19685"/>
+            <a:ext cx="723900" cy="6872605"/>
+          </a:xfrm>
+          <a:prstGeom prst="rect">
+            <a:avLst/>
+          </a:prstGeom>
+        </p:spPr>
+      </p:pic>
+      <p:sp>
+        <p:nvSpPr>
+          <p:cNvPr id="84" name="Google Shape;84;p2"/>
+          <p:cNvSpPr txBox="1">
+            <a:spLocks noGrp="1"/>
+          </p:cNvSpPr>
+          <p:nvPr>
+            <p:ph type="title"/>
+          </p:nvPr>
+        </p:nvSpPr>
+        <p:spPr>
+          <a:xfrm>
+            <a:off x="3340735" y="273050"/>
+            <a:ext cx="5251450" cy="603885"/>
+          </a:xfrm>
+          <a:prstGeom prst="rect">
+            <a:avLst/>
+          </a:prstGeom>
+          <a:noFill/>
+          <a:ln>
+            <a:noFill/>
+          </a:ln>
+        </p:spPr>
+        <p:txBody>
+          <a:bodyPr spcFirstLastPara="1" wrap="square" lIns="103150" tIns="51575" rIns="103150" bIns="51575" anchor="ctr" anchorCtr="0">
+            <a:noAutofit/>
+          </a:bodyPr>
+          <a:p>
+            <a:pPr algn="ctr"/>
+            <a:r>
+              <a:rPr lang="pt-PT" altLang="pt-BR" sz="3200"/>
+              <a:t>Resultados</a:t>
+            </a:r>
+            <a:endParaRPr lang="pt-PT" altLang="pt-BR" sz="3200">
+              <a:latin typeface="Arial" panose="020B0604020202020204"/>
+              <a:ea typeface="Arial" panose="020B0604020202020204"/>
+              <a:cs typeface="Arial" panose="020B0604020202020204"/>
+              <a:sym typeface="Arial" panose="020B0604020202020204"/>
+            </a:endParaRPr>
+          </a:p>
+        </p:txBody>
+      </p:sp>
+      <p:pic>
+        <p:nvPicPr>
+          <p:cNvPr id="5" name="Picture 4" descr="Screenshot_20210414_121334"/>
+          <p:cNvPicPr>
+            <a:picLocks noChangeAspect="1"/>
+          </p:cNvPicPr>
+          <p:nvPr/>
+        </p:nvPicPr>
+        <p:blipFill>
+          <a:blip r:embed="rId2"/>
+          <a:stretch>
+            <a:fillRect/>
+          </a:stretch>
+        </p:blipFill>
+        <p:spPr>
+          <a:xfrm>
+            <a:off x="490855" y="2141855"/>
+            <a:ext cx="5377815" cy="3467100"/>
+          </a:xfrm>
+          <a:prstGeom prst="rect">
+            <a:avLst/>
+          </a:prstGeom>
+        </p:spPr>
+      </p:pic>
+      <p:pic>
+        <p:nvPicPr>
+          <p:cNvPr id="9" name="Picture 8" descr="REAL_a_gri"/>
+          <p:cNvPicPr>
+            <a:picLocks noChangeAspect="1"/>
+          </p:cNvPicPr>
+          <p:nvPr/>
+        </p:nvPicPr>
+        <p:blipFill>
+          <a:blip r:embed="rId3"/>
+          <a:stretch>
+            <a:fillRect/>
+          </a:stretch>
+        </p:blipFill>
+        <p:spPr>
+          <a:xfrm>
+            <a:off x="5868670" y="2094230"/>
+            <a:ext cx="5965190" cy="3366135"/>
+          </a:xfrm>
+          <a:prstGeom prst="rect">
+            <a:avLst/>
+          </a:prstGeom>
+        </p:spPr>
+      </p:pic>
+      <p:sp>
+        <p:nvSpPr>
+          <p:cNvPr id="2" name="Google Shape;84;p2"/>
+          <p:cNvSpPr txBox="1">
+            <a:spLocks noGrp="1"/>
+          </p:cNvSpPr>
+          <p:nvPr/>
+        </p:nvSpPr>
+        <p:spPr>
+          <a:xfrm>
+            <a:off x="1133475" y="1111250"/>
+            <a:ext cx="9854565" cy="603885"/>
+          </a:xfrm>
+          <a:prstGeom prst="rect">
+            <a:avLst/>
+          </a:prstGeom>
+          <a:noFill/>
+          <a:ln>
+            <a:noFill/>
+          </a:ln>
+        </p:spPr>
+        <p:txBody>
+          <a:bodyPr vert="horz" wrap="square" lIns="103150" tIns="51575" rIns="103150" bIns="51575" rtlCol="0" anchor="ctr" anchorCtr="0">
+            <a:noAutofit/>
+          </a:bodyPr>
+          <a:lstStyle>
+            <a:lvl1pPr algn="ctr" defTabSz="914400" rtl="0" eaLnBrk="1" latinLnBrk="0" hangingPunct="1">
+              <a:lnSpc>
+                <a:spcPct val="130000"/>
+              </a:lnSpc>
+              <a:spcBef>
+                <a:spcPct val="0"/>
+              </a:spcBef>
+              <a:buNone/>
+              <a:defRPr sz="6000" kern="1200">
+                <a:solidFill>
+                  <a:schemeClr val="tx1"/>
+                </a:solidFill>
+                <a:effectLst>
+                  <a:outerShdw blurRad="38100" dist="38100" dir="2700000" algn="tl">
+                    <a:srgbClr val="000000">
+                      <a:alpha val="43137"/>
+                    </a:srgbClr>
+                  </a:outerShdw>
+                </a:effectLst>
+                <a:latin typeface="+mj-lt"/>
+                <a:ea typeface="+mj-ea"/>
+                <a:cs typeface="+mj-cs"/>
+              </a:defRPr>
+            </a:lvl1pPr>
+          </a:lstStyle>
+          <a:p>
+            <a:pPr marL="342900" indent="-342900" algn="l">
+              <a:buFont typeface="Arial" panose="020B0604020202020204" pitchFamily="34" charset="0"/>
+              <a:buChar char="•"/>
+            </a:pPr>
+            <a:r>
+              <a:rPr lang="pt-PT" altLang="pt-BR" sz="2400"/>
+              <a:t>Griewangk - </a:t>
+            </a:r>
+            <a:r>
+              <a:rPr lang="pt-PT" altLang="pt-BR" sz="1600"/>
+              <a:t>Função extremamente multimodal, não separável.</a:t>
+            </a:r>
+            <a:endParaRPr lang="pt-PT" altLang="pt-BR" sz="1600"/>
+          </a:p>
+        </p:txBody>
+      </p:sp>
+    </p:spTree>
+  </p:cSld>
+  <p:clrMapOvr>
+    <a:masterClrMapping/>
+  </p:clrMapOvr>
+</p:sld>
+</file>
+
+<file path=ppt/slides/slide6.xml><?xml version="1.0" encoding="utf-8"?>
+<p:sld xmlns:a="http://schemas.openxmlformats.org/drawingml/2006/main" xmlns:r="http://schemas.openxmlformats.org/officeDocument/2006/relationships" xmlns:p="http://schemas.openxmlformats.org/presentationml/2006/main">
+  <p:cSld>
+    <p:spTree>
+      <p:nvGrpSpPr>
+        <p:cNvPr id="1" name=""/>
+        <p:cNvGrpSpPr/>
+        <p:nvPr/>
+      </p:nvGrpSpPr>
+      <p:grpSpPr/>
+      <p:pic>
+        <p:nvPicPr>
+          <p:cNvPr id="10" name="Picture 9"/>
+          <p:cNvPicPr>
+            <a:picLocks noChangeAspect="1"/>
+          </p:cNvPicPr>
+          <p:nvPr/>
+        </p:nvPicPr>
+        <p:blipFill>
+          <a:blip r:embed="rId1"/>
+          <a:srcRect b="5928"/>
+          <a:stretch>
+            <a:fillRect/>
+          </a:stretch>
+        </p:blipFill>
+        <p:spPr>
+          <a:xfrm>
+            <a:off x="635" y="-19685"/>
+            <a:ext cx="723900" cy="6872605"/>
+          </a:xfrm>
+          <a:prstGeom prst="rect">
+            <a:avLst/>
+          </a:prstGeom>
+        </p:spPr>
+      </p:pic>
+      <p:pic>
+        <p:nvPicPr>
+          <p:cNvPr id="4" name="Picture 3" descr="Screenshot_20210414_121459"/>
+          <p:cNvPicPr>
+            <a:picLocks noChangeAspect="1"/>
+          </p:cNvPicPr>
+          <p:nvPr/>
+        </p:nvPicPr>
+        <p:blipFill>
+          <a:blip r:embed="rId2"/>
+          <a:stretch>
+            <a:fillRect/>
+          </a:stretch>
+        </p:blipFill>
+        <p:spPr>
+          <a:xfrm>
+            <a:off x="563245" y="2148840"/>
+            <a:ext cx="5377815" cy="3448050"/>
+          </a:xfrm>
+          <a:prstGeom prst="rect">
+            <a:avLst/>
+          </a:prstGeom>
+        </p:spPr>
+      </p:pic>
+      <p:pic>
+        <p:nvPicPr>
+          <p:cNvPr id="2" name="Picture 1" descr="REAL_b_ras"/>
+          <p:cNvPicPr>
+            <a:picLocks noChangeAspect="1"/>
+          </p:cNvPicPr>
+          <p:nvPr/>
+        </p:nvPicPr>
+        <p:blipFill>
+          <a:blip r:embed="rId3"/>
+          <a:stretch>
+            <a:fillRect/>
+          </a:stretch>
+        </p:blipFill>
+        <p:spPr>
+          <a:xfrm>
+            <a:off x="5941060" y="2134870"/>
+            <a:ext cx="5983605" cy="3376930"/>
+          </a:xfrm>
+          <a:prstGeom prst="rect">
+            <a:avLst/>
+          </a:prstGeom>
+        </p:spPr>
+      </p:pic>
+      <p:sp>
+        <p:nvSpPr>
+          <p:cNvPr id="5" name="Google Shape;84;p2"/>
+          <p:cNvSpPr txBox="1">
+            <a:spLocks noGrp="1"/>
+          </p:cNvSpPr>
+          <p:nvPr/>
+        </p:nvSpPr>
+        <p:spPr>
+          <a:xfrm>
+            <a:off x="3340735" y="273050"/>
+            <a:ext cx="5251450" cy="603885"/>
+          </a:xfrm>
+          <a:prstGeom prst="rect">
+            <a:avLst/>
+          </a:prstGeom>
+          <a:noFill/>
+          <a:ln>
+            <a:noFill/>
+          </a:ln>
+        </p:spPr>
+        <p:txBody>
+          <a:bodyPr vert="horz" wrap="square" lIns="103150" tIns="51575" rIns="103150" bIns="51575" rtlCol="0" anchor="ctr" anchorCtr="0">
+            <a:noAutofit/>
+          </a:bodyPr>
+          <a:lstStyle>
+            <a:lvl1pPr algn="ctr" defTabSz="914400" rtl="0" eaLnBrk="1" latinLnBrk="0" hangingPunct="1">
+              <a:lnSpc>
+                <a:spcPct val="130000"/>
+              </a:lnSpc>
+              <a:spcBef>
+                <a:spcPct val="0"/>
+              </a:spcBef>
+              <a:buNone/>
+              <a:defRPr sz="6000" kern="1200">
+                <a:solidFill>
+                  <a:schemeClr val="tx1"/>
+                </a:solidFill>
+                <a:effectLst>
+                  <a:outerShdw blurRad="38100" dist="38100" dir="2700000" algn="tl">
+                    <a:srgbClr val="000000">
+                      <a:alpha val="43137"/>
+                    </a:srgbClr>
+                  </a:outerShdw>
+                </a:effectLst>
+                <a:latin typeface="+mj-lt"/>
+                <a:ea typeface="+mj-ea"/>
+                <a:cs typeface="+mj-cs"/>
+              </a:defRPr>
+            </a:lvl1pPr>
+          </a:lstStyle>
+          <a:p>
+            <a:pPr algn="ctr"/>
+            <a:r>
+              <a:rPr lang="pt-PT" altLang="pt-BR" sz="3200"/>
+              <a:t>Resultados</a:t>
+            </a:r>
+            <a:endParaRPr lang="pt-PT" altLang="pt-BR" sz="3200">
+              <a:latin typeface="Arial" panose="020B0604020202020204"/>
+              <a:ea typeface="Arial" panose="020B0604020202020204"/>
+              <a:cs typeface="Arial" panose="020B0604020202020204"/>
+              <a:sym typeface="Arial" panose="020B0604020202020204"/>
+            </a:endParaRPr>
+          </a:p>
+        </p:txBody>
+      </p:sp>
+      <p:sp>
+        <p:nvSpPr>
+          <p:cNvPr id="6" name="Google Shape;84;p2"/>
+          <p:cNvSpPr txBox="1">
+            <a:spLocks noGrp="1"/>
+          </p:cNvSpPr>
+          <p:nvPr/>
+        </p:nvSpPr>
+        <p:spPr>
+          <a:xfrm>
+            <a:off x="1133475" y="1111250"/>
+            <a:ext cx="10144125" cy="603885"/>
+          </a:xfrm>
+          <a:prstGeom prst="rect">
+            <a:avLst/>
+          </a:prstGeom>
+          <a:noFill/>
+          <a:ln>
+            <a:noFill/>
+          </a:ln>
+        </p:spPr>
+        <p:txBody>
+          <a:bodyPr vert="horz" wrap="square" lIns="103150" tIns="51575" rIns="103150" bIns="51575" rtlCol="0" anchor="ctr" anchorCtr="0">
+            <a:noAutofit/>
+          </a:bodyPr>
+          <a:lstStyle>
+            <a:lvl1pPr algn="ctr" defTabSz="914400" rtl="0" eaLnBrk="1" latinLnBrk="0" hangingPunct="1">
+              <a:lnSpc>
+                <a:spcPct val="130000"/>
+              </a:lnSpc>
+              <a:spcBef>
+                <a:spcPct val="0"/>
+              </a:spcBef>
+              <a:buNone/>
+              <a:defRPr sz="6000" kern="1200">
+                <a:solidFill>
+                  <a:schemeClr val="tx1"/>
+                </a:solidFill>
+                <a:effectLst>
+                  <a:outerShdw blurRad="38100" dist="38100" dir="2700000" algn="tl">
+                    <a:srgbClr val="000000">
+                      <a:alpha val="43137"/>
+                    </a:srgbClr>
+                  </a:outerShdw>
+                </a:effectLst>
+                <a:latin typeface="+mj-lt"/>
+                <a:ea typeface="+mj-ea"/>
+                <a:cs typeface="+mj-cs"/>
+              </a:defRPr>
+            </a:lvl1pPr>
+          </a:lstStyle>
+          <a:p>
+            <a:pPr marL="342900" indent="-342900" algn="l">
+              <a:buFont typeface="Arial" panose="020B0604020202020204" pitchFamily="34" charset="0"/>
+              <a:buChar char="•"/>
+            </a:pPr>
+            <a:r>
+              <a:rPr lang="pt-PT" altLang="pt-BR" sz="2400"/>
+              <a:t>Rastringin - </a:t>
+            </a:r>
+            <a:r>
+              <a:rPr lang="pt-PT" altLang="pt-BR" sz="1600"/>
+              <a:t>Não linear, separável e com múltiplos mínimos locais distribuídos regularmente.</a:t>
+            </a:r>
+            <a:endParaRPr lang="pt-PT" altLang="pt-BR" sz="1600"/>
+          </a:p>
+        </p:txBody>
+      </p:sp>
+    </p:spTree>
+  </p:cSld>
+  <p:clrMapOvr>
+    <a:masterClrMapping/>
+  </p:clrMapOvr>
+</p:sld>
+</file>
+
+<file path=ppt/slides/slide7.xml><?xml version="1.0" encoding="utf-8"?>
+<p:sld xmlns:a="http://schemas.openxmlformats.org/drawingml/2006/main" xmlns:r="http://schemas.openxmlformats.org/officeDocument/2006/relationships" xmlns:p="http://schemas.openxmlformats.org/presentationml/2006/main">
+  <p:cSld>
+    <p:spTree>
+      <p:nvGrpSpPr>
+        <p:cNvPr id="1" name=""/>
+        <p:cNvGrpSpPr/>
+        <p:nvPr/>
+      </p:nvGrpSpPr>
+      <p:grpSpPr/>
+      <p:pic>
+        <p:nvPicPr>
+          <p:cNvPr id="10" name="Picture 9"/>
+          <p:cNvPicPr>
+            <a:picLocks noChangeAspect="1"/>
+          </p:cNvPicPr>
+          <p:nvPr/>
+        </p:nvPicPr>
+        <p:blipFill>
+          <a:blip r:embed="rId1"/>
+          <a:srcRect b="5928"/>
+          <a:stretch>
+            <a:fillRect/>
+          </a:stretch>
+        </p:blipFill>
+        <p:spPr>
+          <a:xfrm>
+            <a:off x="635" y="-19685"/>
+            <a:ext cx="723900" cy="6872605"/>
+          </a:xfrm>
+          <a:prstGeom prst="rect">
+            <a:avLst/>
+          </a:prstGeom>
+        </p:spPr>
+      </p:pic>
+      <p:pic>
+        <p:nvPicPr>
+          <p:cNvPr id="3" name="Picture 2" descr="REAL_c_ros"/>
+          <p:cNvPicPr>
+            <a:picLocks noChangeAspect="1"/>
+          </p:cNvPicPr>
+          <p:nvPr/>
+        </p:nvPicPr>
+        <p:blipFill>
+          <a:blip r:embed="rId2"/>
+          <a:stretch>
+            <a:fillRect/>
+          </a:stretch>
+        </p:blipFill>
+        <p:spPr>
+          <a:xfrm>
+            <a:off x="2613025" y="2113280"/>
+            <a:ext cx="6965315" cy="3931285"/>
+          </a:xfrm>
+          <a:prstGeom prst="rect">
+            <a:avLst/>
+          </a:prstGeom>
+        </p:spPr>
+      </p:pic>
+      <p:sp>
+        <p:nvSpPr>
+          <p:cNvPr id="5" name="Google Shape;84;p2"/>
+          <p:cNvSpPr txBox="1">
+            <a:spLocks noGrp="1"/>
+          </p:cNvSpPr>
+          <p:nvPr/>
+        </p:nvSpPr>
+        <p:spPr>
+          <a:xfrm>
+            <a:off x="3340735" y="273050"/>
+            <a:ext cx="5251450" cy="603885"/>
+          </a:xfrm>
+          <a:prstGeom prst="rect">
+            <a:avLst/>
+          </a:prstGeom>
+          <a:noFill/>
+          <a:ln>
+            <a:noFill/>
+          </a:ln>
+        </p:spPr>
+        <p:txBody>
+          <a:bodyPr vert="horz" wrap="square" lIns="103150" tIns="51575" rIns="103150" bIns="51575" rtlCol="0" anchor="ctr" anchorCtr="0">
+            <a:noAutofit/>
+          </a:bodyPr>
+          <a:lstStyle>
+            <a:lvl1pPr algn="ctr" defTabSz="914400" rtl="0" eaLnBrk="1" latinLnBrk="0" hangingPunct="1">
+              <a:lnSpc>
+                <a:spcPct val="130000"/>
+              </a:lnSpc>
+              <a:spcBef>
+                <a:spcPct val="0"/>
+              </a:spcBef>
+              <a:buNone/>
+              <a:defRPr sz="6000" kern="1200">
+                <a:solidFill>
+                  <a:schemeClr val="tx1"/>
+                </a:solidFill>
+                <a:effectLst>
+                  <a:outerShdw blurRad="38100" dist="38100" dir="2700000" algn="tl">
+                    <a:srgbClr val="000000">
+                      <a:alpha val="43137"/>
+                    </a:srgbClr>
+                  </a:outerShdw>
+                </a:effectLst>
+                <a:latin typeface="+mj-lt"/>
+                <a:ea typeface="+mj-ea"/>
+                <a:cs typeface="+mj-cs"/>
+              </a:defRPr>
+            </a:lvl1pPr>
+          </a:lstStyle>
+          <a:p>
+            <a:pPr algn="ctr"/>
+            <a:r>
+              <a:rPr lang="pt-PT" altLang="pt-BR" sz="3200"/>
+              <a:t>Resultados</a:t>
+            </a:r>
+            <a:endParaRPr lang="pt-PT" altLang="pt-BR" sz="3200">
+              <a:latin typeface="Arial" panose="020B0604020202020204"/>
+              <a:ea typeface="Arial" panose="020B0604020202020204"/>
+              <a:cs typeface="Arial" panose="020B0604020202020204"/>
+              <a:sym typeface="Arial" panose="020B0604020202020204"/>
+            </a:endParaRPr>
+          </a:p>
+        </p:txBody>
+      </p:sp>
+      <p:sp>
+        <p:nvSpPr>
+          <p:cNvPr id="6" name="Google Shape;84;p2"/>
+          <p:cNvSpPr txBox="1">
+            <a:spLocks noGrp="1"/>
+          </p:cNvSpPr>
+          <p:nvPr/>
+        </p:nvSpPr>
+        <p:spPr>
+          <a:xfrm>
+            <a:off x="1133475" y="1111250"/>
+            <a:ext cx="10344785" cy="603885"/>
+          </a:xfrm>
+          <a:prstGeom prst="rect">
+            <a:avLst/>
+          </a:prstGeom>
+          <a:noFill/>
+          <a:ln>
+            <a:noFill/>
+          </a:ln>
+        </p:spPr>
+        <p:txBody>
+          <a:bodyPr vert="horz" wrap="square" lIns="103150" tIns="51575" rIns="103150" bIns="51575" rtlCol="0" anchor="ctr" anchorCtr="0">
+            <a:noAutofit/>
+          </a:bodyPr>
+          <a:lstStyle>
+            <a:lvl1pPr algn="ctr" defTabSz="914400" rtl="0" eaLnBrk="1" latinLnBrk="0" hangingPunct="1">
+              <a:lnSpc>
+                <a:spcPct val="130000"/>
+              </a:lnSpc>
+              <a:spcBef>
+                <a:spcPct val="0"/>
+              </a:spcBef>
+              <a:buNone/>
+              <a:defRPr sz="6000" kern="1200">
+                <a:solidFill>
+                  <a:schemeClr val="tx1"/>
+                </a:solidFill>
+                <a:effectLst>
+                  <a:outerShdw blurRad="38100" dist="38100" dir="2700000" algn="tl">
+                    <a:srgbClr val="000000">
+                      <a:alpha val="43137"/>
+                    </a:srgbClr>
+                  </a:outerShdw>
+                </a:effectLst>
+                <a:latin typeface="+mj-lt"/>
+                <a:ea typeface="+mj-ea"/>
+                <a:cs typeface="+mj-cs"/>
+              </a:defRPr>
+            </a:lvl1pPr>
+          </a:lstStyle>
+          <a:p>
+            <a:pPr marL="342900" indent="-342900" algn="l">
+              <a:buFont typeface="Arial" panose="020B0604020202020204" pitchFamily="34" charset="0"/>
+              <a:buChar char="•"/>
+            </a:pPr>
+            <a:r>
+              <a:rPr lang="pt-PT" altLang="pt-BR" sz="2400"/>
+              <a:t>Rosenbrock - </a:t>
+            </a:r>
+            <a:r>
+              <a:rPr lang="pt-PT" altLang="pt-BR" sz="1600"/>
+              <a:t>Função contínua, não separável, unimodal, apresenta apenas um mínimo (dentro de um vale longo, estreito e de formato parabólico aplanado)</a:t>
+            </a:r>
+            <a:endParaRPr lang="pt-PT" altLang="pt-BR" sz="1600"/>
+          </a:p>
+        </p:txBody>
+      </p:sp>
+    </p:spTree>
+  </p:cSld>
+  <p:clrMapOvr>
+    <a:masterClrMapping/>
+  </p:clrMapOvr>
+</p:sld>
+</file>
+
+<file path=ppt/slides/slide8.xml><?xml version="1.0" encoding="utf-8"?>
+<p:sld xmlns:a="http://schemas.openxmlformats.org/drawingml/2006/main" xmlns:r="http://schemas.openxmlformats.org/officeDocument/2006/relationships" xmlns:p="http://schemas.openxmlformats.org/presentationml/2006/main">
+  <p:cSld>
+    <p:spTree>
+      <p:nvGrpSpPr>
+        <p:cNvPr id="1" name=""/>
+        <p:cNvGrpSpPr/>
+        <p:nvPr/>
+      </p:nvGrpSpPr>
+      <p:grpSpPr/>
+      <p:pic>
+        <p:nvPicPr>
+          <p:cNvPr id="10" name="Picture 9"/>
+          <p:cNvPicPr>
+            <a:picLocks noChangeAspect="1"/>
+          </p:cNvPicPr>
+          <p:nvPr/>
+        </p:nvPicPr>
+        <p:blipFill>
+          <a:blip r:embed="rId1"/>
+          <a:srcRect b="5928"/>
+          <a:stretch>
+            <a:fillRect/>
+          </a:stretch>
+        </p:blipFill>
+        <p:spPr>
+          <a:xfrm>
+            <a:off x="635" y="-19685"/>
+            <a:ext cx="723900" cy="6872605"/>
+          </a:xfrm>
+          <a:prstGeom prst="rect">
+            <a:avLst/>
+          </a:prstGeom>
+        </p:spPr>
+      </p:pic>
+      <p:sp>
+        <p:nvSpPr>
+          <p:cNvPr id="4" name="Google Shape;84;p2"/>
+          <p:cNvSpPr txBox="1">
+            <a:spLocks noGrp="1"/>
+          </p:cNvSpPr>
+          <p:nvPr/>
+        </p:nvSpPr>
+        <p:spPr>
+          <a:xfrm>
+            <a:off x="3340735" y="273050"/>
+            <a:ext cx="5251450" cy="603885"/>
+          </a:xfrm>
+          <a:prstGeom prst="rect">
+            <a:avLst/>
+          </a:prstGeom>
+          <a:noFill/>
+          <a:ln>
+            <a:noFill/>
+          </a:ln>
+        </p:spPr>
+        <p:txBody>
+          <a:bodyPr vert="horz" wrap="square" lIns="103150" tIns="51575" rIns="103150" bIns="51575" rtlCol="0" anchor="ctr" anchorCtr="0">
+            <a:noAutofit/>
+          </a:bodyPr>
+          <a:lstStyle>
+            <a:lvl1pPr algn="ctr" defTabSz="914400" rtl="0" eaLnBrk="1" latinLnBrk="0" hangingPunct="1">
+              <a:lnSpc>
+                <a:spcPct val="130000"/>
+              </a:lnSpc>
+              <a:spcBef>
+                <a:spcPct val="0"/>
+              </a:spcBef>
+              <a:buNone/>
+              <a:defRPr sz="6000" kern="1200">
+                <a:solidFill>
+                  <a:schemeClr val="tx1"/>
+                </a:solidFill>
+                <a:effectLst>
+                  <a:outerShdw blurRad="38100" dist="38100" dir="2700000" algn="tl">
+                    <a:srgbClr val="000000">
+                      <a:alpha val="43137"/>
+                    </a:srgbClr>
+                  </a:outerShdw>
+                </a:effectLst>
+                <a:latin typeface="+mj-lt"/>
+                <a:ea typeface="+mj-ea"/>
+                <a:cs typeface="+mj-cs"/>
+              </a:defRPr>
+            </a:lvl1pPr>
+          </a:lstStyle>
+          <a:p>
+            <a:pPr algn="ctr"/>
+            <a:r>
+              <a:rPr lang="pt-PT" altLang="pt-BR" sz="3200"/>
+              <a:t>Resultados</a:t>
+            </a:r>
+            <a:endParaRPr lang="pt-PT" altLang="pt-BR" sz="3200">
+              <a:latin typeface="Arial" panose="020B0604020202020204"/>
+              <a:ea typeface="Arial" panose="020B0604020202020204"/>
+              <a:cs typeface="Arial" panose="020B0604020202020204"/>
+              <a:sym typeface="Arial" panose="020B0604020202020204"/>
+            </a:endParaRPr>
+          </a:p>
+        </p:txBody>
+      </p:sp>
+      <p:sp>
+        <p:nvSpPr>
+          <p:cNvPr id="6" name="Google Shape;84;p2"/>
+          <p:cNvSpPr txBox="1">
+            <a:spLocks noGrp="1"/>
+          </p:cNvSpPr>
+          <p:nvPr/>
+        </p:nvSpPr>
+        <p:spPr>
+          <a:xfrm>
+            <a:off x="1133475" y="1111250"/>
+            <a:ext cx="10129520" cy="748030"/>
+          </a:xfrm>
+          <a:prstGeom prst="rect">
+            <a:avLst/>
+          </a:prstGeom>
+          <a:noFill/>
+          <a:ln>
+            <a:noFill/>
+          </a:ln>
+        </p:spPr>
+        <p:txBody>
+          <a:bodyPr vert="horz" wrap="square" lIns="103150" tIns="51575" rIns="103150" bIns="51575" rtlCol="0" anchor="ctr" anchorCtr="0">
+            <a:noAutofit/>
+          </a:bodyPr>
+          <a:lstStyle>
+            <a:lvl1pPr algn="ctr" defTabSz="914400" rtl="0" eaLnBrk="1" latinLnBrk="0" hangingPunct="1">
+              <a:lnSpc>
+                <a:spcPct val="130000"/>
+              </a:lnSpc>
+              <a:spcBef>
+                <a:spcPct val="0"/>
+              </a:spcBef>
+              <a:buNone/>
+              <a:defRPr sz="6000" kern="1200">
+                <a:solidFill>
+                  <a:schemeClr val="tx1"/>
+                </a:solidFill>
+                <a:effectLst>
+                  <a:outerShdw blurRad="38100" dist="38100" dir="2700000" algn="tl">
+                    <a:srgbClr val="000000">
+                      <a:alpha val="43137"/>
+                    </a:srgbClr>
+                  </a:outerShdw>
+                </a:effectLst>
+                <a:latin typeface="+mj-lt"/>
+                <a:ea typeface="+mj-ea"/>
+                <a:cs typeface="+mj-cs"/>
+              </a:defRPr>
+            </a:lvl1pPr>
+          </a:lstStyle>
+          <a:p>
+            <a:pPr marL="342900" indent="-342900" algn="l">
+              <a:buFont typeface="Arial" panose="020B0604020202020204" pitchFamily="34" charset="0"/>
+              <a:buChar char="•"/>
+            </a:pPr>
+            <a:r>
+              <a:rPr lang="pt-PT" altLang="pt-BR" sz="2400"/>
+              <a:t>Schwefel - </a:t>
+            </a:r>
+            <a:r>
+              <a:rPr lang="pt-PT" altLang="pt-BR" sz="1600"/>
+              <a:t>Não linear, separável, multimodal. Apresenta o mínimo global distante do melhor mínimo local mais próximo.</a:t>
+            </a:r>
+            <a:endParaRPr lang="pt-PT" altLang="pt-BR" sz="1600"/>
+          </a:p>
+        </p:txBody>
+      </p:sp>
+      <p:pic>
+        <p:nvPicPr>
+          <p:cNvPr id="7" name="Picture 6" descr="Screenshot_20210414_121422"/>
+          <p:cNvPicPr>
+            <a:picLocks noChangeAspect="1"/>
+          </p:cNvPicPr>
+          <p:nvPr/>
+        </p:nvPicPr>
+        <p:blipFill>
+          <a:blip r:embed="rId2"/>
+          <a:stretch>
+            <a:fillRect/>
+          </a:stretch>
+        </p:blipFill>
+        <p:spPr>
+          <a:xfrm>
+            <a:off x="492125" y="2307590"/>
+            <a:ext cx="5236845" cy="3347720"/>
+          </a:xfrm>
+          <a:prstGeom prst="rect">
+            <a:avLst/>
+          </a:prstGeom>
+        </p:spPr>
+      </p:pic>
+      <p:pic>
+        <p:nvPicPr>
+          <p:cNvPr id="8" name="Picture 7" descr="REAL_d_sch"/>
+          <p:cNvPicPr>
+            <a:picLocks noChangeAspect="1"/>
+          </p:cNvPicPr>
+          <p:nvPr/>
+        </p:nvPicPr>
+        <p:blipFill>
+          <a:blip r:embed="rId3"/>
+          <a:stretch>
+            <a:fillRect/>
+          </a:stretch>
+        </p:blipFill>
+        <p:spPr>
+          <a:xfrm>
+            <a:off x="5728970" y="2245995"/>
+            <a:ext cx="6151245" cy="3470910"/>
+          </a:xfrm>
+          <a:prstGeom prst="rect">
+            <a:avLst/>
+          </a:prstGeom>
+        </p:spPr>
+      </p:pic>
+    </p:spTree>
+  </p:cSld>
+  <p:clrMapOvr>
+    <a:masterClrMapping/>
+  </p:clrMapOvr>
+</p:sld>
+</file>
+
+<file path=ppt/slides/slide9.xml><?xml version="1.0" encoding="utf-8"?>
+<p:sld xmlns:a="http://schemas.openxmlformats.org/drawingml/2006/main" xmlns:r="http://schemas.openxmlformats.org/officeDocument/2006/relationships" xmlns:p="http://schemas.openxmlformats.org/presentationml/2006/main">
+  <p:cSld>
+    <p:spTree>
+      <p:nvGrpSpPr>
+        <p:cNvPr id="1" name=""/>
+        <p:cNvGrpSpPr/>
+        <p:nvPr/>
+      </p:nvGrpSpPr>
+      <p:grpSpPr/>
+      <p:pic>
+        <p:nvPicPr>
+          <p:cNvPr id="10" name="Picture 9"/>
+          <p:cNvPicPr>
+            <a:picLocks noChangeAspect="1"/>
+          </p:cNvPicPr>
+          <p:nvPr/>
+        </p:nvPicPr>
+        <p:blipFill>
+          <a:blip r:embed="rId1"/>
+          <a:srcRect b="5928"/>
+          <a:stretch>
+            <a:fillRect/>
+          </a:stretch>
+        </p:blipFill>
+        <p:spPr>
+          <a:xfrm>
+            <a:off x="635" y="-19685"/>
+            <a:ext cx="723900" cy="6872605"/>
+          </a:xfrm>
+          <a:prstGeom prst="rect">
+            <a:avLst/>
+          </a:prstGeom>
+        </p:spPr>
+      </p:pic>
+      <p:pic>
+        <p:nvPicPr>
+          <p:cNvPr id="2" name="Picture 1" descr="REAL_e_ack"/>
+          <p:cNvPicPr>
+            <a:picLocks noChangeAspect="1"/>
+          </p:cNvPicPr>
+          <p:nvPr/>
+        </p:nvPicPr>
+        <p:blipFill>
+          <a:blip r:embed="rId2"/>
+          <a:stretch>
+            <a:fillRect/>
+          </a:stretch>
+        </p:blipFill>
+        <p:spPr>
+          <a:xfrm>
+            <a:off x="2578100" y="2158365"/>
+            <a:ext cx="7036435" cy="3971290"/>
+          </a:xfrm>
+          <a:prstGeom prst="rect">
+            <a:avLst/>
+          </a:prstGeom>
+        </p:spPr>
+      </p:pic>
+      <p:sp>
+        <p:nvSpPr>
+          <p:cNvPr id="4" name="Google Shape;84;p2"/>
+          <p:cNvSpPr txBox="1">
+            <a:spLocks noGrp="1"/>
+          </p:cNvSpPr>
+          <p:nvPr/>
+        </p:nvSpPr>
+        <p:spPr>
+          <a:xfrm>
+            <a:off x="3340735" y="273050"/>
+            <a:ext cx="5251450" cy="603885"/>
+          </a:xfrm>
+          <a:prstGeom prst="rect">
+            <a:avLst/>
+          </a:prstGeom>
+          <a:noFill/>
+          <a:ln>
+            <a:noFill/>
+          </a:ln>
+        </p:spPr>
+        <p:txBody>
+          <a:bodyPr vert="horz" wrap="square" lIns="103150" tIns="51575" rIns="103150" bIns="51575" rtlCol="0" anchor="ctr" anchorCtr="0">
+            <a:noAutofit/>
+          </a:bodyPr>
+          <a:lstStyle>
+            <a:lvl1pPr algn="ctr" defTabSz="914400" rtl="0" eaLnBrk="1" latinLnBrk="0" hangingPunct="1">
+              <a:lnSpc>
+                <a:spcPct val="130000"/>
+              </a:lnSpc>
+              <a:spcBef>
+                <a:spcPct val="0"/>
+              </a:spcBef>
+              <a:buNone/>
+              <a:defRPr sz="6000" kern="1200">
+                <a:solidFill>
+                  <a:schemeClr val="tx1"/>
+                </a:solidFill>
+                <a:effectLst>
+                  <a:outerShdw blurRad="38100" dist="38100" dir="2700000" algn="tl">
+                    <a:srgbClr val="000000">
+                      <a:alpha val="43137"/>
+                    </a:srgbClr>
+                  </a:outerShdw>
+                </a:effectLst>
+                <a:latin typeface="+mj-lt"/>
+                <a:ea typeface="+mj-ea"/>
+                <a:cs typeface="+mj-cs"/>
+              </a:defRPr>
+            </a:lvl1pPr>
+          </a:lstStyle>
+          <a:p>
+            <a:pPr algn="ctr"/>
+            <a:r>
+              <a:rPr lang="pt-PT" altLang="pt-BR" sz="3200"/>
+              <a:t>Resultados</a:t>
+            </a:r>
+            <a:endParaRPr lang="pt-PT" altLang="pt-BR" sz="3200">
+              <a:latin typeface="Arial" panose="020B0604020202020204"/>
+              <a:ea typeface="Arial" panose="020B0604020202020204"/>
+              <a:cs typeface="Arial" panose="020B0604020202020204"/>
+              <a:sym typeface="Arial" panose="020B0604020202020204"/>
+            </a:endParaRPr>
+          </a:p>
+        </p:txBody>
+      </p:sp>
+      <p:sp>
+        <p:nvSpPr>
+          <p:cNvPr id="6" name="Google Shape;84;p2"/>
+          <p:cNvSpPr txBox="1">
+            <a:spLocks noGrp="1"/>
+          </p:cNvSpPr>
+          <p:nvPr/>
+        </p:nvSpPr>
+        <p:spPr>
+          <a:xfrm>
+            <a:off x="1133475" y="1111250"/>
+            <a:ext cx="9796780" cy="603885"/>
+          </a:xfrm>
+          <a:prstGeom prst="rect">
+            <a:avLst/>
+          </a:prstGeom>
+          <a:noFill/>
+          <a:ln>
+            <a:noFill/>
+          </a:ln>
+        </p:spPr>
+        <p:txBody>
+          <a:bodyPr vert="horz" wrap="square" lIns="103150" tIns="51575" rIns="103150" bIns="51575" rtlCol="0" anchor="ctr" anchorCtr="0">
+            <a:noAutofit/>
+          </a:bodyPr>
+          <a:lstStyle>
+            <a:lvl1pPr algn="ctr" defTabSz="914400" rtl="0" eaLnBrk="1" latinLnBrk="0" hangingPunct="1">
+              <a:lnSpc>
+                <a:spcPct val="130000"/>
+              </a:lnSpc>
+              <a:spcBef>
+                <a:spcPct val="0"/>
+              </a:spcBef>
+              <a:buNone/>
+              <a:defRPr sz="6000" kern="1200">
+                <a:solidFill>
+                  <a:schemeClr val="tx1"/>
+                </a:solidFill>
+                <a:effectLst>
+                  <a:outerShdw blurRad="38100" dist="38100" dir="2700000" algn="tl">
+                    <a:srgbClr val="000000">
+                      <a:alpha val="43137"/>
+                    </a:srgbClr>
+                  </a:outerShdw>
+                </a:effectLst>
+                <a:latin typeface="+mj-lt"/>
+                <a:ea typeface="+mj-ea"/>
+                <a:cs typeface="+mj-cs"/>
+              </a:defRPr>
+            </a:lvl1pPr>
+          </a:lstStyle>
+          <a:p>
+            <a:pPr marL="342900" indent="-342900" algn="l">
+              <a:buFont typeface="Arial" panose="020B0604020202020204" pitchFamily="34" charset="0"/>
+              <a:buChar char="•"/>
+            </a:pPr>
+            <a:r>
+              <a:rPr lang="pt-PT" altLang="pt-BR" sz="2400"/>
+              <a:t>Ackley - </a:t>
+            </a:r>
+            <a:r>
+              <a:rPr lang="pt-PT" altLang="pt-BR" sz="1600"/>
+              <a:t>Função multimodal, separável.</a:t>
+            </a:r>
+            <a:endParaRPr lang="pt-PT" altLang="pt-BR" sz="1600"/>
+          </a:p>
+        </p:txBody>
+      </p:sp>
     </p:spTree>
   </p:cSld>
   <p:clrMapOvr>
@@ -6000,7 +11253,7 @@
         <a:solidFill>
           <a:schemeClr val="phClr"/>
         </a:solidFill>
-        <a:gradFill rotWithShape="true">
+        <a:gradFill rotWithShape="1">
           <a:gsLst>
             <a:gs pos="0">
               <a:schemeClr val="phClr">
@@ -6024,9 +11277,9 @@
               </a:schemeClr>
             </a:gs>
           </a:gsLst>
-          <a:lin ang="5400000" scaled="false"/>
+          <a:lin ang="5400000" scaled="0"/>
         </a:gradFill>
-        <a:gradFill rotWithShape="true">
+        <a:gradFill rotWithShape="1">
           <a:gsLst>
             <a:gs pos="0">
               <a:schemeClr val="phClr">
@@ -6050,7 +11303,7 @@
               </a:schemeClr>
             </a:gs>
           </a:gsLst>
-          <a:lin ang="5400000" scaled="false"/>
+          <a:lin ang="5400000" scaled="0"/>
         </a:gradFill>
       </a:fillStyleLst>
       <a:lnStyleLst>
@@ -6103,7 +11356,7 @@
             <a:satMod val="170000"/>
           </a:schemeClr>
         </a:solidFill>
-        <a:gradFill rotWithShape="true">
+        <a:gradFill rotWithShape="1">
           <a:gsLst>
             <a:gs pos="0">
               <a:schemeClr val="phClr">
@@ -6128,7 +11381,7 @@
               </a:schemeClr>
             </a:gs>
           </a:gsLst>
-          <a:lin ang="5400000" scaled="false"/>
+          <a:lin ang="5400000" scaled="0"/>
         </a:gradFill>
       </a:bgFillStyleLst>
     </a:fmtScheme>
@@ -6259,7 +11512,7 @@
         <a:solidFill>
           <a:schemeClr val="phClr"/>
         </a:solidFill>
-        <a:gradFill rotWithShape="true">
+        <a:gradFill rotWithShape="1">
           <a:gsLst>
             <a:gs pos="0">
               <a:schemeClr val="phClr">
@@ -6283,9 +11536,9 @@
               </a:schemeClr>
             </a:gs>
           </a:gsLst>
-          <a:lin ang="5400000" scaled="false"/>
+          <a:lin ang="5400000" scaled="0"/>
         </a:gradFill>
-        <a:gradFill rotWithShape="true">
+        <a:gradFill rotWithShape="1">
           <a:gsLst>
             <a:gs pos="0">
               <a:schemeClr val="phClr">
@@ -6309,7 +11562,7 @@
               </a:schemeClr>
             </a:gs>
           </a:gsLst>
-          <a:lin ang="5400000" scaled="false"/>
+          <a:lin ang="5400000" scaled="0"/>
         </a:gradFill>
       </a:fillStyleLst>
       <a:lnStyleLst>
@@ -6362,7 +11615,7 @@
             <a:satMod val="170000"/>
           </a:schemeClr>
         </a:solidFill>
-        <a:gradFill rotWithShape="true">
+        <a:gradFill rotWithShape="1">
           <a:gsLst>
             <a:gs pos="0">
               <a:schemeClr val="phClr">
@@ -6387,7 +11640,7 @@
               </a:schemeClr>
             </a:gs>
           </a:gsLst>
-          <a:lin ang="5400000" scaled="false"/>
+          <a:lin ang="5400000" scaled="0"/>
         </a:gradFill>
       </a:bgFillStyleLst>
     </a:fmtScheme>
@@ -6518,7 +11771,7 @@
         <a:solidFill>
           <a:schemeClr val="phClr"/>
         </a:solidFill>
-        <a:gradFill rotWithShape="true">
+        <a:gradFill rotWithShape="1">
           <a:gsLst>
             <a:gs pos="0">
               <a:schemeClr val="phClr">
@@ -6542,9 +11795,9 @@
               </a:schemeClr>
             </a:gs>
           </a:gsLst>
-          <a:lin ang="5400000" scaled="false"/>
+          <a:lin ang="5400000" scaled="0"/>
         </a:gradFill>
-        <a:gradFill rotWithShape="true">
+        <a:gradFill rotWithShape="1">
           <a:gsLst>
             <a:gs pos="0">
               <a:schemeClr val="phClr">
@@ -6568,7 +11821,7 @@
               </a:schemeClr>
             </a:gs>
           </a:gsLst>
-          <a:lin ang="5400000" scaled="false"/>
+          <a:lin ang="5400000" scaled="0"/>
         </a:gradFill>
       </a:fillStyleLst>
       <a:lnStyleLst>
@@ -6621,7 +11874,7 @@
             <a:satMod val="170000"/>
           </a:schemeClr>
         </a:solidFill>
-        <a:gradFill rotWithShape="true">
+        <a:gradFill rotWithShape="1">
           <a:gsLst>
             <a:gs pos="0">
               <a:schemeClr val="phClr">
@@ -6646,7 +11899,7 @@
               </a:schemeClr>
             </a:gs>
           </a:gsLst>
-          <a:lin ang="5400000" scaled="false"/>
+          <a:lin ang="5400000" scaled="0"/>
         </a:gradFill>
       </a:bgFillStyleLst>
     </a:fmtScheme>
